--- a/PPT KELOMPOK 13 ATM.pptx
+++ b/PPT KELOMPOK 13 ATM.pptx
@@ -7,10 +7,19 @@
   </p:sldMasterIdLst>
   <p:sldIdLst>
     <p:sldId id="258" r:id="rId3"/>
-    <p:sldId id="259" r:id="rId4"/>
-    <p:sldId id="260" r:id="rId5"/>
-    <p:sldId id="261" r:id="rId6"/>
-    <p:sldId id="262" r:id="rId7"/>
+    <p:sldId id="263" r:id="rId4"/>
+    <p:sldId id="259" r:id="rId5"/>
+    <p:sldId id="264" r:id="rId6"/>
+    <p:sldId id="265" r:id="rId7"/>
+    <p:sldId id="266" r:id="rId8"/>
+    <p:sldId id="267" r:id="rId9"/>
+    <p:sldId id="268" r:id="rId10"/>
+    <p:sldId id="269" r:id="rId11"/>
+    <p:sldId id="270" r:id="rId12"/>
+    <p:sldId id="271" r:id="rId13"/>
+    <p:sldId id="273" r:id="rId14"/>
+    <p:sldId id="272" r:id="rId15"/>
+    <p:sldId id="262" r:id="rId16"/>
   </p:sldIdLst>
   <p:sldSz cx="12192000" cy="6858000"/>
   <p:notesSz cx="6858000" cy="9144000"/>
@@ -50530,7 +50539,3015 @@
 </p:sld>
 </file>
 
+<file path=ppt/slides/slide10.xml><?xml version="1.0" encoding="utf-8"?>
+<p:sld xmlns:a="http://schemas.openxmlformats.org/drawingml/2006/main" xmlns:r="http://schemas.openxmlformats.org/officeDocument/2006/relationships" xmlns:p="http://schemas.openxmlformats.org/presentationml/2006/main">
+  <p:cSld>
+    <p:spTree>
+      <p:nvGrpSpPr>
+        <p:cNvPr id="1" name=""/>
+        <p:cNvGrpSpPr/>
+        <p:nvPr/>
+      </p:nvGrpSpPr>
+      <p:grpSpPr>
+        <a:xfrm>
+          <a:off x="0" y="0"/>
+          <a:ext cx="0" cy="0"/>
+          <a:chOff x="0" y="0"/>
+          <a:chExt cx="0" cy="0"/>
+        </a:xfrm>
+      </p:grpSpPr>
+      <p:sp>
+        <p:nvSpPr>
+          <p:cNvPr id="2" name="Text Placeholder 1">
+            <a:extLst>
+              <a:ext uri="{FF2B5EF4-FFF2-40B4-BE49-F238E27FC236}">
+                <a16:creationId xmlns:a16="http://schemas.microsoft.com/office/drawing/2014/main" id="{45235982-374D-4A41-BDB6-9D533CA1598E}"/>
+              </a:ext>
+            </a:extLst>
+          </p:cNvPr>
+          <p:cNvSpPr>
+            <a:spLocks noGrp="1"/>
+          </p:cNvSpPr>
+          <p:nvPr>
+            <p:ph type="body" idx="1"/>
+          </p:nvPr>
+        </p:nvSpPr>
+        <p:spPr/>
+        <p:txBody>
+          <a:bodyPr/>
+          <a:lstStyle/>
+          <a:p>
+            <a:pPr marL="177796" indent="0">
+              <a:buNone/>
+            </a:pPr>
+            <a:r>
+              <a:rPr lang="en-US" dirty="0"/>
+              <a:t>4. </a:t>
+            </a:r>
+            <a:r>
+              <a:rPr lang="en-US" dirty="0" err="1"/>
+              <a:t>Kode</a:t>
+            </a:r>
+            <a:r>
+              <a:rPr lang="en-US" dirty="0"/>
+              <a:t> </a:t>
+            </a:r>
+            <a:r>
+              <a:rPr lang="en-US" dirty="0" err="1"/>
+              <a:t>pembayaran</a:t>
+            </a:r>
+            <a:endParaRPr lang="en-US" dirty="0"/>
+          </a:p>
+          <a:p>
+            <a:pPr marL="177796" indent="0">
+              <a:buNone/>
+            </a:pPr>
+            <a:r>
+              <a:rPr lang="en-ID" dirty="0" err="1"/>
+              <a:t>Kode</a:t>
+            </a:r>
+            <a:r>
+              <a:rPr lang="en-ID" dirty="0"/>
+              <a:t> </a:t>
+            </a:r>
+            <a:r>
+              <a:rPr lang="en-ID" dirty="0" err="1"/>
+              <a:t>pembayaran</a:t>
+            </a:r>
+            <a:r>
+              <a:rPr lang="en-ID" dirty="0"/>
+              <a:t> </a:t>
+            </a:r>
+            <a:r>
+              <a:rPr lang="en-ID" dirty="0" err="1"/>
+              <a:t>ini</a:t>
+            </a:r>
+            <a:r>
+              <a:rPr lang="en-ID" dirty="0"/>
+              <a:t> </a:t>
+            </a:r>
+            <a:r>
+              <a:rPr lang="en-ID" dirty="0" err="1"/>
+              <a:t>sangat</a:t>
+            </a:r>
+            <a:r>
+              <a:rPr lang="en-ID" dirty="0"/>
+              <a:t> </a:t>
+            </a:r>
+            <a:r>
+              <a:rPr lang="en-ID" dirty="0" err="1"/>
+              <a:t>penting</a:t>
+            </a:r>
+            <a:r>
+              <a:rPr lang="en-ID" dirty="0"/>
+              <a:t> </a:t>
+            </a:r>
+            <a:r>
+              <a:rPr lang="en-ID" dirty="0" err="1"/>
+              <a:t>untuk</a:t>
+            </a:r>
+            <a:r>
+              <a:rPr lang="en-ID" dirty="0"/>
+              <a:t> </a:t>
+            </a:r>
+            <a:r>
+              <a:rPr lang="en-ID" dirty="0" err="1"/>
+              <a:t>melakukan</a:t>
+            </a:r>
+            <a:r>
+              <a:rPr lang="en-ID" dirty="0"/>
+              <a:t> </a:t>
+            </a:r>
+            <a:r>
+              <a:rPr lang="en-ID" dirty="0" err="1"/>
+              <a:t>suatu</a:t>
+            </a:r>
+            <a:r>
+              <a:rPr lang="en-ID" dirty="0"/>
+              <a:t> </a:t>
+            </a:r>
+            <a:r>
+              <a:rPr lang="en-ID" dirty="0" err="1"/>
+              <a:t>pembayaran</a:t>
+            </a:r>
+            <a:r>
+              <a:rPr lang="en-ID" dirty="0"/>
+              <a:t>. </a:t>
+            </a:r>
+            <a:r>
+              <a:rPr lang="en-ID" dirty="0" err="1"/>
+              <a:t>Selain</a:t>
+            </a:r>
+            <a:r>
+              <a:rPr lang="en-ID" dirty="0"/>
+              <a:t> </a:t>
+            </a:r>
+            <a:r>
+              <a:rPr lang="en-ID" dirty="0" err="1"/>
+              <a:t>kode</a:t>
+            </a:r>
+            <a:r>
+              <a:rPr lang="en-ID" dirty="0"/>
+              <a:t> juga </a:t>
+            </a:r>
+            <a:r>
+              <a:rPr lang="en-ID" dirty="0" err="1"/>
+              <a:t>dibutuhkan</a:t>
+            </a:r>
+            <a:r>
+              <a:rPr lang="en-ID" dirty="0"/>
+              <a:t> status </a:t>
+            </a:r>
+            <a:r>
+              <a:rPr lang="en-ID" dirty="0" err="1"/>
+              <a:t>pembayarannya</a:t>
+            </a:r>
+            <a:r>
+              <a:rPr lang="en-ID" dirty="0"/>
+              <a:t>, </a:t>
+            </a:r>
+            <a:r>
+              <a:rPr lang="en-ID" dirty="0" err="1"/>
+              <a:t>berguna</a:t>
+            </a:r>
+            <a:r>
+              <a:rPr lang="en-ID" dirty="0"/>
+              <a:t> </a:t>
+            </a:r>
+            <a:r>
+              <a:rPr lang="en-ID" dirty="0" err="1"/>
+              <a:t>untuk</a:t>
+            </a:r>
+            <a:r>
+              <a:rPr lang="en-ID" dirty="0"/>
+              <a:t> </a:t>
+            </a:r>
+            <a:r>
+              <a:rPr lang="en-ID" dirty="0" err="1"/>
+              <a:t>mencegah</a:t>
+            </a:r>
+            <a:r>
+              <a:rPr lang="en-ID" dirty="0"/>
+              <a:t> </a:t>
+            </a:r>
+            <a:r>
+              <a:rPr lang="en-ID" dirty="0" err="1"/>
+              <a:t>terjadinya</a:t>
+            </a:r>
+            <a:r>
+              <a:rPr lang="en-ID" dirty="0"/>
+              <a:t> 2 kali </a:t>
+            </a:r>
+            <a:r>
+              <a:rPr lang="en-ID" dirty="0" err="1"/>
+              <a:t>pembayaran</a:t>
+            </a:r>
+            <a:r>
+              <a:rPr lang="en-ID" dirty="0"/>
+              <a:t>.</a:t>
+            </a:r>
+          </a:p>
+          <a:p>
+            <a:pPr marL="177796" indent="0">
+              <a:buNone/>
+            </a:pPr>
+            <a:endParaRPr lang="en-ID" dirty="0"/>
+          </a:p>
+          <a:p>
+            <a:pPr marL="177796" indent="0">
+              <a:buNone/>
+            </a:pPr>
+            <a:r>
+              <a:rPr lang="en-ID" dirty="0"/>
+              <a:t>5. </a:t>
+            </a:r>
+            <a:r>
+              <a:rPr lang="en-ID" dirty="0" err="1"/>
+              <a:t>Kode</a:t>
+            </a:r>
+            <a:r>
+              <a:rPr lang="en-ID" dirty="0"/>
+              <a:t> bank</a:t>
+            </a:r>
+          </a:p>
+          <a:p>
+            <a:pPr marL="177796" indent="0">
+              <a:buNone/>
+            </a:pPr>
+            <a:r>
+              <a:rPr lang="en-ID" dirty="0" err="1"/>
+              <a:t>Kode</a:t>
+            </a:r>
+            <a:r>
+              <a:rPr lang="en-ID" dirty="0"/>
+              <a:t> Bank </a:t>
+            </a:r>
+            <a:r>
+              <a:rPr lang="en-ID" dirty="0" err="1"/>
+              <a:t>sangat</a:t>
+            </a:r>
+            <a:r>
+              <a:rPr lang="en-ID" dirty="0"/>
+              <a:t> </a:t>
+            </a:r>
+            <a:r>
+              <a:rPr lang="en-ID" dirty="0" err="1"/>
+              <a:t>penting</a:t>
+            </a:r>
+            <a:r>
+              <a:rPr lang="en-ID" dirty="0"/>
+              <a:t> </a:t>
+            </a:r>
+            <a:r>
+              <a:rPr lang="en-ID" dirty="0" err="1"/>
+              <a:t>untuk</a:t>
+            </a:r>
+            <a:r>
+              <a:rPr lang="en-ID" dirty="0"/>
+              <a:t> </a:t>
+            </a:r>
+            <a:r>
+              <a:rPr lang="en-ID" dirty="0" err="1"/>
+              <a:t>menentukan</a:t>
+            </a:r>
+            <a:r>
+              <a:rPr lang="en-ID" dirty="0"/>
+              <a:t> </a:t>
+            </a:r>
+            <a:r>
+              <a:rPr lang="en-ID" dirty="0" err="1"/>
+              <a:t>instansi</a:t>
+            </a:r>
+            <a:r>
+              <a:rPr lang="en-ID" dirty="0"/>
+              <a:t> bank. Di program </a:t>
+            </a:r>
+            <a:r>
+              <a:rPr lang="en-ID" dirty="0" err="1"/>
+              <a:t>sudah</a:t>
+            </a:r>
+            <a:r>
+              <a:rPr lang="en-ID" dirty="0"/>
+              <a:t> </a:t>
+            </a:r>
+            <a:r>
+              <a:rPr lang="en-ID" dirty="0" err="1"/>
+              <a:t>disediakan</a:t>
+            </a:r>
+            <a:r>
+              <a:rPr lang="en-ID" dirty="0"/>
+              <a:t> daftar </a:t>
+            </a:r>
+            <a:r>
+              <a:rPr lang="en-ID" dirty="0" err="1"/>
+              <a:t>kode</a:t>
+            </a:r>
+            <a:r>
+              <a:rPr lang="en-ID" dirty="0"/>
+              <a:t> bank di menu transfer </a:t>
+            </a:r>
+            <a:r>
+              <a:rPr lang="en-ID" dirty="0" err="1"/>
+              <a:t>untuk</a:t>
+            </a:r>
+            <a:r>
+              <a:rPr lang="en-ID" dirty="0"/>
+              <a:t> </a:t>
+            </a:r>
+            <a:r>
+              <a:rPr lang="en-ID" dirty="0" err="1"/>
+              <a:t>melihat</a:t>
+            </a:r>
+            <a:r>
+              <a:rPr lang="en-ID" dirty="0"/>
+              <a:t> daftar </a:t>
+            </a:r>
+            <a:r>
+              <a:rPr lang="en-ID" dirty="0" err="1"/>
+              <a:t>kode</a:t>
+            </a:r>
+            <a:r>
+              <a:rPr lang="en-ID" dirty="0"/>
+              <a:t> bank yang </a:t>
+            </a:r>
+            <a:r>
+              <a:rPr lang="en-ID" dirty="0" err="1"/>
+              <a:t>akan</a:t>
+            </a:r>
+            <a:r>
+              <a:rPr lang="en-ID" dirty="0"/>
+              <a:t> </a:t>
+            </a:r>
+            <a:r>
+              <a:rPr lang="en-ID" dirty="0" err="1"/>
+              <a:t>ditransfer</a:t>
+            </a:r>
+            <a:r>
+              <a:rPr lang="en-ID" dirty="0"/>
+              <a:t>.</a:t>
+            </a:r>
+          </a:p>
+          <a:p>
+            <a:pPr marL="177796" indent="0">
+              <a:buNone/>
+            </a:pPr>
+            <a:endParaRPr lang="en-ID" dirty="0"/>
+          </a:p>
+          <a:p>
+            <a:pPr marL="177796" indent="0">
+              <a:buNone/>
+            </a:pPr>
+            <a:r>
+              <a:rPr lang="en-ID" dirty="0"/>
+              <a:t>6. Total dan </a:t>
+            </a:r>
+            <a:r>
+              <a:rPr lang="en-ID" dirty="0" err="1"/>
+              <a:t>maksimal</a:t>
+            </a:r>
+            <a:r>
+              <a:rPr lang="en-ID" dirty="0"/>
+              <a:t> transfer </a:t>
+            </a:r>
+            <a:r>
+              <a:rPr lang="en-ID" dirty="0" err="1"/>
+              <a:t>atau</a:t>
+            </a:r>
+            <a:r>
+              <a:rPr lang="en-ID" dirty="0"/>
+              <a:t> </a:t>
+            </a:r>
+            <a:r>
+              <a:rPr lang="en-ID" dirty="0" err="1"/>
+              <a:t>penarikan</a:t>
+            </a:r>
+            <a:endParaRPr lang="en-ID" dirty="0"/>
+          </a:p>
+          <a:p>
+            <a:pPr marL="177796" indent="0">
+              <a:buNone/>
+            </a:pPr>
+            <a:r>
+              <a:rPr lang="en-ID" dirty="0" err="1"/>
+              <a:t>Dalam</a:t>
+            </a:r>
+            <a:r>
+              <a:rPr lang="en-ID" dirty="0"/>
+              <a:t> program </a:t>
+            </a:r>
+            <a:r>
+              <a:rPr lang="en-ID" dirty="0" err="1"/>
+              <a:t>ini</a:t>
+            </a:r>
+            <a:r>
+              <a:rPr lang="en-ID" dirty="0"/>
+              <a:t> </a:t>
+            </a:r>
+            <a:r>
+              <a:rPr lang="en-ID" dirty="0" err="1"/>
+              <a:t>terdapat</a:t>
+            </a:r>
+            <a:r>
+              <a:rPr lang="en-ID" dirty="0"/>
+              <a:t> 2 </a:t>
+            </a:r>
+            <a:r>
+              <a:rPr lang="en-ID" dirty="0" err="1"/>
+              <a:t>kelas</a:t>
+            </a:r>
+            <a:r>
+              <a:rPr lang="en-ID" dirty="0"/>
+              <a:t> </a:t>
+            </a:r>
+            <a:r>
+              <a:rPr lang="en-ID" dirty="0" err="1"/>
+              <a:t>kartu</a:t>
+            </a:r>
+            <a:r>
+              <a:rPr lang="en-ID" dirty="0"/>
+              <a:t>, </a:t>
+            </a:r>
+            <a:r>
+              <a:rPr lang="en-ID" dirty="0" err="1"/>
+              <a:t>yaitu</a:t>
+            </a:r>
+            <a:r>
+              <a:rPr lang="en-ID" dirty="0"/>
+              <a:t> </a:t>
+            </a:r>
+            <a:r>
+              <a:rPr lang="en-ID" dirty="0" err="1"/>
+              <a:t>kelas</a:t>
+            </a:r>
+            <a:r>
+              <a:rPr lang="en-ID" dirty="0"/>
+              <a:t> </a:t>
+            </a:r>
+            <a:r>
+              <a:rPr lang="en-ID" dirty="0" err="1"/>
+              <a:t>Ekonomi</a:t>
+            </a:r>
+            <a:r>
+              <a:rPr lang="en-ID" dirty="0"/>
+              <a:t> dan </a:t>
+            </a:r>
+            <a:r>
+              <a:rPr lang="en-ID" dirty="0" err="1"/>
+              <a:t>Eksklusif</a:t>
+            </a:r>
+            <a:r>
+              <a:rPr lang="en-ID" dirty="0"/>
+              <a:t>. </a:t>
+            </a:r>
+            <a:r>
+              <a:rPr lang="en-ID" dirty="0" err="1"/>
+              <a:t>Masing-masing</a:t>
+            </a:r>
+            <a:r>
+              <a:rPr lang="en-ID" dirty="0"/>
+              <a:t> </a:t>
+            </a:r>
+            <a:r>
+              <a:rPr lang="en-ID" dirty="0" err="1"/>
+              <a:t>kelas</a:t>
+            </a:r>
+            <a:r>
+              <a:rPr lang="en-ID" dirty="0"/>
+              <a:t> </a:t>
+            </a:r>
+            <a:r>
+              <a:rPr lang="en-ID" dirty="0" err="1"/>
+              <a:t>memiliki</a:t>
+            </a:r>
+            <a:r>
+              <a:rPr lang="en-ID" dirty="0"/>
+              <a:t> </a:t>
+            </a:r>
+            <a:r>
+              <a:rPr lang="en-ID" dirty="0" err="1"/>
+              <a:t>maksimal</a:t>
+            </a:r>
+            <a:r>
+              <a:rPr lang="en-ID" dirty="0"/>
+              <a:t> </a:t>
+            </a:r>
+            <a:r>
+              <a:rPr lang="en-ID" dirty="0" err="1"/>
+              <a:t>penarikan</a:t>
+            </a:r>
+            <a:r>
+              <a:rPr lang="en-ID" dirty="0"/>
+              <a:t> transfer yang </a:t>
+            </a:r>
+            <a:r>
+              <a:rPr lang="en-ID" dirty="0" err="1"/>
+              <a:t>berbeda</a:t>
+            </a:r>
+            <a:r>
+              <a:rPr lang="en-ID" dirty="0"/>
+              <a:t>. Oleh </a:t>
+            </a:r>
+            <a:r>
+              <a:rPr lang="en-ID" dirty="0" err="1"/>
+              <a:t>karena</a:t>
+            </a:r>
+            <a:r>
+              <a:rPr lang="en-ID" dirty="0"/>
+              <a:t> </a:t>
+            </a:r>
+            <a:r>
+              <a:rPr lang="en-ID" dirty="0" err="1"/>
+              <a:t>itu</a:t>
+            </a:r>
+            <a:r>
+              <a:rPr lang="en-ID" dirty="0"/>
+              <a:t> </a:t>
+            </a:r>
+            <a:r>
+              <a:rPr lang="en-ID" dirty="0" err="1"/>
+              <a:t>dibutuhkan</a:t>
+            </a:r>
+            <a:r>
+              <a:rPr lang="en-ID" dirty="0"/>
+              <a:t> data </a:t>
+            </a:r>
+            <a:r>
+              <a:rPr lang="en-ID" dirty="0" err="1"/>
+              <a:t>maksimal</a:t>
+            </a:r>
+            <a:r>
+              <a:rPr lang="en-ID" dirty="0"/>
+              <a:t> </a:t>
+            </a:r>
+            <a:r>
+              <a:rPr lang="en-ID" dirty="0" err="1"/>
+              <a:t>penarikan</a:t>
+            </a:r>
+            <a:r>
+              <a:rPr lang="en-ID" dirty="0"/>
+              <a:t> dan transfer </a:t>
+            </a:r>
+            <a:r>
+              <a:rPr lang="en-ID" dirty="0" err="1"/>
+              <a:t>serta</a:t>
+            </a:r>
+            <a:r>
+              <a:rPr lang="en-ID" dirty="0"/>
+              <a:t> total </a:t>
+            </a:r>
+            <a:r>
+              <a:rPr lang="en-ID" dirty="0" err="1"/>
+              <a:t>jumlah</a:t>
+            </a:r>
+            <a:r>
+              <a:rPr lang="en-ID" dirty="0"/>
+              <a:t> </a:t>
+            </a:r>
+            <a:r>
+              <a:rPr lang="en-ID" dirty="0" err="1"/>
+              <a:t>penarikan</a:t>
+            </a:r>
+            <a:r>
+              <a:rPr lang="en-ID" dirty="0"/>
+              <a:t> dan transfer yang </a:t>
+            </a:r>
+            <a:r>
+              <a:rPr lang="en-ID" dirty="0" err="1"/>
+              <a:t>sudah</a:t>
+            </a:r>
+            <a:r>
+              <a:rPr lang="en-ID" dirty="0"/>
+              <a:t> </a:t>
+            </a:r>
+            <a:r>
+              <a:rPr lang="en-ID" dirty="0" err="1"/>
+              <a:t>dikeluarkan</a:t>
+            </a:r>
+            <a:r>
+              <a:rPr lang="en-ID" dirty="0"/>
+              <a:t> </a:t>
+            </a:r>
+            <a:r>
+              <a:rPr lang="en-ID" dirty="0" err="1"/>
+              <a:t>untuk</a:t>
+            </a:r>
+            <a:r>
+              <a:rPr lang="en-ID" dirty="0"/>
+              <a:t> </a:t>
+            </a:r>
+            <a:r>
+              <a:rPr lang="en-ID" dirty="0" err="1"/>
+              <a:t>menentukan</a:t>
+            </a:r>
+            <a:r>
+              <a:rPr lang="en-ID" dirty="0"/>
+              <a:t> </a:t>
+            </a:r>
+            <a:r>
+              <a:rPr lang="en-ID" dirty="0" err="1"/>
+              <a:t>apakah</a:t>
+            </a:r>
+            <a:r>
+              <a:rPr lang="en-ID" dirty="0"/>
+              <a:t> </a:t>
+            </a:r>
+            <a:r>
+              <a:rPr lang="en-ID" dirty="0" err="1"/>
+              <a:t>jumlah</a:t>
+            </a:r>
+            <a:r>
+              <a:rPr lang="en-ID" dirty="0"/>
+              <a:t> </a:t>
+            </a:r>
+            <a:r>
+              <a:rPr lang="en-ID" dirty="0" err="1"/>
+              <a:t>tersebut</a:t>
+            </a:r>
+            <a:r>
+              <a:rPr lang="en-ID" dirty="0"/>
+              <a:t> </a:t>
+            </a:r>
+            <a:r>
+              <a:rPr lang="en-ID" dirty="0" err="1"/>
+              <a:t>sudah</a:t>
+            </a:r>
+            <a:r>
+              <a:rPr lang="en-ID" dirty="0"/>
+              <a:t> </a:t>
+            </a:r>
+            <a:r>
+              <a:rPr lang="en-ID" dirty="0" err="1"/>
+              <a:t>mencapai</a:t>
+            </a:r>
+            <a:r>
+              <a:rPr lang="en-ID" dirty="0"/>
+              <a:t> </a:t>
+            </a:r>
+            <a:r>
+              <a:rPr lang="en-ID" dirty="0" err="1"/>
+              <a:t>batas</a:t>
+            </a:r>
+            <a:r>
+              <a:rPr lang="en-ID" dirty="0"/>
+              <a:t> </a:t>
+            </a:r>
+            <a:r>
+              <a:rPr lang="en-ID" dirty="0" err="1"/>
+              <a:t>maksimum</a:t>
+            </a:r>
+            <a:r>
+              <a:rPr lang="en-ID" dirty="0"/>
+              <a:t> </a:t>
+            </a:r>
+            <a:r>
+              <a:rPr lang="en-ID" dirty="0" err="1"/>
+              <a:t>atau</a:t>
+            </a:r>
+            <a:r>
+              <a:rPr lang="en-ID" dirty="0"/>
+              <a:t> </a:t>
+            </a:r>
+            <a:r>
+              <a:rPr lang="en-ID" dirty="0" err="1"/>
+              <a:t>belum</a:t>
+            </a:r>
+            <a:r>
+              <a:rPr lang="en-ID" dirty="0"/>
+              <a:t>.</a:t>
+            </a:r>
+            <a:endParaRPr lang="en-US" dirty="0"/>
+          </a:p>
+          <a:p>
+            <a:pPr marL="177796" indent="0">
+              <a:buNone/>
+            </a:pPr>
+            <a:endParaRPr lang="en-US" dirty="0"/>
+          </a:p>
+        </p:txBody>
+      </p:sp>
+    </p:spTree>
+    <p:extLst>
+      <p:ext uri="{BB962C8B-B14F-4D97-AF65-F5344CB8AC3E}">
+        <p14:creationId xmlns:p14="http://schemas.microsoft.com/office/powerpoint/2010/main" val="4156805929"/>
+      </p:ext>
+    </p:extLst>
+  </p:cSld>
+  <p:clrMapOvr>
+    <a:masterClrMapping/>
+  </p:clrMapOvr>
+</p:sld>
+</file>
+
+<file path=ppt/slides/slide11.xml><?xml version="1.0" encoding="utf-8"?>
+<p:sld xmlns:a="http://schemas.openxmlformats.org/drawingml/2006/main" xmlns:r="http://schemas.openxmlformats.org/officeDocument/2006/relationships" xmlns:p="http://schemas.openxmlformats.org/presentationml/2006/main">
+  <p:cSld>
+    <p:spTree>
+      <p:nvGrpSpPr>
+        <p:cNvPr id="1" name=""/>
+        <p:cNvGrpSpPr/>
+        <p:nvPr/>
+      </p:nvGrpSpPr>
+      <p:grpSpPr>
+        <a:xfrm>
+          <a:off x="0" y="0"/>
+          <a:ext cx="0" cy="0"/>
+          <a:chOff x="0" y="0"/>
+          <a:chExt cx="0" cy="0"/>
+        </a:xfrm>
+      </p:grpSpPr>
+      <p:sp>
+        <p:nvSpPr>
+          <p:cNvPr id="2" name="Text Placeholder 1">
+            <a:extLst>
+              <a:ext uri="{FF2B5EF4-FFF2-40B4-BE49-F238E27FC236}">
+                <a16:creationId xmlns:a16="http://schemas.microsoft.com/office/drawing/2014/main" id="{A5E503A4-AD31-4288-940A-EB0408993DA4}"/>
+              </a:ext>
+            </a:extLst>
+          </p:cNvPr>
+          <p:cNvSpPr>
+            <a:spLocks noGrp="1"/>
+          </p:cNvSpPr>
+          <p:nvPr>
+            <p:ph type="body" idx="1"/>
+          </p:nvPr>
+        </p:nvSpPr>
+        <p:spPr>
+          <a:xfrm>
+            <a:off x="1534600" y="1113159"/>
+            <a:ext cx="9122800" cy="4835641"/>
+          </a:xfrm>
+        </p:spPr>
+        <p:txBody>
+          <a:bodyPr/>
+          <a:lstStyle/>
+          <a:p>
+            <a:pPr marL="177796" indent="0">
+              <a:buNone/>
+            </a:pPr>
+            <a:endParaRPr lang="en-US" dirty="0"/>
+          </a:p>
+        </p:txBody>
+      </p:sp>
+      <p:sp>
+        <p:nvSpPr>
+          <p:cNvPr id="3" name="Title 2">
+            <a:extLst>
+              <a:ext uri="{FF2B5EF4-FFF2-40B4-BE49-F238E27FC236}">
+                <a16:creationId xmlns:a16="http://schemas.microsoft.com/office/drawing/2014/main" id="{6538CD64-21D6-4EEF-8D9D-73A083263102}"/>
+              </a:ext>
+            </a:extLst>
+          </p:cNvPr>
+          <p:cNvSpPr>
+            <a:spLocks noGrp="1"/>
+          </p:cNvSpPr>
+          <p:nvPr>
+            <p:ph type="ctrTitle"/>
+          </p:nvPr>
+        </p:nvSpPr>
+        <p:spPr>
+          <a:xfrm>
+            <a:off x="1170200" y="264759"/>
+            <a:ext cx="9851600" cy="848400"/>
+          </a:xfrm>
+        </p:spPr>
+        <p:txBody>
+          <a:bodyPr/>
+          <a:lstStyle/>
+          <a:p>
+            <a:r>
+              <a:rPr lang="en-US" dirty="0"/>
+              <a:t>2. Flowchart</a:t>
+            </a:r>
+          </a:p>
+        </p:txBody>
+      </p:sp>
+      <p:pic>
+        <p:nvPicPr>
+          <p:cNvPr id="5" name="Picture 4">
+            <a:extLst>
+              <a:ext uri="{FF2B5EF4-FFF2-40B4-BE49-F238E27FC236}">
+                <a16:creationId xmlns:a16="http://schemas.microsoft.com/office/drawing/2014/main" id="{BCFDA2EA-360A-4FFC-8D7D-C578D262DD55}"/>
+              </a:ext>
+            </a:extLst>
+          </p:cNvPr>
+          <p:cNvPicPr>
+            <a:picLocks noChangeAspect="1"/>
+          </p:cNvPicPr>
+          <p:nvPr/>
+        </p:nvPicPr>
+        <p:blipFill>
+          <a:blip r:embed="rId2">
+            <a:extLst>
+              <a:ext uri="{28A0092B-C50C-407E-A947-70E740481C1C}">
+                <a14:useLocalDpi xmlns:a14="http://schemas.microsoft.com/office/drawing/2010/main" val="0"/>
+              </a:ext>
+            </a:extLst>
+          </a:blip>
+          <a:stretch>
+            <a:fillRect/>
+          </a:stretch>
+        </p:blipFill>
+        <p:spPr>
+          <a:xfrm>
+            <a:off x="3290496" y="1113159"/>
+            <a:ext cx="5611008" cy="5411928"/>
+          </a:xfrm>
+          <a:prstGeom prst="rect">
+            <a:avLst/>
+          </a:prstGeom>
+        </p:spPr>
+      </p:pic>
+    </p:spTree>
+    <p:extLst>
+      <p:ext uri="{BB962C8B-B14F-4D97-AF65-F5344CB8AC3E}">
+        <p14:creationId xmlns:p14="http://schemas.microsoft.com/office/powerpoint/2010/main" val="3194872831"/>
+      </p:ext>
+    </p:extLst>
+  </p:cSld>
+  <p:clrMapOvr>
+    <a:masterClrMapping/>
+  </p:clrMapOvr>
+</p:sld>
+</file>
+
+<file path=ppt/slides/slide12.xml><?xml version="1.0" encoding="utf-8"?>
+<p:sld xmlns:a="http://schemas.openxmlformats.org/drawingml/2006/main" xmlns:r="http://schemas.openxmlformats.org/officeDocument/2006/relationships" xmlns:p="http://schemas.openxmlformats.org/presentationml/2006/main">
+  <p:cSld>
+    <p:spTree>
+      <p:nvGrpSpPr>
+        <p:cNvPr id="1" name=""/>
+        <p:cNvGrpSpPr/>
+        <p:nvPr/>
+      </p:nvGrpSpPr>
+      <p:grpSpPr>
+        <a:xfrm>
+          <a:off x="0" y="0"/>
+          <a:ext cx="0" cy="0"/>
+          <a:chOff x="0" y="0"/>
+          <a:chExt cx="0" cy="0"/>
+        </a:xfrm>
+      </p:grpSpPr>
+      <p:sp>
+        <p:nvSpPr>
+          <p:cNvPr id="2" name="Title 1">
+            <a:extLst>
+              <a:ext uri="{FF2B5EF4-FFF2-40B4-BE49-F238E27FC236}">
+                <a16:creationId xmlns:a16="http://schemas.microsoft.com/office/drawing/2014/main" id="{19F299A3-7131-4270-B5FF-ECC4370469C9}"/>
+              </a:ext>
+            </a:extLst>
+          </p:cNvPr>
+          <p:cNvSpPr>
+            <a:spLocks noGrp="1"/>
+          </p:cNvSpPr>
+          <p:nvPr>
+            <p:ph type="title"/>
+          </p:nvPr>
+        </p:nvSpPr>
+        <p:spPr/>
+        <p:txBody>
+          <a:bodyPr/>
+          <a:lstStyle/>
+          <a:p>
+            <a:r>
+              <a:rPr lang="en-US" dirty="0" err="1"/>
+              <a:t>Kelebihan</a:t>
+            </a:r>
+            <a:endParaRPr lang="en-US" dirty="0"/>
+          </a:p>
+        </p:txBody>
+      </p:sp>
+      <p:sp>
+        <p:nvSpPr>
+          <p:cNvPr id="3" name="Text Placeholder 2">
+            <a:extLst>
+              <a:ext uri="{FF2B5EF4-FFF2-40B4-BE49-F238E27FC236}">
+                <a16:creationId xmlns:a16="http://schemas.microsoft.com/office/drawing/2014/main" id="{145A1BFC-F7BF-4F3D-A70D-D9D06243B966}"/>
+              </a:ext>
+            </a:extLst>
+          </p:cNvPr>
+          <p:cNvSpPr>
+            <a:spLocks noGrp="1"/>
+          </p:cNvSpPr>
+          <p:nvPr>
+            <p:ph type="body" idx="1"/>
+          </p:nvPr>
+        </p:nvSpPr>
+        <p:spPr/>
+        <p:txBody>
+          <a:bodyPr/>
+          <a:lstStyle/>
+          <a:p>
+            <a:r>
+              <a:rPr lang="en-US" dirty="0"/>
+              <a:t>Program </a:t>
+            </a:r>
+            <a:r>
+              <a:rPr lang="en-US" dirty="0" err="1"/>
+              <a:t>sama</a:t>
+            </a:r>
+            <a:r>
+              <a:rPr lang="en-US" dirty="0"/>
+              <a:t> </a:t>
+            </a:r>
+            <a:r>
+              <a:rPr lang="en-US" dirty="0" err="1"/>
+              <a:t>persis</a:t>
+            </a:r>
+            <a:r>
+              <a:rPr lang="en-US" dirty="0"/>
+              <a:t> </a:t>
+            </a:r>
+            <a:r>
+              <a:rPr lang="en-US" dirty="0" err="1"/>
+              <a:t>seperti</a:t>
+            </a:r>
+            <a:r>
+              <a:rPr lang="en-US" dirty="0"/>
+              <a:t> ATM pada </a:t>
+            </a:r>
+            <a:r>
+              <a:rPr lang="en-US" dirty="0" err="1"/>
+              <a:t>umum</a:t>
+            </a:r>
+            <a:r>
+              <a:rPr lang="en-US" dirty="0"/>
+              <a:t> </a:t>
+            </a:r>
+            <a:r>
+              <a:rPr lang="en-US" dirty="0" err="1"/>
+              <a:t>nya</a:t>
+            </a:r>
+            <a:endParaRPr lang="en-US" dirty="0"/>
+          </a:p>
+          <a:p>
+            <a:r>
+              <a:rPr lang="en-US" dirty="0" err="1"/>
+              <a:t>Pengoperasian</a:t>
+            </a:r>
+            <a:r>
+              <a:rPr lang="en-US" dirty="0"/>
+              <a:t> yang </a:t>
+            </a:r>
+            <a:r>
+              <a:rPr lang="en-US" dirty="0" err="1"/>
+              <a:t>mudah</a:t>
+            </a:r>
+            <a:endParaRPr lang="en-US" dirty="0"/>
+          </a:p>
+        </p:txBody>
+      </p:sp>
+    </p:spTree>
+    <p:extLst>
+      <p:ext uri="{BB962C8B-B14F-4D97-AF65-F5344CB8AC3E}">
+        <p14:creationId xmlns:p14="http://schemas.microsoft.com/office/powerpoint/2010/main" val="1986043851"/>
+      </p:ext>
+    </p:extLst>
+  </p:cSld>
+  <p:clrMapOvr>
+    <a:masterClrMapping/>
+  </p:clrMapOvr>
+</p:sld>
+</file>
+
+<file path=ppt/slides/slide13.xml><?xml version="1.0" encoding="utf-8"?>
+<p:sld xmlns:a="http://schemas.openxmlformats.org/drawingml/2006/main" xmlns:r="http://schemas.openxmlformats.org/officeDocument/2006/relationships" xmlns:p="http://schemas.openxmlformats.org/presentationml/2006/main">
+  <p:cSld>
+    <p:spTree>
+      <p:nvGrpSpPr>
+        <p:cNvPr id="1" name=""/>
+        <p:cNvGrpSpPr/>
+        <p:nvPr/>
+      </p:nvGrpSpPr>
+      <p:grpSpPr>
+        <a:xfrm>
+          <a:off x="0" y="0"/>
+          <a:ext cx="0" cy="0"/>
+          <a:chOff x="0" y="0"/>
+          <a:chExt cx="0" cy="0"/>
+        </a:xfrm>
+      </p:grpSpPr>
+      <p:sp>
+        <p:nvSpPr>
+          <p:cNvPr id="2" name="Title 1">
+            <a:extLst>
+              <a:ext uri="{FF2B5EF4-FFF2-40B4-BE49-F238E27FC236}">
+                <a16:creationId xmlns:a16="http://schemas.microsoft.com/office/drawing/2014/main" id="{78E657E3-624E-40A5-930E-BFDCF35204F1}"/>
+              </a:ext>
+            </a:extLst>
+          </p:cNvPr>
+          <p:cNvSpPr>
+            <a:spLocks noGrp="1"/>
+          </p:cNvSpPr>
+          <p:nvPr>
+            <p:ph type="title"/>
+          </p:nvPr>
+        </p:nvSpPr>
+        <p:spPr/>
+        <p:txBody>
+          <a:bodyPr/>
+          <a:lstStyle/>
+          <a:p>
+            <a:r>
+              <a:rPr lang="en-US" dirty="0" err="1"/>
+              <a:t>Kekurangan</a:t>
+            </a:r>
+            <a:r>
+              <a:rPr lang="en-US" dirty="0"/>
+              <a:t> </a:t>
+            </a:r>
+          </a:p>
+        </p:txBody>
+      </p:sp>
+      <p:sp>
+        <p:nvSpPr>
+          <p:cNvPr id="3" name="Text Placeholder 2">
+            <a:extLst>
+              <a:ext uri="{FF2B5EF4-FFF2-40B4-BE49-F238E27FC236}">
+                <a16:creationId xmlns:a16="http://schemas.microsoft.com/office/drawing/2014/main" id="{BB4473B9-A071-4A59-BF00-13C18C54F98F}"/>
+              </a:ext>
+            </a:extLst>
+          </p:cNvPr>
+          <p:cNvSpPr>
+            <a:spLocks noGrp="1"/>
+          </p:cNvSpPr>
+          <p:nvPr>
+            <p:ph type="body" idx="1"/>
+          </p:nvPr>
+        </p:nvSpPr>
+        <p:spPr/>
+        <p:txBody>
+          <a:bodyPr/>
+          <a:lstStyle/>
+          <a:p>
+            <a:r>
+              <a:rPr lang="en-US" dirty="0"/>
+              <a:t>PIN </a:t>
+            </a:r>
+            <a:r>
+              <a:rPr lang="en-US" dirty="0" err="1"/>
+              <a:t>masih</a:t>
+            </a:r>
+            <a:r>
+              <a:rPr lang="en-US" dirty="0"/>
+              <a:t> </a:t>
+            </a:r>
+            <a:r>
+              <a:rPr lang="en-US" dirty="0" err="1"/>
+              <a:t>belum</a:t>
+            </a:r>
+            <a:r>
+              <a:rPr lang="en-US" dirty="0"/>
+              <a:t> </a:t>
+            </a:r>
+            <a:r>
+              <a:rPr lang="en-US" dirty="0" err="1"/>
+              <a:t>menggunakan</a:t>
+            </a:r>
+            <a:r>
+              <a:rPr lang="en-US" dirty="0"/>
+              <a:t> </a:t>
+            </a:r>
+            <a:r>
+              <a:rPr lang="en-US" dirty="0" err="1"/>
+              <a:t>bintang</a:t>
+            </a:r>
+            <a:endParaRPr lang="en-US" dirty="0"/>
+          </a:p>
+          <a:p>
+            <a:r>
+              <a:rPr lang="en-US" dirty="0"/>
+              <a:t>Masih </a:t>
+            </a:r>
+            <a:r>
+              <a:rPr lang="en-US" dirty="0" err="1"/>
+              <a:t>ada</a:t>
+            </a:r>
+            <a:r>
+              <a:rPr lang="en-US" dirty="0"/>
+              <a:t> </a:t>
+            </a:r>
+            <a:r>
+              <a:rPr lang="en-US" dirty="0" err="1"/>
+              <a:t>nya</a:t>
+            </a:r>
+            <a:r>
+              <a:rPr lang="en-US" dirty="0"/>
+              <a:t> BUG</a:t>
+            </a:r>
+          </a:p>
+        </p:txBody>
+      </p:sp>
+    </p:spTree>
+    <p:extLst>
+      <p:ext uri="{BB962C8B-B14F-4D97-AF65-F5344CB8AC3E}">
+        <p14:creationId xmlns:p14="http://schemas.microsoft.com/office/powerpoint/2010/main" val="3289114013"/>
+      </p:ext>
+    </p:extLst>
+  </p:cSld>
+  <p:clrMapOvr>
+    <a:masterClrMapping/>
+  </p:clrMapOvr>
+</p:sld>
+</file>
+
+<file path=ppt/slides/slide14.xml><?xml version="1.0" encoding="utf-8"?>
+<p:sld xmlns:a="http://schemas.openxmlformats.org/drawingml/2006/main" xmlns:r="http://schemas.openxmlformats.org/officeDocument/2006/relationships" xmlns:p="http://schemas.openxmlformats.org/presentationml/2006/main">
+  <p:cSld>
+    <p:spTree>
+      <p:nvGrpSpPr>
+        <p:cNvPr id="1" name=""/>
+        <p:cNvGrpSpPr/>
+        <p:nvPr/>
+      </p:nvGrpSpPr>
+      <p:grpSpPr>
+        <a:xfrm>
+          <a:off x="0" y="0"/>
+          <a:ext cx="0" cy="0"/>
+          <a:chOff x="0" y="0"/>
+          <a:chExt cx="0" cy="0"/>
+        </a:xfrm>
+      </p:grpSpPr>
+      <p:sp>
+        <p:nvSpPr>
+          <p:cNvPr id="2" name="Text Placeholder 1">
+            <a:extLst>
+              <a:ext uri="{FF2B5EF4-FFF2-40B4-BE49-F238E27FC236}">
+                <a16:creationId xmlns:a16="http://schemas.microsoft.com/office/drawing/2014/main" id="{B8C50703-0F62-459A-AEDE-69102CAAA3DE}"/>
+              </a:ext>
+            </a:extLst>
+          </p:cNvPr>
+          <p:cNvSpPr>
+            <a:spLocks noGrp="1"/>
+          </p:cNvSpPr>
+          <p:nvPr>
+            <p:ph type="body" idx="1"/>
+          </p:nvPr>
+        </p:nvSpPr>
+        <p:spPr/>
+        <p:txBody>
+          <a:bodyPr/>
+          <a:lstStyle/>
+          <a:p>
+            <a:pPr lvl="0"/>
+            <a:r>
+              <a:rPr lang="en-ID" dirty="0"/>
+              <a:t>Muhammad Faza Hardiansyah – 201524016</a:t>
+            </a:r>
+            <a:endParaRPr lang="en-US" dirty="0"/>
+          </a:p>
+          <a:p>
+            <a:pPr marL="177796" lvl="0" indent="0">
+              <a:buNone/>
+            </a:pPr>
+            <a:r>
+              <a:rPr lang="en-ID" dirty="0" err="1"/>
+              <a:t>Selama</a:t>
+            </a:r>
+            <a:r>
+              <a:rPr lang="en-ID" dirty="0"/>
+              <a:t> </a:t>
+            </a:r>
+            <a:r>
+              <a:rPr lang="en-ID" dirty="0" err="1"/>
+              <a:t>mengerjakan</a:t>
+            </a:r>
+            <a:r>
+              <a:rPr lang="en-ID" dirty="0"/>
+              <a:t> </a:t>
+            </a:r>
+            <a:r>
+              <a:rPr lang="en-ID" dirty="0" err="1"/>
+              <a:t>tugas</a:t>
+            </a:r>
+            <a:r>
+              <a:rPr lang="en-ID" dirty="0"/>
+              <a:t> </a:t>
+            </a:r>
+            <a:r>
+              <a:rPr lang="en-ID" dirty="0" err="1"/>
+              <a:t>besar</a:t>
+            </a:r>
+            <a:r>
+              <a:rPr lang="en-ID" dirty="0"/>
+              <a:t> </a:t>
+            </a:r>
+            <a:r>
+              <a:rPr lang="en-ID" dirty="0" err="1"/>
+              <a:t>banyak</a:t>
+            </a:r>
+            <a:r>
+              <a:rPr lang="en-ID" dirty="0"/>
+              <a:t> </a:t>
+            </a:r>
+            <a:r>
+              <a:rPr lang="en-ID" dirty="0" err="1"/>
+              <a:t>sekali</a:t>
+            </a:r>
+            <a:r>
+              <a:rPr lang="en-ID" dirty="0"/>
+              <a:t> </a:t>
+            </a:r>
+            <a:r>
+              <a:rPr lang="en-ID" dirty="0" err="1"/>
+              <a:t>tantangan</a:t>
+            </a:r>
+            <a:r>
+              <a:rPr lang="en-ID" dirty="0"/>
+              <a:t> yang di </a:t>
+            </a:r>
+            <a:r>
+              <a:rPr lang="en-ID" dirty="0" err="1"/>
+              <a:t>hadapi</a:t>
+            </a:r>
+            <a:r>
+              <a:rPr lang="en-ID" dirty="0"/>
+              <a:t> salah </a:t>
+            </a:r>
+            <a:r>
+              <a:rPr lang="en-ID" dirty="0" err="1"/>
+              <a:t>satunya</a:t>
+            </a:r>
+            <a:r>
+              <a:rPr lang="en-ID" dirty="0"/>
+              <a:t> rasa malas, </a:t>
+            </a:r>
+            <a:r>
+              <a:rPr lang="en-ID" dirty="0" err="1"/>
+              <a:t>dengan</a:t>
+            </a:r>
+            <a:r>
+              <a:rPr lang="en-ID" dirty="0"/>
+              <a:t> </a:t>
+            </a:r>
+            <a:r>
+              <a:rPr lang="en-ID" dirty="0" err="1"/>
+              <a:t>adanya</a:t>
+            </a:r>
+            <a:r>
+              <a:rPr lang="en-ID" dirty="0"/>
+              <a:t> rasa malas </a:t>
+            </a:r>
+            <a:r>
+              <a:rPr lang="en-ID" dirty="0" err="1"/>
+              <a:t>pengerjaan</a:t>
+            </a:r>
+            <a:r>
+              <a:rPr lang="en-ID" dirty="0"/>
+              <a:t> </a:t>
+            </a:r>
+            <a:r>
+              <a:rPr lang="en-ID" dirty="0" err="1"/>
+              <a:t>tugas</a:t>
+            </a:r>
+            <a:r>
+              <a:rPr lang="en-ID" dirty="0"/>
+              <a:t> </a:t>
+            </a:r>
+            <a:r>
+              <a:rPr lang="en-ID" dirty="0" err="1"/>
+              <a:t>besar</a:t>
+            </a:r>
+            <a:r>
+              <a:rPr lang="en-ID" dirty="0"/>
+              <a:t> </a:t>
+            </a:r>
+            <a:r>
+              <a:rPr lang="en-ID" dirty="0" err="1"/>
+              <a:t>semakin</a:t>
+            </a:r>
+            <a:r>
+              <a:rPr lang="en-ID" dirty="0"/>
+              <a:t> </a:t>
+            </a:r>
+            <a:r>
+              <a:rPr lang="en-ID" dirty="0" err="1"/>
+              <a:t>tertunda</a:t>
+            </a:r>
+            <a:r>
+              <a:rPr lang="en-ID" dirty="0"/>
+              <a:t>, </a:t>
+            </a:r>
+            <a:r>
+              <a:rPr lang="en-ID" dirty="0" err="1"/>
+              <a:t>saya</a:t>
+            </a:r>
+            <a:r>
+              <a:rPr lang="en-ID" dirty="0"/>
+              <a:t> </a:t>
+            </a:r>
+            <a:r>
+              <a:rPr lang="en-ID" dirty="0" err="1"/>
+              <a:t>beruntung</a:t>
+            </a:r>
+            <a:r>
+              <a:rPr lang="en-ID" dirty="0"/>
+              <a:t> </a:t>
+            </a:r>
+            <a:r>
+              <a:rPr lang="en-ID" dirty="0" err="1"/>
+              <a:t>memiliki</a:t>
+            </a:r>
+            <a:r>
+              <a:rPr lang="en-ID" dirty="0"/>
+              <a:t> </a:t>
+            </a:r>
+            <a:r>
+              <a:rPr lang="en-ID" dirty="0" err="1"/>
+              <a:t>rekan</a:t>
+            </a:r>
+            <a:r>
+              <a:rPr lang="en-ID" dirty="0"/>
+              <a:t> </a:t>
+            </a:r>
+            <a:r>
+              <a:rPr lang="en-ID" dirty="0" err="1"/>
+              <a:t>kelompok</a:t>
+            </a:r>
+            <a:r>
+              <a:rPr lang="en-ID" dirty="0"/>
+              <a:t> yang </a:t>
+            </a:r>
+            <a:r>
+              <a:rPr lang="en-ID" dirty="0" err="1"/>
+              <a:t>selalu</a:t>
+            </a:r>
+            <a:r>
+              <a:rPr lang="en-ID" dirty="0"/>
+              <a:t> </a:t>
+            </a:r>
+            <a:r>
+              <a:rPr lang="en-ID" dirty="0" err="1"/>
+              <a:t>mengajak</a:t>
+            </a:r>
+            <a:r>
+              <a:rPr lang="en-ID" dirty="0"/>
+              <a:t> </a:t>
+            </a:r>
+            <a:r>
+              <a:rPr lang="en-ID" dirty="0" err="1"/>
+              <a:t>saya</a:t>
+            </a:r>
+            <a:r>
+              <a:rPr lang="en-ID" dirty="0"/>
+              <a:t> </a:t>
+            </a:r>
+            <a:r>
+              <a:rPr lang="en-ID" dirty="0" err="1"/>
+              <a:t>mengerjakan</a:t>
+            </a:r>
+            <a:r>
+              <a:rPr lang="en-ID" dirty="0"/>
+              <a:t> </a:t>
+            </a:r>
+            <a:r>
+              <a:rPr lang="en-ID" dirty="0" err="1"/>
+              <a:t>tugas</a:t>
+            </a:r>
+            <a:r>
+              <a:rPr lang="en-ID" dirty="0"/>
+              <a:t> </a:t>
+            </a:r>
+            <a:r>
+              <a:rPr lang="en-ID" dirty="0" err="1"/>
+              <a:t>besar</a:t>
+            </a:r>
+            <a:r>
+              <a:rPr lang="en-ID" dirty="0"/>
+              <a:t> </a:t>
+            </a:r>
+            <a:r>
+              <a:rPr lang="en-ID" dirty="0" err="1"/>
+              <a:t>walaupun</a:t>
+            </a:r>
+            <a:r>
+              <a:rPr lang="en-ID" dirty="0"/>
+              <a:t> </a:t>
+            </a:r>
+            <a:r>
+              <a:rPr lang="en-ID" dirty="0" err="1"/>
+              <a:t>kemampuan</a:t>
+            </a:r>
+            <a:r>
+              <a:rPr lang="en-ID" dirty="0"/>
+              <a:t> </a:t>
+            </a:r>
+            <a:r>
+              <a:rPr lang="en-ID" dirty="0" err="1"/>
+              <a:t>saya</a:t>
+            </a:r>
+            <a:r>
+              <a:rPr lang="en-ID" dirty="0"/>
+              <a:t> </a:t>
+            </a:r>
+            <a:r>
+              <a:rPr lang="en-ID" dirty="0" err="1"/>
+              <a:t>tidak</a:t>
+            </a:r>
+            <a:r>
+              <a:rPr lang="en-ID" dirty="0"/>
+              <a:t> </a:t>
+            </a:r>
+            <a:r>
+              <a:rPr lang="en-ID" dirty="0" err="1"/>
+              <a:t>seberapa</a:t>
+            </a:r>
+            <a:r>
+              <a:rPr lang="en-ID" dirty="0"/>
+              <a:t>, </a:t>
+            </a:r>
+            <a:r>
+              <a:rPr lang="en-ID" dirty="0" err="1"/>
+              <a:t>saya</a:t>
+            </a:r>
+            <a:r>
+              <a:rPr lang="en-ID" dirty="0"/>
+              <a:t> </a:t>
+            </a:r>
+            <a:r>
+              <a:rPr lang="en-ID" dirty="0" err="1"/>
+              <a:t>bersedia</a:t>
+            </a:r>
+            <a:r>
+              <a:rPr lang="en-ID" dirty="0"/>
+              <a:t> </a:t>
+            </a:r>
+            <a:r>
+              <a:rPr lang="en-ID" dirty="0" err="1"/>
+              <a:t>dengan</a:t>
+            </a:r>
+            <a:r>
+              <a:rPr lang="en-ID" dirty="0"/>
+              <a:t> </a:t>
+            </a:r>
+            <a:r>
+              <a:rPr lang="en-ID" dirty="0" err="1"/>
+              <a:t>kepenuhan</a:t>
+            </a:r>
+            <a:r>
+              <a:rPr lang="en-ID" dirty="0"/>
+              <a:t> </a:t>
+            </a:r>
+            <a:r>
+              <a:rPr lang="en-ID" dirty="0" err="1"/>
+              <a:t>hati</a:t>
+            </a:r>
+            <a:r>
+              <a:rPr lang="en-ID" dirty="0"/>
+              <a:t> </a:t>
+            </a:r>
+            <a:r>
+              <a:rPr lang="en-ID" dirty="0" err="1"/>
+              <a:t>mengerjakan</a:t>
+            </a:r>
+            <a:r>
+              <a:rPr lang="en-ID" dirty="0"/>
+              <a:t> </a:t>
+            </a:r>
+            <a:r>
+              <a:rPr lang="en-ID" dirty="0" err="1"/>
+              <a:t>tugas</a:t>
+            </a:r>
+            <a:r>
+              <a:rPr lang="en-ID" dirty="0"/>
+              <a:t> </a:t>
+            </a:r>
+            <a:r>
+              <a:rPr lang="en-ID" dirty="0" err="1"/>
+              <a:t>besar</a:t>
+            </a:r>
+            <a:r>
+              <a:rPr lang="en-ID" dirty="0"/>
+              <a:t> </a:t>
+            </a:r>
+            <a:r>
+              <a:rPr lang="en-ID" dirty="0" err="1"/>
+              <a:t>bersama</a:t>
+            </a:r>
+            <a:r>
+              <a:rPr lang="en-ID" dirty="0"/>
+              <a:t> </a:t>
+            </a:r>
+            <a:r>
+              <a:rPr lang="en-ID" dirty="0" err="1"/>
+              <a:t>rekan</a:t>
+            </a:r>
+            <a:r>
+              <a:rPr lang="en-ID" dirty="0"/>
+              <a:t> </a:t>
+            </a:r>
+            <a:r>
+              <a:rPr lang="en-ID" dirty="0" err="1"/>
+              <a:t>saya</a:t>
+            </a:r>
+            <a:r>
+              <a:rPr lang="en-ID" dirty="0"/>
+              <a:t>. Pelajaran yang </a:t>
+            </a:r>
+            <a:r>
+              <a:rPr lang="en-ID" dirty="0" err="1"/>
+              <a:t>saya</a:t>
+            </a:r>
+            <a:r>
+              <a:rPr lang="en-ID" dirty="0"/>
+              <a:t> </a:t>
+            </a:r>
+            <a:r>
+              <a:rPr lang="en-ID" dirty="0" err="1"/>
+              <a:t>ambil</a:t>
+            </a:r>
+            <a:r>
+              <a:rPr lang="en-ID" dirty="0"/>
+              <a:t> </a:t>
+            </a:r>
+            <a:r>
+              <a:rPr lang="en-ID" dirty="0" err="1"/>
+              <a:t>dalam</a:t>
+            </a:r>
+            <a:r>
+              <a:rPr lang="en-ID" dirty="0"/>
+              <a:t> </a:t>
+            </a:r>
+            <a:r>
+              <a:rPr lang="en-ID" dirty="0" err="1"/>
+              <a:t>tugas</a:t>
+            </a:r>
+            <a:r>
+              <a:rPr lang="en-ID" dirty="0"/>
+              <a:t> </a:t>
+            </a:r>
+            <a:r>
+              <a:rPr lang="en-ID" dirty="0" err="1"/>
+              <a:t>besar</a:t>
+            </a:r>
+            <a:r>
+              <a:rPr lang="en-ID" dirty="0"/>
+              <a:t> </a:t>
+            </a:r>
+            <a:r>
+              <a:rPr lang="en-ID" dirty="0" err="1"/>
+              <a:t>ini</a:t>
+            </a:r>
+            <a:r>
+              <a:rPr lang="en-ID" dirty="0"/>
+              <a:t> </a:t>
+            </a:r>
+            <a:r>
+              <a:rPr lang="en-ID" dirty="0" err="1"/>
+              <a:t>adalah</a:t>
+            </a:r>
+            <a:r>
+              <a:rPr lang="en-ID" dirty="0"/>
+              <a:t> </a:t>
+            </a:r>
+            <a:r>
+              <a:rPr lang="en-ID" dirty="0" err="1"/>
+              <a:t>saya</a:t>
+            </a:r>
+            <a:r>
+              <a:rPr lang="en-ID" dirty="0"/>
+              <a:t> </a:t>
+            </a:r>
+            <a:r>
+              <a:rPr lang="en-ID" dirty="0" err="1"/>
+              <a:t>menjadi</a:t>
+            </a:r>
+            <a:r>
+              <a:rPr lang="en-ID" dirty="0"/>
+              <a:t> </a:t>
+            </a:r>
+            <a:r>
+              <a:rPr lang="en-ID" dirty="0" err="1"/>
+              <a:t>tahu</a:t>
+            </a:r>
+            <a:r>
+              <a:rPr lang="en-ID" dirty="0"/>
+              <a:t> </a:t>
+            </a:r>
+            <a:r>
+              <a:rPr lang="en-ID" dirty="0" err="1"/>
+              <a:t>cara</a:t>
+            </a:r>
+            <a:r>
+              <a:rPr lang="en-ID" dirty="0"/>
+              <a:t> </a:t>
+            </a:r>
+            <a:r>
+              <a:rPr lang="en-ID" dirty="0" err="1"/>
+              <a:t>kerja</a:t>
+            </a:r>
+            <a:r>
+              <a:rPr lang="en-ID" dirty="0"/>
+              <a:t> </a:t>
+            </a:r>
+            <a:r>
+              <a:rPr lang="en-ID" dirty="0" err="1"/>
+              <a:t>menggunakan</a:t>
+            </a:r>
+            <a:r>
+              <a:rPr lang="en-ID" dirty="0"/>
+              <a:t> </a:t>
+            </a:r>
+            <a:r>
+              <a:rPr lang="en-ID" dirty="0" err="1"/>
+              <a:t>mesin</a:t>
+            </a:r>
+            <a:r>
+              <a:rPr lang="en-ID" dirty="0"/>
+              <a:t> atm. </a:t>
+            </a:r>
+            <a:r>
+              <a:rPr lang="en-ID" dirty="0" err="1"/>
+              <a:t>Kedepan</a:t>
+            </a:r>
+            <a:r>
+              <a:rPr lang="en-ID" dirty="0"/>
+              <a:t> </a:t>
+            </a:r>
+            <a:r>
+              <a:rPr lang="en-ID" dirty="0" err="1"/>
+              <a:t>nya</a:t>
+            </a:r>
+            <a:r>
+              <a:rPr lang="en-ID" dirty="0"/>
+              <a:t> </a:t>
+            </a:r>
+            <a:r>
+              <a:rPr lang="en-ID" dirty="0" err="1"/>
+              <a:t>saya</a:t>
+            </a:r>
+            <a:r>
+              <a:rPr lang="en-ID" dirty="0"/>
+              <a:t> </a:t>
+            </a:r>
+            <a:r>
+              <a:rPr lang="en-ID" dirty="0" err="1"/>
+              <a:t>akan</a:t>
+            </a:r>
+            <a:r>
+              <a:rPr lang="en-ID" dirty="0"/>
+              <a:t> </a:t>
+            </a:r>
+            <a:r>
+              <a:rPr lang="en-ID" dirty="0" err="1"/>
+              <a:t>berlatih</a:t>
+            </a:r>
+            <a:r>
+              <a:rPr lang="en-ID" dirty="0"/>
+              <a:t> </a:t>
+            </a:r>
+            <a:r>
+              <a:rPr lang="en-ID" dirty="0" err="1"/>
+              <a:t>lagi</a:t>
+            </a:r>
+            <a:r>
+              <a:rPr lang="en-ID" dirty="0"/>
+              <a:t> agar </a:t>
+            </a:r>
+            <a:r>
+              <a:rPr lang="en-ID" dirty="0" err="1"/>
+              <a:t>mendapatkan</a:t>
+            </a:r>
+            <a:r>
+              <a:rPr lang="en-ID" dirty="0"/>
+              <a:t> </a:t>
+            </a:r>
+            <a:r>
+              <a:rPr lang="en-ID" dirty="0" err="1"/>
+              <a:t>hasil</a:t>
+            </a:r>
+            <a:r>
+              <a:rPr lang="en-ID" dirty="0"/>
+              <a:t> yang </a:t>
+            </a:r>
+            <a:r>
+              <a:rPr lang="en-ID" dirty="0" err="1"/>
+              <a:t>sempurna</a:t>
+            </a:r>
+            <a:r>
+              <a:rPr lang="en-ID" dirty="0"/>
+              <a:t>.</a:t>
+            </a:r>
+            <a:endParaRPr lang="en-US" dirty="0"/>
+          </a:p>
+          <a:p>
+            <a:pPr lvl="0"/>
+            <a:endParaRPr lang="en-ID" dirty="0"/>
+          </a:p>
+          <a:p>
+            <a:pPr marL="177796" lvl="0" indent="0">
+              <a:buNone/>
+            </a:pPr>
+            <a:r>
+              <a:rPr lang="en-ID"/>
+              <a:t>2. Muhammad </a:t>
+            </a:r>
+            <a:r>
+              <a:rPr lang="en-ID" dirty="0" err="1"/>
+              <a:t>Fikri</a:t>
+            </a:r>
+            <a:r>
+              <a:rPr lang="en-ID" dirty="0"/>
+              <a:t> </a:t>
+            </a:r>
+            <a:r>
+              <a:rPr lang="en-ID" dirty="0" err="1"/>
+              <a:t>Hidayatulloh</a:t>
+            </a:r>
+            <a:r>
+              <a:rPr lang="en-ID" dirty="0"/>
+              <a:t> – 201524017</a:t>
+            </a:r>
+            <a:endParaRPr lang="en-US" dirty="0"/>
+          </a:p>
+          <a:p>
+            <a:pPr marL="177796" indent="0">
+              <a:buNone/>
+            </a:pPr>
+            <a:r>
+              <a:rPr lang="en-ID" dirty="0"/>
+              <a:t>Dari </a:t>
+            </a:r>
+            <a:r>
+              <a:rPr lang="en-ID" dirty="0" err="1"/>
+              <a:t>pengalaman</a:t>
+            </a:r>
+            <a:r>
+              <a:rPr lang="en-ID" dirty="0"/>
+              <a:t> </a:t>
+            </a:r>
+            <a:r>
+              <a:rPr lang="en-ID" dirty="0" err="1"/>
+              <a:t>selama</a:t>
+            </a:r>
+            <a:r>
+              <a:rPr lang="en-ID" dirty="0"/>
+              <a:t> </a:t>
+            </a:r>
+            <a:r>
+              <a:rPr lang="en-ID" dirty="0" err="1"/>
+              <a:t>mengerjakan</a:t>
+            </a:r>
+            <a:r>
+              <a:rPr lang="en-ID" dirty="0"/>
+              <a:t> </a:t>
+            </a:r>
+            <a:r>
+              <a:rPr lang="en-ID" dirty="0" err="1"/>
+              <a:t>kita</a:t>
+            </a:r>
+            <a:r>
+              <a:rPr lang="en-ID" dirty="0"/>
+              <a:t> </a:t>
+            </a:r>
+            <a:r>
+              <a:rPr lang="en-ID" dirty="0" err="1"/>
+              <a:t>butuh</a:t>
+            </a:r>
+            <a:r>
+              <a:rPr lang="en-ID" dirty="0"/>
+              <a:t> </a:t>
+            </a:r>
+            <a:r>
+              <a:rPr lang="en-ID" dirty="0" err="1"/>
+              <a:t>kemauan</a:t>
+            </a:r>
+            <a:r>
+              <a:rPr lang="en-ID" dirty="0"/>
+              <a:t> agar </a:t>
+            </a:r>
+            <a:r>
+              <a:rPr lang="en-ID" dirty="0" err="1"/>
+              <a:t>ada</a:t>
+            </a:r>
+            <a:r>
+              <a:rPr lang="en-ID" dirty="0"/>
+              <a:t> </a:t>
+            </a:r>
+            <a:r>
+              <a:rPr lang="en-ID" dirty="0" err="1"/>
+              <a:t>perubahan</a:t>
+            </a:r>
+            <a:r>
+              <a:rPr lang="en-ID" dirty="0"/>
+              <a:t> dan </a:t>
+            </a:r>
+            <a:r>
+              <a:rPr lang="en-ID" dirty="0" err="1"/>
+              <a:t>kemajuan</a:t>
+            </a:r>
+            <a:r>
+              <a:rPr lang="en-ID" dirty="0"/>
+              <a:t>, </a:t>
+            </a:r>
+            <a:r>
+              <a:rPr lang="en-ID" dirty="0" err="1"/>
+              <a:t>awalnya</a:t>
+            </a:r>
+            <a:r>
+              <a:rPr lang="en-ID" dirty="0"/>
+              <a:t> </a:t>
+            </a:r>
+            <a:r>
+              <a:rPr lang="en-ID" dirty="0" err="1"/>
+              <a:t>ragu</a:t>
+            </a:r>
+            <a:r>
+              <a:rPr lang="en-ID" dirty="0"/>
+              <a:t> </a:t>
+            </a:r>
+            <a:r>
+              <a:rPr lang="en-ID" dirty="0" err="1"/>
+              <a:t>untuk</a:t>
+            </a:r>
+            <a:r>
+              <a:rPr lang="en-ID" dirty="0"/>
+              <a:t> </a:t>
+            </a:r>
+            <a:r>
+              <a:rPr lang="en-ID" dirty="0" err="1"/>
+              <a:t>mengerjakan</a:t>
+            </a:r>
+            <a:r>
+              <a:rPr lang="en-ID" dirty="0"/>
+              <a:t> </a:t>
+            </a:r>
+            <a:r>
+              <a:rPr lang="en-ID" dirty="0" err="1"/>
+              <a:t>tugas</a:t>
+            </a:r>
+            <a:r>
+              <a:rPr lang="en-ID" dirty="0"/>
+              <a:t> </a:t>
+            </a:r>
+            <a:r>
+              <a:rPr lang="en-ID" dirty="0" err="1"/>
+              <a:t>besar</a:t>
+            </a:r>
+            <a:r>
+              <a:rPr lang="en-ID" dirty="0"/>
+              <a:t> </a:t>
+            </a:r>
+            <a:r>
+              <a:rPr lang="en-ID" dirty="0" err="1"/>
+              <a:t>ini</a:t>
+            </a:r>
+            <a:r>
+              <a:rPr lang="en-ID" dirty="0"/>
+              <a:t>, </a:t>
+            </a:r>
+            <a:r>
+              <a:rPr lang="en-ID" dirty="0" err="1"/>
+              <a:t>merasa</a:t>
+            </a:r>
+            <a:r>
+              <a:rPr lang="en-ID" dirty="0"/>
+              <a:t> </a:t>
+            </a:r>
+            <a:r>
+              <a:rPr lang="en-ID" dirty="0" err="1"/>
+              <a:t>tidak</a:t>
+            </a:r>
+            <a:r>
+              <a:rPr lang="en-ID" dirty="0"/>
+              <a:t> </a:t>
+            </a:r>
+            <a:r>
+              <a:rPr lang="en-ID" dirty="0" err="1"/>
+              <a:t>mampu</a:t>
+            </a:r>
+            <a:r>
+              <a:rPr lang="en-ID" dirty="0"/>
+              <a:t>, dan </a:t>
+            </a:r>
+            <a:r>
+              <a:rPr lang="en-ID" dirty="0" err="1"/>
+              <a:t>takut</a:t>
+            </a:r>
+            <a:r>
+              <a:rPr lang="en-ID" dirty="0"/>
+              <a:t> </a:t>
+            </a:r>
+            <a:r>
+              <a:rPr lang="en-ID" dirty="0" err="1"/>
+              <a:t>tidak</a:t>
+            </a:r>
+            <a:r>
+              <a:rPr lang="en-ID" dirty="0"/>
+              <a:t> </a:t>
+            </a:r>
+            <a:r>
+              <a:rPr lang="en-ID" dirty="0" err="1"/>
+              <a:t>bisa</a:t>
+            </a:r>
+            <a:r>
+              <a:rPr lang="en-ID" dirty="0"/>
+              <a:t> </a:t>
+            </a:r>
+            <a:r>
+              <a:rPr lang="en-ID" dirty="0" err="1"/>
+              <a:t>menuntaskannya</a:t>
+            </a:r>
+            <a:r>
+              <a:rPr lang="en-ID" dirty="0"/>
+              <a:t>, </a:t>
+            </a:r>
+            <a:r>
+              <a:rPr lang="en-ID" dirty="0" err="1"/>
+              <a:t>namun</a:t>
+            </a:r>
+            <a:r>
+              <a:rPr lang="en-ID" dirty="0"/>
+              <a:t> </a:t>
+            </a:r>
+            <a:r>
+              <a:rPr lang="en-ID" dirty="0" err="1"/>
+              <a:t>setelah</a:t>
+            </a:r>
+            <a:r>
+              <a:rPr lang="en-ID" dirty="0"/>
+              <a:t> </a:t>
+            </a:r>
+            <a:r>
+              <a:rPr lang="en-ID" dirty="0" err="1"/>
+              <a:t>ada</a:t>
+            </a:r>
+            <a:r>
+              <a:rPr lang="en-ID" dirty="0"/>
+              <a:t> </a:t>
+            </a:r>
+            <a:r>
+              <a:rPr lang="en-ID" dirty="0" err="1"/>
+              <a:t>kemauan</a:t>
+            </a:r>
+            <a:r>
+              <a:rPr lang="en-ID" dirty="0"/>
+              <a:t> </a:t>
+            </a:r>
+            <a:r>
+              <a:rPr lang="en-ID" dirty="0" err="1"/>
+              <a:t>untuk</a:t>
+            </a:r>
+            <a:r>
+              <a:rPr lang="en-ID" dirty="0"/>
+              <a:t> </a:t>
+            </a:r>
+            <a:r>
+              <a:rPr lang="en-ID" dirty="0" err="1"/>
+              <a:t>mencoba</a:t>
+            </a:r>
+            <a:r>
+              <a:rPr lang="en-ID" dirty="0"/>
+              <a:t> </a:t>
+            </a:r>
+            <a:r>
+              <a:rPr lang="en-ID" dirty="0" err="1"/>
+              <a:t>melangkah</a:t>
+            </a:r>
+            <a:r>
+              <a:rPr lang="en-ID" dirty="0"/>
+              <a:t>, </a:t>
+            </a:r>
+            <a:r>
+              <a:rPr lang="en-ID" dirty="0" err="1"/>
+              <a:t>tugas</a:t>
+            </a:r>
+            <a:r>
+              <a:rPr lang="en-ID" dirty="0"/>
+              <a:t> </a:t>
+            </a:r>
+            <a:r>
+              <a:rPr lang="en-ID" dirty="0" err="1"/>
+              <a:t>ini</a:t>
+            </a:r>
+            <a:r>
+              <a:rPr lang="en-ID" dirty="0"/>
+              <a:t> </a:t>
+            </a:r>
+            <a:r>
+              <a:rPr lang="en-ID" dirty="0" err="1"/>
+              <a:t>perlahan-lahan</a:t>
+            </a:r>
+            <a:r>
+              <a:rPr lang="en-ID" dirty="0"/>
+              <a:t> </a:t>
+            </a:r>
+            <a:r>
+              <a:rPr lang="en-ID" dirty="0" err="1"/>
+              <a:t>ada</a:t>
+            </a:r>
+            <a:r>
+              <a:rPr lang="en-ID" dirty="0"/>
+              <a:t> </a:t>
+            </a:r>
+            <a:r>
+              <a:rPr lang="en-ID" dirty="0" err="1"/>
+              <a:t>kemajuan</a:t>
+            </a:r>
+            <a:r>
+              <a:rPr lang="en-ID" dirty="0"/>
+              <a:t> </a:t>
+            </a:r>
+            <a:r>
+              <a:rPr lang="en-ID" dirty="0" err="1"/>
+              <a:t>dalam</a:t>
+            </a:r>
+            <a:r>
+              <a:rPr lang="en-ID" dirty="0"/>
+              <a:t> </a:t>
+            </a:r>
+            <a:r>
+              <a:rPr lang="en-ID" dirty="0" err="1"/>
+              <a:t>progresnya</a:t>
+            </a:r>
+            <a:r>
+              <a:rPr lang="en-ID" dirty="0"/>
+              <a:t>, dan </a:t>
+            </a:r>
+            <a:r>
+              <a:rPr lang="en-ID" dirty="0" err="1"/>
+              <a:t>mengerjakannya</a:t>
+            </a:r>
+            <a:r>
+              <a:rPr lang="en-ID" dirty="0"/>
+              <a:t> </a:t>
+            </a:r>
+            <a:r>
+              <a:rPr lang="en-ID" dirty="0" err="1"/>
+              <a:t>dengan</a:t>
+            </a:r>
+            <a:r>
+              <a:rPr lang="en-ID" dirty="0"/>
+              <a:t> </a:t>
+            </a:r>
+            <a:r>
+              <a:rPr lang="en-ID" dirty="0" err="1"/>
+              <a:t>semua</a:t>
+            </a:r>
+            <a:r>
+              <a:rPr lang="en-ID" dirty="0"/>
+              <a:t> </a:t>
+            </a:r>
+            <a:r>
+              <a:rPr lang="en-ID" dirty="0" err="1"/>
+              <a:t>kemampuan</a:t>
+            </a:r>
+            <a:r>
+              <a:rPr lang="en-ID" dirty="0"/>
+              <a:t> yang </a:t>
+            </a:r>
+            <a:r>
+              <a:rPr lang="en-ID" dirty="0" err="1"/>
+              <a:t>ada</a:t>
+            </a:r>
+            <a:r>
+              <a:rPr lang="en-ID" dirty="0"/>
+              <a:t>. </a:t>
+            </a:r>
+            <a:r>
+              <a:rPr lang="en-ID" dirty="0" err="1"/>
+              <a:t>Namun</a:t>
+            </a:r>
+            <a:r>
+              <a:rPr lang="en-ID" dirty="0"/>
+              <a:t> </a:t>
+            </a:r>
+            <a:r>
+              <a:rPr lang="en-ID" dirty="0" err="1"/>
+              <a:t>tidak</a:t>
+            </a:r>
+            <a:r>
+              <a:rPr lang="en-ID" dirty="0"/>
+              <a:t> </a:t>
+            </a:r>
+            <a:r>
+              <a:rPr lang="en-ID" dirty="0" err="1"/>
+              <a:t>hanya</a:t>
+            </a:r>
+            <a:r>
+              <a:rPr lang="en-ID" dirty="0"/>
+              <a:t> </a:t>
+            </a:r>
+            <a:r>
+              <a:rPr lang="en-ID" dirty="0" err="1"/>
+              <a:t>sampai</a:t>
+            </a:r>
+            <a:r>
+              <a:rPr lang="en-ID" dirty="0"/>
+              <a:t> </a:t>
+            </a:r>
+            <a:r>
+              <a:rPr lang="en-ID" dirty="0" err="1"/>
+              <a:t>disitu</a:t>
+            </a:r>
+            <a:r>
+              <a:rPr lang="en-ID" dirty="0"/>
+              <a:t> </a:t>
+            </a:r>
+            <a:r>
+              <a:rPr lang="en-ID" dirty="0" err="1"/>
+              <a:t>saja</a:t>
+            </a:r>
+            <a:r>
+              <a:rPr lang="en-ID" dirty="0"/>
+              <a:t>, </a:t>
+            </a:r>
+            <a:r>
+              <a:rPr lang="en-ID" dirty="0" err="1"/>
+              <a:t>dibutuhkan</a:t>
+            </a:r>
+            <a:r>
+              <a:rPr lang="en-ID" dirty="0"/>
+              <a:t> </a:t>
+            </a:r>
+            <a:r>
+              <a:rPr lang="en-ID" dirty="0" err="1"/>
+              <a:t>lagi</a:t>
+            </a:r>
+            <a:r>
+              <a:rPr lang="en-ID" dirty="0"/>
+              <a:t> </a:t>
+            </a:r>
+            <a:r>
+              <a:rPr lang="en-ID" dirty="0" err="1"/>
+              <a:t>pendalaman</a:t>
+            </a:r>
+            <a:r>
+              <a:rPr lang="en-ID" dirty="0"/>
+              <a:t> </a:t>
+            </a:r>
+            <a:r>
+              <a:rPr lang="en-ID" dirty="0" err="1"/>
+              <a:t>belajar</a:t>
+            </a:r>
+            <a:r>
+              <a:rPr lang="en-ID" dirty="0"/>
+              <a:t> dan </a:t>
+            </a:r>
+            <a:r>
+              <a:rPr lang="en-ID" dirty="0" err="1"/>
+              <a:t>pengalaman</a:t>
+            </a:r>
+            <a:r>
+              <a:rPr lang="en-ID" dirty="0"/>
+              <a:t> agar </a:t>
+            </a:r>
+            <a:r>
+              <a:rPr lang="en-ID" dirty="0" err="1"/>
+              <a:t>hasilnya</a:t>
+            </a:r>
+            <a:r>
+              <a:rPr lang="en-ID" dirty="0"/>
+              <a:t> </a:t>
+            </a:r>
+            <a:r>
+              <a:rPr lang="en-ID" dirty="0" err="1"/>
+              <a:t>semakin</a:t>
+            </a:r>
+            <a:r>
+              <a:rPr lang="en-ID" dirty="0"/>
+              <a:t> </a:t>
+            </a:r>
+            <a:r>
+              <a:rPr lang="en-ID" dirty="0" err="1"/>
+              <a:t>mendekati</a:t>
+            </a:r>
+            <a:r>
+              <a:rPr lang="en-ID" dirty="0"/>
+              <a:t> </a:t>
+            </a:r>
+            <a:r>
+              <a:rPr lang="en-ID" dirty="0" err="1"/>
+              <a:t>sempurna</a:t>
+            </a:r>
+            <a:r>
+              <a:rPr lang="en-ID" dirty="0"/>
+              <a:t>.</a:t>
+            </a:r>
+            <a:endParaRPr lang="en-US" dirty="0"/>
+          </a:p>
+          <a:p>
+            <a:pPr marL="177796" indent="0">
+              <a:buNone/>
+            </a:pPr>
+            <a:endParaRPr lang="en-US" dirty="0"/>
+          </a:p>
+        </p:txBody>
+      </p:sp>
+      <p:sp>
+        <p:nvSpPr>
+          <p:cNvPr id="3" name="Title 2">
+            <a:extLst>
+              <a:ext uri="{FF2B5EF4-FFF2-40B4-BE49-F238E27FC236}">
+                <a16:creationId xmlns:a16="http://schemas.microsoft.com/office/drawing/2014/main" id="{4C1C678E-74A3-419E-8C9C-F8B951212381}"/>
+              </a:ext>
+            </a:extLst>
+          </p:cNvPr>
+          <p:cNvSpPr>
+            <a:spLocks noGrp="1"/>
+          </p:cNvSpPr>
+          <p:nvPr>
+            <p:ph type="ctrTitle"/>
+          </p:nvPr>
+        </p:nvSpPr>
+        <p:spPr/>
+        <p:txBody>
+          <a:bodyPr/>
+          <a:lstStyle/>
+          <a:p>
+            <a:r>
+              <a:rPr lang="en-US" dirty="0"/>
+              <a:t>LESSON LEARNED</a:t>
+            </a:r>
+          </a:p>
+        </p:txBody>
+      </p:sp>
+    </p:spTree>
+    <p:extLst>
+      <p:ext uri="{BB962C8B-B14F-4D97-AF65-F5344CB8AC3E}">
+        <p14:creationId xmlns:p14="http://schemas.microsoft.com/office/powerpoint/2010/main" val="4071484083"/>
+      </p:ext>
+    </p:extLst>
+  </p:cSld>
+  <p:clrMapOvr>
+    <a:masterClrMapping/>
+  </p:clrMapOvr>
+</p:sld>
+</file>
+
 <file path=ppt/slides/slide2.xml><?xml version="1.0" encoding="utf-8"?>
+<p:sld xmlns:a="http://schemas.openxmlformats.org/drawingml/2006/main" xmlns:r="http://schemas.openxmlformats.org/officeDocument/2006/relationships" xmlns:p="http://schemas.openxmlformats.org/presentationml/2006/main">
+  <p:cSld>
+    <p:spTree>
+      <p:nvGrpSpPr>
+        <p:cNvPr id="1" name=""/>
+        <p:cNvGrpSpPr/>
+        <p:nvPr/>
+      </p:nvGrpSpPr>
+      <p:grpSpPr>
+        <a:xfrm>
+          <a:off x="0" y="0"/>
+          <a:ext cx="0" cy="0"/>
+          <a:chOff x="0" y="0"/>
+          <a:chExt cx="0" cy="0"/>
+        </a:xfrm>
+      </p:grpSpPr>
+      <p:sp>
+        <p:nvSpPr>
+          <p:cNvPr id="2" name="Subtitle 1">
+            <a:extLst>
+              <a:ext uri="{FF2B5EF4-FFF2-40B4-BE49-F238E27FC236}">
+                <a16:creationId xmlns:a16="http://schemas.microsoft.com/office/drawing/2014/main" id="{60D0100E-86DD-404F-BFD4-BC876802565C}"/>
+              </a:ext>
+            </a:extLst>
+          </p:cNvPr>
+          <p:cNvSpPr>
+            <a:spLocks noGrp="1"/>
+          </p:cNvSpPr>
+          <p:nvPr>
+            <p:ph type="subTitle" idx="1"/>
+          </p:nvPr>
+        </p:nvSpPr>
+        <p:spPr>
+          <a:xfrm>
+            <a:off x="1787753" y="2090217"/>
+            <a:ext cx="2467200" cy="423200"/>
+          </a:xfrm>
+        </p:spPr>
+        <p:txBody>
+          <a:bodyPr/>
+          <a:lstStyle/>
+          <a:p>
+            <a:r>
+              <a:rPr lang="en-US" dirty="0"/>
+              <a:t>1. </a:t>
+            </a:r>
+            <a:r>
+              <a:rPr lang="en-US" dirty="0" err="1"/>
+              <a:t>Definisi</a:t>
+            </a:r>
+            <a:endParaRPr lang="en-US" dirty="0"/>
+          </a:p>
+        </p:txBody>
+      </p:sp>
+      <p:sp>
+        <p:nvSpPr>
+          <p:cNvPr id="3" name="Subtitle 2">
+            <a:extLst>
+              <a:ext uri="{FF2B5EF4-FFF2-40B4-BE49-F238E27FC236}">
+                <a16:creationId xmlns:a16="http://schemas.microsoft.com/office/drawing/2014/main" id="{72FAF90D-D646-4ACF-AC61-EC2A07DC97BF}"/>
+              </a:ext>
+            </a:extLst>
+          </p:cNvPr>
+          <p:cNvSpPr>
+            <a:spLocks noGrp="1"/>
+          </p:cNvSpPr>
+          <p:nvPr>
+            <p:ph type="subTitle" idx="2"/>
+          </p:nvPr>
+        </p:nvSpPr>
+        <p:spPr>
+          <a:xfrm>
+            <a:off x="2028143" y="3217400"/>
+            <a:ext cx="2467200" cy="423200"/>
+          </a:xfrm>
+        </p:spPr>
+        <p:txBody>
+          <a:bodyPr/>
+          <a:lstStyle/>
+          <a:p>
+            <a:r>
+              <a:rPr lang="en-US" dirty="0"/>
+              <a:t>3. </a:t>
+            </a:r>
+            <a:r>
+              <a:rPr lang="en-US" dirty="0" err="1"/>
+              <a:t>Aturan</a:t>
+            </a:r>
+            <a:endParaRPr lang="en-US" dirty="0"/>
+          </a:p>
+        </p:txBody>
+      </p:sp>
+      <p:sp>
+        <p:nvSpPr>
+          <p:cNvPr id="4" name="Subtitle 3">
+            <a:extLst>
+              <a:ext uri="{FF2B5EF4-FFF2-40B4-BE49-F238E27FC236}">
+                <a16:creationId xmlns:a16="http://schemas.microsoft.com/office/drawing/2014/main" id="{05C91F42-4BF0-47AC-B3A4-7BBEC79750CF}"/>
+              </a:ext>
+            </a:extLst>
+          </p:cNvPr>
+          <p:cNvSpPr>
+            <a:spLocks noGrp="1"/>
+          </p:cNvSpPr>
+          <p:nvPr>
+            <p:ph type="subTitle" idx="3"/>
+          </p:nvPr>
+        </p:nvSpPr>
+        <p:spPr>
+          <a:xfrm>
+            <a:off x="7049068" y="2090217"/>
+            <a:ext cx="2938311" cy="423200"/>
+          </a:xfrm>
+        </p:spPr>
+        <p:txBody>
+          <a:bodyPr/>
+          <a:lstStyle/>
+          <a:p>
+            <a:r>
+              <a:rPr lang="en-US" dirty="0"/>
+              <a:t>2. </a:t>
+            </a:r>
+            <a:r>
+              <a:rPr lang="en-US" dirty="0" err="1"/>
+              <a:t>Skenario</a:t>
+            </a:r>
+            <a:r>
+              <a:rPr lang="en-US" dirty="0"/>
+              <a:t> Program</a:t>
+            </a:r>
+          </a:p>
+        </p:txBody>
+      </p:sp>
+      <p:sp>
+        <p:nvSpPr>
+          <p:cNvPr id="8" name="Title 7">
+            <a:extLst>
+              <a:ext uri="{FF2B5EF4-FFF2-40B4-BE49-F238E27FC236}">
+                <a16:creationId xmlns:a16="http://schemas.microsoft.com/office/drawing/2014/main" id="{03A81EB4-6A25-4306-ADED-B6720D9AD613}"/>
+              </a:ext>
+            </a:extLst>
+          </p:cNvPr>
+          <p:cNvSpPr>
+            <a:spLocks noGrp="1"/>
+          </p:cNvSpPr>
+          <p:nvPr>
+            <p:ph type="ctrTitle"/>
+          </p:nvPr>
+        </p:nvSpPr>
+        <p:spPr>
+          <a:xfrm>
+            <a:off x="1170200" y="1081505"/>
+            <a:ext cx="9851600" cy="848400"/>
+          </a:xfrm>
+        </p:spPr>
+        <p:txBody>
+          <a:bodyPr/>
+          <a:lstStyle/>
+          <a:p>
+            <a:r>
+              <a:rPr lang="en-US" dirty="0"/>
+              <a:t>DESKRIPSI APLIKASI</a:t>
+            </a:r>
+          </a:p>
+        </p:txBody>
+      </p:sp>
+      <p:sp>
+        <p:nvSpPr>
+          <p:cNvPr id="10" name="Subtitle 2">
+            <a:extLst>
+              <a:ext uri="{FF2B5EF4-FFF2-40B4-BE49-F238E27FC236}">
+                <a16:creationId xmlns:a16="http://schemas.microsoft.com/office/drawing/2014/main" id="{07BF758E-2726-440E-9888-076810FA3019}"/>
+              </a:ext>
+            </a:extLst>
+          </p:cNvPr>
+          <p:cNvSpPr txBox="1">
+            <a:spLocks/>
+          </p:cNvSpPr>
+          <p:nvPr/>
+        </p:nvSpPr>
+        <p:spPr>
+          <a:xfrm>
+            <a:off x="6767640" y="3307656"/>
+            <a:ext cx="3501166" cy="423200"/>
+          </a:xfrm>
+          <a:prstGeom prst="rect">
+            <a:avLst/>
+          </a:prstGeom>
+          <a:noFill/>
+          <a:ln>
+            <a:noFill/>
+          </a:ln>
+        </p:spPr>
+        <p:txBody>
+          <a:bodyPr spcFirstLastPara="1" wrap="square" lIns="91425" tIns="91425" rIns="91425" bIns="91425" anchor="ctr" anchorCtr="0">
+            <a:noAutofit/>
+          </a:bodyPr>
+          <a:lstStyle>
+            <a:defPPr marR="0" lvl="0" algn="l" rtl="0">
+              <a:lnSpc>
+                <a:spcPct val="100000"/>
+              </a:lnSpc>
+              <a:spcBef>
+                <a:spcPts val="0"/>
+              </a:spcBef>
+              <a:spcAft>
+                <a:spcPts val="0"/>
+              </a:spcAft>
+            </a:defPPr>
+            <a:lvl1pPr marL="457200" marR="0" lvl="0" indent="-323850" algn="ctr" rtl="0" eaLnBrk="1" hangingPunct="1">
+              <a:lnSpc>
+                <a:spcPct val="100000"/>
+              </a:lnSpc>
+              <a:spcBef>
+                <a:spcPts val="0"/>
+              </a:spcBef>
+              <a:spcAft>
+                <a:spcPts val="0"/>
+              </a:spcAft>
+              <a:buClr>
+                <a:schemeClr val="dk1"/>
+              </a:buClr>
+              <a:buSzPts val="1500"/>
+              <a:buFont typeface="Didact Gothic"/>
+              <a:buNone/>
+              <a:defRPr sz="2267" b="1" i="0" u="none" strike="noStrike" cap="none">
+                <a:solidFill>
+                  <a:schemeClr val="dk1"/>
+                </a:solidFill>
+                <a:latin typeface="Lobster"/>
+                <a:ea typeface="Lobster"/>
+                <a:cs typeface="Lobster"/>
+                <a:sym typeface="Lobster"/>
+              </a:defRPr>
+            </a:lvl1pPr>
+            <a:lvl2pPr marL="914400" marR="0" lvl="1" indent="-323850" algn="ctr" rtl="0" eaLnBrk="1" hangingPunct="1">
+              <a:lnSpc>
+                <a:spcPct val="100000"/>
+              </a:lnSpc>
+              <a:spcBef>
+                <a:spcPts val="2133"/>
+              </a:spcBef>
+              <a:spcAft>
+                <a:spcPts val="0"/>
+              </a:spcAft>
+              <a:buClr>
+                <a:schemeClr val="dk1"/>
+              </a:buClr>
+              <a:buSzPts val="1500"/>
+              <a:buFont typeface="Didact Gothic"/>
+              <a:buNone/>
+              <a:defRPr sz="2267" b="1" i="0" u="none" strike="noStrike" cap="none">
+                <a:solidFill>
+                  <a:schemeClr val="dk1"/>
+                </a:solidFill>
+                <a:latin typeface="Lobster"/>
+                <a:ea typeface="Lobster"/>
+                <a:cs typeface="Lobster"/>
+                <a:sym typeface="Lobster"/>
+              </a:defRPr>
+            </a:lvl2pPr>
+            <a:lvl3pPr marL="1371600" marR="0" lvl="2" indent="-323850" algn="ctr" rtl="0" eaLnBrk="1" hangingPunct="1">
+              <a:lnSpc>
+                <a:spcPct val="100000"/>
+              </a:lnSpc>
+              <a:spcBef>
+                <a:spcPts val="2133"/>
+              </a:spcBef>
+              <a:spcAft>
+                <a:spcPts val="0"/>
+              </a:spcAft>
+              <a:buClr>
+                <a:schemeClr val="dk1"/>
+              </a:buClr>
+              <a:buSzPts val="1500"/>
+              <a:buFont typeface="Didact Gothic"/>
+              <a:buNone/>
+              <a:defRPr sz="2267" b="1" i="0" u="none" strike="noStrike" cap="none">
+                <a:solidFill>
+                  <a:schemeClr val="dk1"/>
+                </a:solidFill>
+                <a:latin typeface="Lobster"/>
+                <a:ea typeface="Lobster"/>
+                <a:cs typeface="Lobster"/>
+                <a:sym typeface="Lobster"/>
+              </a:defRPr>
+            </a:lvl3pPr>
+            <a:lvl4pPr marL="1828800" marR="0" lvl="3" indent="-323850" algn="ctr" rtl="0" eaLnBrk="1" hangingPunct="1">
+              <a:lnSpc>
+                <a:spcPct val="100000"/>
+              </a:lnSpc>
+              <a:spcBef>
+                <a:spcPts val="2133"/>
+              </a:spcBef>
+              <a:spcAft>
+                <a:spcPts val="0"/>
+              </a:spcAft>
+              <a:buClr>
+                <a:schemeClr val="dk1"/>
+              </a:buClr>
+              <a:buSzPts val="1500"/>
+              <a:buFont typeface="Didact Gothic"/>
+              <a:buNone/>
+              <a:defRPr sz="2267" b="1" i="0" u="none" strike="noStrike" cap="none">
+                <a:solidFill>
+                  <a:schemeClr val="dk1"/>
+                </a:solidFill>
+                <a:latin typeface="Lobster"/>
+                <a:ea typeface="Lobster"/>
+                <a:cs typeface="Lobster"/>
+                <a:sym typeface="Lobster"/>
+              </a:defRPr>
+            </a:lvl4pPr>
+            <a:lvl5pPr marL="2286000" marR="0" lvl="4" indent="-323850" algn="ctr" rtl="0" eaLnBrk="1" hangingPunct="1">
+              <a:lnSpc>
+                <a:spcPct val="100000"/>
+              </a:lnSpc>
+              <a:spcBef>
+                <a:spcPts val="2133"/>
+              </a:spcBef>
+              <a:spcAft>
+                <a:spcPts val="0"/>
+              </a:spcAft>
+              <a:buClr>
+                <a:schemeClr val="dk1"/>
+              </a:buClr>
+              <a:buSzPts val="1500"/>
+              <a:buFont typeface="Didact Gothic"/>
+              <a:buNone/>
+              <a:defRPr sz="2267" b="1" i="0" u="none" strike="noStrike" cap="none">
+                <a:solidFill>
+                  <a:schemeClr val="dk1"/>
+                </a:solidFill>
+                <a:latin typeface="Lobster"/>
+                <a:ea typeface="Lobster"/>
+                <a:cs typeface="Lobster"/>
+                <a:sym typeface="Lobster"/>
+              </a:defRPr>
+            </a:lvl5pPr>
+            <a:lvl6pPr marL="2743200" marR="0" lvl="5" indent="-323850" algn="ctr" rtl="0" eaLnBrk="1" hangingPunct="1">
+              <a:lnSpc>
+                <a:spcPct val="100000"/>
+              </a:lnSpc>
+              <a:spcBef>
+                <a:spcPts val="2133"/>
+              </a:spcBef>
+              <a:spcAft>
+                <a:spcPts val="0"/>
+              </a:spcAft>
+              <a:buClr>
+                <a:schemeClr val="dk1"/>
+              </a:buClr>
+              <a:buSzPts val="1500"/>
+              <a:buFont typeface="Didact Gothic"/>
+              <a:buNone/>
+              <a:defRPr sz="2267" b="1" i="0" u="none" strike="noStrike" cap="none">
+                <a:solidFill>
+                  <a:schemeClr val="dk1"/>
+                </a:solidFill>
+                <a:latin typeface="Lobster"/>
+                <a:ea typeface="Lobster"/>
+                <a:cs typeface="Lobster"/>
+                <a:sym typeface="Lobster"/>
+              </a:defRPr>
+            </a:lvl6pPr>
+            <a:lvl7pPr marL="3200400" marR="0" lvl="6" indent="-323850" algn="ctr" rtl="0" eaLnBrk="1" hangingPunct="1">
+              <a:lnSpc>
+                <a:spcPct val="100000"/>
+              </a:lnSpc>
+              <a:spcBef>
+                <a:spcPts val="2133"/>
+              </a:spcBef>
+              <a:spcAft>
+                <a:spcPts val="0"/>
+              </a:spcAft>
+              <a:buClr>
+                <a:schemeClr val="dk1"/>
+              </a:buClr>
+              <a:buSzPts val="1500"/>
+              <a:buFont typeface="Didact Gothic"/>
+              <a:buNone/>
+              <a:defRPr sz="2267" b="1" i="0" u="none" strike="noStrike" cap="none">
+                <a:solidFill>
+                  <a:schemeClr val="dk1"/>
+                </a:solidFill>
+                <a:latin typeface="Lobster"/>
+                <a:ea typeface="Lobster"/>
+                <a:cs typeface="Lobster"/>
+                <a:sym typeface="Lobster"/>
+              </a:defRPr>
+            </a:lvl7pPr>
+            <a:lvl8pPr marL="3657600" marR="0" lvl="7" indent="-323850" algn="ctr" rtl="0" eaLnBrk="1" hangingPunct="1">
+              <a:lnSpc>
+                <a:spcPct val="100000"/>
+              </a:lnSpc>
+              <a:spcBef>
+                <a:spcPts val="2133"/>
+              </a:spcBef>
+              <a:spcAft>
+                <a:spcPts val="0"/>
+              </a:spcAft>
+              <a:buClr>
+                <a:schemeClr val="dk1"/>
+              </a:buClr>
+              <a:buSzPts val="1500"/>
+              <a:buFont typeface="Didact Gothic"/>
+              <a:buNone/>
+              <a:defRPr sz="2267" b="1" i="0" u="none" strike="noStrike" cap="none">
+                <a:solidFill>
+                  <a:schemeClr val="dk1"/>
+                </a:solidFill>
+                <a:latin typeface="Lobster"/>
+                <a:ea typeface="Lobster"/>
+                <a:cs typeface="Lobster"/>
+                <a:sym typeface="Lobster"/>
+              </a:defRPr>
+            </a:lvl8pPr>
+            <a:lvl9pPr marL="4114800" marR="0" lvl="8" indent="-323850" algn="ctr" rtl="0" eaLnBrk="1" hangingPunct="1">
+              <a:lnSpc>
+                <a:spcPct val="100000"/>
+              </a:lnSpc>
+              <a:spcBef>
+                <a:spcPts val="2133"/>
+              </a:spcBef>
+              <a:spcAft>
+                <a:spcPts val="2133"/>
+              </a:spcAft>
+              <a:buClr>
+                <a:schemeClr val="dk1"/>
+              </a:buClr>
+              <a:buSzPts val="1500"/>
+              <a:buFont typeface="Didact Gothic"/>
+              <a:buNone/>
+              <a:defRPr sz="2267" b="1" i="0" u="none" strike="noStrike" cap="none">
+                <a:solidFill>
+                  <a:schemeClr val="dk1"/>
+                </a:solidFill>
+                <a:latin typeface="Lobster"/>
+                <a:ea typeface="Lobster"/>
+                <a:cs typeface="Lobster"/>
+                <a:sym typeface="Lobster"/>
+              </a:defRPr>
+            </a:lvl9pPr>
+          </a:lstStyle>
+          <a:p>
+            <a:r>
+              <a:rPr lang="en-US" dirty="0"/>
+              <a:t>4. </a:t>
+            </a:r>
+            <a:r>
+              <a:rPr lang="en-US" dirty="0" err="1"/>
+              <a:t>Karakteristik</a:t>
+            </a:r>
+            <a:r>
+              <a:rPr lang="en-US" dirty="0"/>
+              <a:t> </a:t>
+            </a:r>
+            <a:r>
+              <a:rPr lang="en-US" dirty="0" err="1"/>
+              <a:t>pengguna</a:t>
+            </a:r>
+            <a:endParaRPr lang="en-US" dirty="0"/>
+          </a:p>
+        </p:txBody>
+      </p:sp>
+      <p:sp>
+        <p:nvSpPr>
+          <p:cNvPr id="11" name="Subtitle 2">
+            <a:extLst>
+              <a:ext uri="{FF2B5EF4-FFF2-40B4-BE49-F238E27FC236}">
+                <a16:creationId xmlns:a16="http://schemas.microsoft.com/office/drawing/2014/main" id="{72260FFE-D2B4-4E50-AD0C-06C816C49B3B}"/>
+              </a:ext>
+            </a:extLst>
+          </p:cNvPr>
+          <p:cNvSpPr txBox="1">
+            <a:spLocks/>
+          </p:cNvSpPr>
+          <p:nvPr/>
+        </p:nvSpPr>
+        <p:spPr>
+          <a:xfrm>
+            <a:off x="4581867" y="4504896"/>
+            <a:ext cx="3088439" cy="423200"/>
+          </a:xfrm>
+          <a:prstGeom prst="rect">
+            <a:avLst/>
+          </a:prstGeom>
+          <a:noFill/>
+          <a:ln>
+            <a:noFill/>
+          </a:ln>
+        </p:spPr>
+        <p:txBody>
+          <a:bodyPr spcFirstLastPara="1" wrap="square" lIns="91425" tIns="91425" rIns="91425" bIns="91425" anchor="ctr" anchorCtr="0">
+            <a:noAutofit/>
+          </a:bodyPr>
+          <a:lstStyle>
+            <a:defPPr marR="0" lvl="0" algn="l" rtl="0">
+              <a:lnSpc>
+                <a:spcPct val="100000"/>
+              </a:lnSpc>
+              <a:spcBef>
+                <a:spcPts val="0"/>
+              </a:spcBef>
+              <a:spcAft>
+                <a:spcPts val="0"/>
+              </a:spcAft>
+            </a:defPPr>
+            <a:lvl1pPr marL="457200" marR="0" lvl="0" indent="-323850" algn="ctr" rtl="0" eaLnBrk="1" hangingPunct="1">
+              <a:lnSpc>
+                <a:spcPct val="100000"/>
+              </a:lnSpc>
+              <a:spcBef>
+                <a:spcPts val="0"/>
+              </a:spcBef>
+              <a:spcAft>
+                <a:spcPts val="0"/>
+              </a:spcAft>
+              <a:buClr>
+                <a:schemeClr val="dk1"/>
+              </a:buClr>
+              <a:buSzPts val="1500"/>
+              <a:buFont typeface="Didact Gothic"/>
+              <a:buNone/>
+              <a:defRPr sz="2267" b="1" i="0" u="none" strike="noStrike" cap="none">
+                <a:solidFill>
+                  <a:schemeClr val="dk1"/>
+                </a:solidFill>
+                <a:latin typeface="Lobster"/>
+                <a:ea typeface="Lobster"/>
+                <a:cs typeface="Lobster"/>
+                <a:sym typeface="Lobster"/>
+              </a:defRPr>
+            </a:lvl1pPr>
+            <a:lvl2pPr marL="914400" marR="0" lvl="1" indent="-323850" algn="ctr" rtl="0" eaLnBrk="1" hangingPunct="1">
+              <a:lnSpc>
+                <a:spcPct val="100000"/>
+              </a:lnSpc>
+              <a:spcBef>
+                <a:spcPts val="2133"/>
+              </a:spcBef>
+              <a:spcAft>
+                <a:spcPts val="0"/>
+              </a:spcAft>
+              <a:buClr>
+                <a:schemeClr val="dk1"/>
+              </a:buClr>
+              <a:buSzPts val="1500"/>
+              <a:buFont typeface="Didact Gothic"/>
+              <a:buNone/>
+              <a:defRPr sz="2267" b="1" i="0" u="none" strike="noStrike" cap="none">
+                <a:solidFill>
+                  <a:schemeClr val="dk1"/>
+                </a:solidFill>
+                <a:latin typeface="Lobster"/>
+                <a:ea typeface="Lobster"/>
+                <a:cs typeface="Lobster"/>
+                <a:sym typeface="Lobster"/>
+              </a:defRPr>
+            </a:lvl2pPr>
+            <a:lvl3pPr marL="1371600" marR="0" lvl="2" indent="-323850" algn="ctr" rtl="0" eaLnBrk="1" hangingPunct="1">
+              <a:lnSpc>
+                <a:spcPct val="100000"/>
+              </a:lnSpc>
+              <a:spcBef>
+                <a:spcPts val="2133"/>
+              </a:spcBef>
+              <a:spcAft>
+                <a:spcPts val="0"/>
+              </a:spcAft>
+              <a:buClr>
+                <a:schemeClr val="dk1"/>
+              </a:buClr>
+              <a:buSzPts val="1500"/>
+              <a:buFont typeface="Didact Gothic"/>
+              <a:buNone/>
+              <a:defRPr sz="2267" b="1" i="0" u="none" strike="noStrike" cap="none">
+                <a:solidFill>
+                  <a:schemeClr val="dk1"/>
+                </a:solidFill>
+                <a:latin typeface="Lobster"/>
+                <a:ea typeface="Lobster"/>
+                <a:cs typeface="Lobster"/>
+                <a:sym typeface="Lobster"/>
+              </a:defRPr>
+            </a:lvl3pPr>
+            <a:lvl4pPr marL="1828800" marR="0" lvl="3" indent="-323850" algn="ctr" rtl="0" eaLnBrk="1" hangingPunct="1">
+              <a:lnSpc>
+                <a:spcPct val="100000"/>
+              </a:lnSpc>
+              <a:spcBef>
+                <a:spcPts val="2133"/>
+              </a:spcBef>
+              <a:spcAft>
+                <a:spcPts val="0"/>
+              </a:spcAft>
+              <a:buClr>
+                <a:schemeClr val="dk1"/>
+              </a:buClr>
+              <a:buSzPts val="1500"/>
+              <a:buFont typeface="Didact Gothic"/>
+              <a:buNone/>
+              <a:defRPr sz="2267" b="1" i="0" u="none" strike="noStrike" cap="none">
+                <a:solidFill>
+                  <a:schemeClr val="dk1"/>
+                </a:solidFill>
+                <a:latin typeface="Lobster"/>
+                <a:ea typeface="Lobster"/>
+                <a:cs typeface="Lobster"/>
+                <a:sym typeface="Lobster"/>
+              </a:defRPr>
+            </a:lvl4pPr>
+            <a:lvl5pPr marL="2286000" marR="0" lvl="4" indent="-323850" algn="ctr" rtl="0" eaLnBrk="1" hangingPunct="1">
+              <a:lnSpc>
+                <a:spcPct val="100000"/>
+              </a:lnSpc>
+              <a:spcBef>
+                <a:spcPts val="2133"/>
+              </a:spcBef>
+              <a:spcAft>
+                <a:spcPts val="0"/>
+              </a:spcAft>
+              <a:buClr>
+                <a:schemeClr val="dk1"/>
+              </a:buClr>
+              <a:buSzPts val="1500"/>
+              <a:buFont typeface="Didact Gothic"/>
+              <a:buNone/>
+              <a:defRPr sz="2267" b="1" i="0" u="none" strike="noStrike" cap="none">
+                <a:solidFill>
+                  <a:schemeClr val="dk1"/>
+                </a:solidFill>
+                <a:latin typeface="Lobster"/>
+                <a:ea typeface="Lobster"/>
+                <a:cs typeface="Lobster"/>
+                <a:sym typeface="Lobster"/>
+              </a:defRPr>
+            </a:lvl5pPr>
+            <a:lvl6pPr marL="2743200" marR="0" lvl="5" indent="-323850" algn="ctr" rtl="0" eaLnBrk="1" hangingPunct="1">
+              <a:lnSpc>
+                <a:spcPct val="100000"/>
+              </a:lnSpc>
+              <a:spcBef>
+                <a:spcPts val="2133"/>
+              </a:spcBef>
+              <a:spcAft>
+                <a:spcPts val="0"/>
+              </a:spcAft>
+              <a:buClr>
+                <a:schemeClr val="dk1"/>
+              </a:buClr>
+              <a:buSzPts val="1500"/>
+              <a:buFont typeface="Didact Gothic"/>
+              <a:buNone/>
+              <a:defRPr sz="2267" b="1" i="0" u="none" strike="noStrike" cap="none">
+                <a:solidFill>
+                  <a:schemeClr val="dk1"/>
+                </a:solidFill>
+                <a:latin typeface="Lobster"/>
+                <a:ea typeface="Lobster"/>
+                <a:cs typeface="Lobster"/>
+                <a:sym typeface="Lobster"/>
+              </a:defRPr>
+            </a:lvl6pPr>
+            <a:lvl7pPr marL="3200400" marR="0" lvl="6" indent="-323850" algn="ctr" rtl="0" eaLnBrk="1" hangingPunct="1">
+              <a:lnSpc>
+                <a:spcPct val="100000"/>
+              </a:lnSpc>
+              <a:spcBef>
+                <a:spcPts val="2133"/>
+              </a:spcBef>
+              <a:spcAft>
+                <a:spcPts val="0"/>
+              </a:spcAft>
+              <a:buClr>
+                <a:schemeClr val="dk1"/>
+              </a:buClr>
+              <a:buSzPts val="1500"/>
+              <a:buFont typeface="Didact Gothic"/>
+              <a:buNone/>
+              <a:defRPr sz="2267" b="1" i="0" u="none" strike="noStrike" cap="none">
+                <a:solidFill>
+                  <a:schemeClr val="dk1"/>
+                </a:solidFill>
+                <a:latin typeface="Lobster"/>
+                <a:ea typeface="Lobster"/>
+                <a:cs typeface="Lobster"/>
+                <a:sym typeface="Lobster"/>
+              </a:defRPr>
+            </a:lvl7pPr>
+            <a:lvl8pPr marL="3657600" marR="0" lvl="7" indent="-323850" algn="ctr" rtl="0" eaLnBrk="1" hangingPunct="1">
+              <a:lnSpc>
+                <a:spcPct val="100000"/>
+              </a:lnSpc>
+              <a:spcBef>
+                <a:spcPts val="2133"/>
+              </a:spcBef>
+              <a:spcAft>
+                <a:spcPts val="0"/>
+              </a:spcAft>
+              <a:buClr>
+                <a:schemeClr val="dk1"/>
+              </a:buClr>
+              <a:buSzPts val="1500"/>
+              <a:buFont typeface="Didact Gothic"/>
+              <a:buNone/>
+              <a:defRPr sz="2267" b="1" i="0" u="none" strike="noStrike" cap="none">
+                <a:solidFill>
+                  <a:schemeClr val="dk1"/>
+                </a:solidFill>
+                <a:latin typeface="Lobster"/>
+                <a:ea typeface="Lobster"/>
+                <a:cs typeface="Lobster"/>
+                <a:sym typeface="Lobster"/>
+              </a:defRPr>
+            </a:lvl8pPr>
+            <a:lvl9pPr marL="4114800" marR="0" lvl="8" indent="-323850" algn="ctr" rtl="0" eaLnBrk="1" hangingPunct="1">
+              <a:lnSpc>
+                <a:spcPct val="100000"/>
+              </a:lnSpc>
+              <a:spcBef>
+                <a:spcPts val="2133"/>
+              </a:spcBef>
+              <a:spcAft>
+                <a:spcPts val="2133"/>
+              </a:spcAft>
+              <a:buClr>
+                <a:schemeClr val="dk1"/>
+              </a:buClr>
+              <a:buSzPts val="1500"/>
+              <a:buFont typeface="Didact Gothic"/>
+              <a:buNone/>
+              <a:defRPr sz="2267" b="1" i="0" u="none" strike="noStrike" cap="none">
+                <a:solidFill>
+                  <a:schemeClr val="dk1"/>
+                </a:solidFill>
+                <a:latin typeface="Lobster"/>
+                <a:ea typeface="Lobster"/>
+                <a:cs typeface="Lobster"/>
+                <a:sym typeface="Lobster"/>
+              </a:defRPr>
+            </a:lvl9pPr>
+          </a:lstStyle>
+          <a:p>
+            <a:r>
+              <a:rPr lang="en-US" dirty="0"/>
+              <a:t>5. </a:t>
+            </a:r>
+            <a:r>
+              <a:rPr lang="en-US" dirty="0" err="1"/>
+              <a:t>Inisialisasi</a:t>
+            </a:r>
+            <a:r>
+              <a:rPr lang="en-US" dirty="0"/>
+              <a:t> program</a:t>
+            </a:r>
+          </a:p>
+        </p:txBody>
+      </p:sp>
+    </p:spTree>
+    <p:extLst>
+      <p:ext uri="{BB962C8B-B14F-4D97-AF65-F5344CB8AC3E}">
+        <p14:creationId xmlns:p14="http://schemas.microsoft.com/office/powerpoint/2010/main" val="3540610121"/>
+      </p:ext>
+    </p:extLst>
+  </p:cSld>
+  <p:clrMapOvr>
+    <a:masterClrMapping/>
+  </p:clrMapOvr>
+</p:sld>
+</file>
+
+<file path=ppt/slides/slide3.xml><?xml version="1.0" encoding="utf-8"?>
 <p:sld xmlns:a="http://schemas.openxmlformats.org/drawingml/2006/main" xmlns:r="http://schemas.openxmlformats.org/officeDocument/2006/relationships" xmlns:p="http://schemas.openxmlformats.org/presentationml/2006/main">
   <p:cSld>
     <p:spTree>
@@ -51096,8 +54113,13 @@
           <a:p>
             <a:r>
               <a:rPr lang="en-US" dirty="0"/>
-              <a:t>DESKRIPSI APLIKASI</a:t>
-            </a:r>
+              <a:t>1. </a:t>
+            </a:r>
+            <a:r>
+              <a:rPr lang="en-US" dirty="0" err="1"/>
+              <a:t>Definisi</a:t>
+            </a:r>
+            <a:endParaRPr lang="en-US" dirty="0"/>
           </a:p>
         </p:txBody>
       </p:sp>
@@ -51105,168 +54127,6 @@
     <p:extLst>
       <p:ext uri="{BB962C8B-B14F-4D97-AF65-F5344CB8AC3E}">
         <p14:creationId xmlns:p14="http://schemas.microsoft.com/office/powerpoint/2010/main" val="1705509832"/>
-      </p:ext>
-    </p:extLst>
-  </p:cSld>
-  <p:clrMapOvr>
-    <a:masterClrMapping/>
-  </p:clrMapOvr>
-</p:sld>
-</file>
-
-<file path=ppt/slides/slide3.xml><?xml version="1.0" encoding="utf-8"?>
-<p:sld xmlns:a="http://schemas.openxmlformats.org/drawingml/2006/main" xmlns:r="http://schemas.openxmlformats.org/officeDocument/2006/relationships" xmlns:p="http://schemas.openxmlformats.org/presentationml/2006/main">
-  <p:cSld>
-    <p:spTree>
-      <p:nvGrpSpPr>
-        <p:cNvPr id="1" name=""/>
-        <p:cNvGrpSpPr/>
-        <p:nvPr/>
-      </p:nvGrpSpPr>
-      <p:grpSpPr>
-        <a:xfrm>
-          <a:off x="0" y="0"/>
-          <a:ext cx="0" cy="0"/>
-          <a:chOff x="0" y="0"/>
-          <a:chExt cx="0" cy="0"/>
-        </a:xfrm>
-      </p:grpSpPr>
-      <p:sp>
-        <p:nvSpPr>
-          <p:cNvPr id="2" name="Text Placeholder 1">
-            <a:extLst>
-              <a:ext uri="{FF2B5EF4-FFF2-40B4-BE49-F238E27FC236}">
-                <a16:creationId xmlns:a16="http://schemas.microsoft.com/office/drawing/2014/main" id="{6F126A49-EC1F-4D56-898F-4E6903662983}"/>
-              </a:ext>
-            </a:extLst>
-          </p:cNvPr>
-          <p:cNvSpPr>
-            <a:spLocks noGrp="1"/>
-          </p:cNvSpPr>
-          <p:nvPr>
-            <p:ph type="body" idx="1"/>
-          </p:nvPr>
-        </p:nvSpPr>
-        <p:spPr/>
-        <p:txBody>
-          <a:bodyPr/>
-          <a:lstStyle/>
-          <a:p>
-            <a:r>
-              <a:rPr lang="en-US" dirty="0" err="1"/>
-              <a:t>Memasukan</a:t>
-            </a:r>
-            <a:r>
-              <a:rPr lang="en-US" dirty="0"/>
-              <a:t> PIN</a:t>
-            </a:r>
-          </a:p>
-          <a:p>
-            <a:r>
-              <a:rPr lang="en-US" dirty="0"/>
-              <a:t>Menu Utama</a:t>
-            </a:r>
-          </a:p>
-          <a:p>
-            <a:r>
-              <a:rPr lang="en-US" dirty="0" err="1"/>
-              <a:t>Ganti</a:t>
-            </a:r>
-            <a:r>
-              <a:rPr lang="en-US" dirty="0"/>
-              <a:t> PIN</a:t>
-            </a:r>
-          </a:p>
-          <a:p>
-            <a:r>
-              <a:rPr lang="en-US" dirty="0" err="1"/>
-              <a:t>Penarikan</a:t>
-            </a:r>
-            <a:endParaRPr lang="en-US" dirty="0"/>
-          </a:p>
-          <a:p>
-            <a:r>
-              <a:rPr lang="en-US" dirty="0"/>
-              <a:t>Transfer</a:t>
-            </a:r>
-          </a:p>
-          <a:p>
-            <a:r>
-              <a:rPr lang="en-US" dirty="0" err="1"/>
-              <a:t>Pembayaran</a:t>
-            </a:r>
-            <a:endParaRPr lang="en-US" dirty="0"/>
-          </a:p>
-          <a:p>
-            <a:r>
-              <a:rPr lang="en-US" dirty="0" err="1"/>
-              <a:t>Informasi</a:t>
-            </a:r>
-            <a:r>
-              <a:rPr lang="en-US" dirty="0"/>
-              <a:t> </a:t>
-            </a:r>
-            <a:r>
-              <a:rPr lang="en-US" dirty="0" err="1"/>
-              <a:t>Nasabah</a:t>
-            </a:r>
-            <a:endParaRPr lang="en-US" dirty="0"/>
-          </a:p>
-          <a:p>
-            <a:r>
-              <a:rPr lang="en-US" dirty="0"/>
-              <a:t>Daftar </a:t>
-            </a:r>
-            <a:r>
-              <a:rPr lang="en-US" dirty="0" err="1"/>
-              <a:t>Kode</a:t>
-            </a:r>
-            <a:r>
-              <a:rPr lang="en-US" dirty="0"/>
-              <a:t> Bank</a:t>
-            </a:r>
-          </a:p>
-          <a:p>
-            <a:r>
-              <a:rPr lang="en-US" dirty="0" err="1"/>
-              <a:t>Keluar</a:t>
-            </a:r>
-            <a:endParaRPr lang="en-US" dirty="0"/>
-          </a:p>
-        </p:txBody>
-      </p:sp>
-      <p:sp>
-        <p:nvSpPr>
-          <p:cNvPr id="3" name="Title 2">
-            <a:extLst>
-              <a:ext uri="{FF2B5EF4-FFF2-40B4-BE49-F238E27FC236}">
-                <a16:creationId xmlns:a16="http://schemas.microsoft.com/office/drawing/2014/main" id="{4D70F0F3-B9AE-407C-B614-428BFBFB345D}"/>
-              </a:ext>
-            </a:extLst>
-          </p:cNvPr>
-          <p:cNvSpPr>
-            <a:spLocks noGrp="1"/>
-          </p:cNvSpPr>
-          <p:nvPr>
-            <p:ph type="ctrTitle"/>
-          </p:nvPr>
-        </p:nvSpPr>
-        <p:spPr/>
-        <p:txBody>
-          <a:bodyPr/>
-          <a:lstStyle/>
-          <a:p>
-            <a:r>
-              <a:rPr lang="en-US" dirty="0"/>
-              <a:t>PERANCANGAN</a:t>
-            </a:r>
-          </a:p>
-        </p:txBody>
-      </p:sp>
-    </p:spTree>
-    <p:extLst>
-      <p:ext uri="{BB962C8B-B14F-4D97-AF65-F5344CB8AC3E}">
-        <p14:creationId xmlns:p14="http://schemas.microsoft.com/office/powerpoint/2010/main" val="3763210988"/>
       </p:ext>
     </p:extLst>
   </p:cSld>
@@ -51298,7 +54158,7 @@
           <p:cNvPr id="2" name="Text Placeholder 1">
             <a:extLst>
               <a:ext uri="{FF2B5EF4-FFF2-40B4-BE49-F238E27FC236}">
-                <a16:creationId xmlns:a16="http://schemas.microsoft.com/office/drawing/2014/main" id="{C55B426F-FF11-408C-B8D9-00AC84D02213}"/>
+                <a16:creationId xmlns:a16="http://schemas.microsoft.com/office/drawing/2014/main" id="{FE36ED50-593B-4D60-A433-D39849B339A3}"/>
               </a:ext>
             </a:extLst>
           </p:cNvPr>
@@ -51314,96 +54174,65 @@
           <a:bodyPr/>
           <a:lstStyle/>
           <a:p>
-            <a:pPr marL="177796" indent="0">
-              <a:buNone/>
-            </a:pPr>
-            <a:r>
-              <a:rPr lang="en-US" b="1" dirty="0" err="1"/>
-              <a:t>Keunggulan</a:t>
-            </a:r>
-            <a:endParaRPr lang="en-US" b="1" dirty="0"/>
+            <a:r>
+              <a:rPr lang="en-US" dirty="0" err="1"/>
+              <a:t>Masukan</a:t>
+            </a:r>
+            <a:r>
+              <a:rPr lang="en-US" dirty="0"/>
+              <a:t> PIN</a:t>
+            </a:r>
           </a:p>
           <a:p>
-            <a:pPr marL="177796" indent="0">
-              <a:buNone/>
-            </a:pPr>
             <a:r>
               <a:rPr lang="en-US" dirty="0"/>
-              <a:t>- </a:t>
+              <a:t>Menu </a:t>
             </a:r>
             <a:r>
               <a:rPr lang="en-US" dirty="0" err="1"/>
-              <a:t>Hampir</a:t>
-            </a:r>
-            <a:r>
-              <a:rPr lang="en-US" dirty="0"/>
-              <a:t> </a:t>
-            </a:r>
-            <a:r>
-              <a:rPr lang="en-US" dirty="0" err="1"/>
-              <a:t>sama</a:t>
-            </a:r>
-            <a:r>
-              <a:rPr lang="en-US" dirty="0"/>
-              <a:t> </a:t>
-            </a:r>
-            <a:r>
-              <a:rPr lang="en-US" dirty="0" err="1"/>
-              <a:t>persis</a:t>
-            </a:r>
-            <a:r>
-              <a:rPr lang="en-US" dirty="0"/>
-              <a:t> </a:t>
-            </a:r>
-            <a:r>
-              <a:rPr lang="en-US" dirty="0" err="1"/>
-              <a:t>seperti</a:t>
-            </a:r>
-            <a:r>
-              <a:rPr lang="en-US" dirty="0"/>
-              <a:t> ATM yang </a:t>
-            </a:r>
-            <a:r>
-              <a:rPr lang="en-US" dirty="0" err="1"/>
-              <a:t>sering</a:t>
-            </a:r>
-            <a:r>
-              <a:rPr lang="en-US" dirty="0"/>
-              <a:t> </a:t>
-            </a:r>
-            <a:r>
-              <a:rPr lang="en-US" dirty="0" err="1"/>
-              <a:t>digunakan</a:t>
+              <a:t>utama</a:t>
             </a:r>
             <a:endParaRPr lang="en-US" dirty="0"/>
           </a:p>
           <a:p>
-            <a:pPr marL="177796" indent="0">
-              <a:buNone/>
-            </a:pPr>
+            <a:r>
+              <a:rPr lang="en-US" dirty="0" err="1"/>
+              <a:t>Opsi</a:t>
+            </a:r>
+            <a:r>
+              <a:rPr lang="en-US" dirty="0"/>
+              <a:t> </a:t>
+            </a:r>
+            <a:r>
+              <a:rPr lang="en-US" dirty="0" err="1"/>
+              <a:t>nasabah</a:t>
+            </a:r>
             <a:endParaRPr lang="en-US" dirty="0"/>
           </a:p>
           <a:p>
-            <a:pPr marL="177796" indent="0">
-              <a:buNone/>
-            </a:pPr>
-            <a:r>
-              <a:rPr lang="en-US" b="1" dirty="0" err="1"/>
-              <a:t>Kekurangan</a:t>
-            </a:r>
-            <a:endParaRPr lang="en-US" b="1" dirty="0"/>
+            <a:r>
+              <a:rPr lang="en-US" dirty="0" err="1"/>
+              <a:t>Ganti</a:t>
+            </a:r>
+            <a:r>
+              <a:rPr lang="en-US" dirty="0"/>
+              <a:t> PIN</a:t>
+            </a:r>
           </a:p>
           <a:p>
-            <a:pPr marL="177796" indent="0">
-              <a:buNone/>
-            </a:pPr>
+            <a:r>
+              <a:rPr lang="en-US" dirty="0" err="1"/>
+              <a:t>Ganti</a:t>
+            </a:r>
             <a:r>
               <a:rPr lang="en-US" dirty="0"/>
-              <a:t>- </a:t>
-            </a:r>
+              <a:t> E-mail</a:t>
+            </a:r>
+          </a:p>
+          <a:p>
             <a:r>
               <a:rPr lang="en-US" dirty="0" err="1"/>
-              <a:t>Saat</a:t>
+              <a:t>Tutup</a:t>
             </a:r>
             <a:r>
               <a:rPr lang="en-US" dirty="0"/>
@@ -51411,45 +54240,27 @@
             </a:r>
             <a:r>
               <a:rPr lang="en-US" dirty="0" err="1"/>
-              <a:t>mengetikan</a:t>
-            </a:r>
-            <a:r>
-              <a:rPr lang="en-US" dirty="0"/>
-              <a:t> PIN </a:t>
-            </a:r>
-            <a:r>
-              <a:rPr lang="en-US" dirty="0" err="1"/>
-              <a:t>masih</a:t>
-            </a:r>
-            <a:r>
-              <a:rPr lang="en-US" dirty="0"/>
-              <a:t> </a:t>
-            </a:r>
-            <a:r>
-              <a:rPr lang="en-US" dirty="0" err="1"/>
-              <a:t>belum</a:t>
-            </a:r>
-            <a:r>
-              <a:rPr lang="en-US" dirty="0"/>
-              <a:t> </a:t>
-            </a:r>
-            <a:r>
-              <a:rPr lang="en-US" dirty="0" err="1"/>
-              <a:t>bintang</a:t>
+              <a:t>akun</a:t>
             </a:r>
             <a:endParaRPr lang="en-US" dirty="0"/>
           </a:p>
           <a:p>
-            <a:pPr marL="177796" indent="0">
-              <a:buNone/>
-            </a:pPr>
+            <a:r>
+              <a:rPr lang="en-US" dirty="0" err="1"/>
+              <a:t>Penarikan</a:t>
+            </a:r>
+            <a:endParaRPr lang="en-US" dirty="0"/>
+          </a:p>
+          <a:p>
             <a:r>
               <a:rPr lang="en-US" dirty="0"/>
-              <a:t>- Masih </a:t>
-            </a:r>
+              <a:t>Transfer</a:t>
+            </a:r>
+          </a:p>
+          <a:p>
             <a:r>
               <a:rPr lang="en-US" dirty="0" err="1"/>
-              <a:t>ada</a:t>
+              <a:t>Informasi</a:t>
             </a:r>
             <a:r>
               <a:rPr lang="en-US" dirty="0"/>
@@ -51457,12 +54268,23 @@
             </a:r>
             <a:r>
               <a:rPr lang="en-US" dirty="0" err="1"/>
-              <a:t>nya</a:t>
-            </a:r>
-            <a:r>
-              <a:rPr lang="en-US" dirty="0"/>
-              <a:t> bug</a:t>
-            </a:r>
+              <a:t>nasabah</a:t>
+            </a:r>
+            <a:endParaRPr lang="en-US" dirty="0"/>
+          </a:p>
+          <a:p>
+            <a:r>
+              <a:rPr lang="en-US" dirty="0" err="1"/>
+              <a:t>Pembayaran</a:t>
+            </a:r>
+            <a:endParaRPr lang="en-US" dirty="0"/>
+          </a:p>
+          <a:p>
+            <a:r>
+              <a:rPr lang="en-US" dirty="0" err="1"/>
+              <a:t>Keluar</a:t>
+            </a:r>
+            <a:endParaRPr lang="en-US" dirty="0"/>
           </a:p>
         </p:txBody>
       </p:sp>
@@ -51471,7 +54293,7 @@
           <p:cNvPr id="3" name="Title 2">
             <a:extLst>
               <a:ext uri="{FF2B5EF4-FFF2-40B4-BE49-F238E27FC236}">
-                <a16:creationId xmlns:a16="http://schemas.microsoft.com/office/drawing/2014/main" id="{F8B2BC92-95DE-4DB4-B49A-778A92269763}"/>
+                <a16:creationId xmlns:a16="http://schemas.microsoft.com/office/drawing/2014/main" id="{88682ABD-3E4E-404C-9FDC-9EC57B092E12}"/>
               </a:ext>
             </a:extLst>
           </p:cNvPr>
@@ -51489,7 +54311,15 @@
           <a:p>
             <a:r>
               <a:rPr lang="en-US" dirty="0"/>
-              <a:t>HASIL</a:t>
+              <a:t>2. </a:t>
+            </a:r>
+            <a:r>
+              <a:rPr lang="en-US" dirty="0" err="1"/>
+              <a:t>Skenario</a:t>
+            </a:r>
+            <a:r>
+              <a:rPr lang="en-US" dirty="0"/>
+              <a:t> Program</a:t>
             </a:r>
           </a:p>
         </p:txBody>
@@ -51497,7 +54327,7 @@
     </p:spTree>
     <p:extLst>
       <p:ext uri="{BB962C8B-B14F-4D97-AF65-F5344CB8AC3E}">
-        <p14:creationId xmlns:p14="http://schemas.microsoft.com/office/powerpoint/2010/main" val="3074183236"/>
+        <p14:creationId xmlns:p14="http://schemas.microsoft.com/office/powerpoint/2010/main" val="1526506031"/>
       </p:ext>
     </p:extLst>
   </p:cSld>
@@ -51529,7 +54359,545 @@
           <p:cNvPr id="2" name="Text Placeholder 1">
             <a:extLst>
               <a:ext uri="{FF2B5EF4-FFF2-40B4-BE49-F238E27FC236}">
-                <a16:creationId xmlns:a16="http://schemas.microsoft.com/office/drawing/2014/main" id="{B8C50703-0F62-459A-AEDE-69102CAAA3DE}"/>
+                <a16:creationId xmlns:a16="http://schemas.microsoft.com/office/drawing/2014/main" id="{A0BEDEBF-457E-4489-AA88-C80F3BA6455F}"/>
+              </a:ext>
+            </a:extLst>
+          </p:cNvPr>
+          <p:cNvSpPr>
+            <a:spLocks noGrp="1"/>
+          </p:cNvSpPr>
+          <p:nvPr>
+            <p:ph type="body" idx="1"/>
+          </p:nvPr>
+        </p:nvSpPr>
+        <p:spPr/>
+        <p:txBody>
+          <a:bodyPr/>
+          <a:lstStyle/>
+          <a:p>
+            <a:pPr lvl="0"/>
+            <a:r>
+              <a:rPr lang="en-ID" dirty="0" err="1"/>
+              <a:t>Pengguna</a:t>
+            </a:r>
+            <a:r>
+              <a:rPr lang="en-ID" dirty="0"/>
+              <a:t> </a:t>
+            </a:r>
+            <a:r>
+              <a:rPr lang="en-ID" dirty="0" err="1"/>
+              <a:t>harus</a:t>
+            </a:r>
+            <a:r>
+              <a:rPr lang="en-ID" dirty="0"/>
+              <a:t> </a:t>
+            </a:r>
+            <a:r>
+              <a:rPr lang="en-ID" dirty="0" err="1"/>
+              <a:t>memasukkan</a:t>
+            </a:r>
+            <a:r>
+              <a:rPr lang="en-ID" dirty="0"/>
+              <a:t> PIN </a:t>
+            </a:r>
+            <a:r>
+              <a:rPr lang="en-ID" dirty="0" err="1"/>
+              <a:t>dengan</a:t>
+            </a:r>
+            <a:r>
+              <a:rPr lang="en-ID" dirty="0"/>
+              <a:t> </a:t>
+            </a:r>
+            <a:r>
+              <a:rPr lang="en-ID" dirty="0" err="1"/>
+              <a:t>benar</a:t>
+            </a:r>
+            <a:r>
+              <a:rPr lang="en-ID" dirty="0"/>
+              <a:t>, </a:t>
+            </a:r>
+            <a:r>
+              <a:rPr lang="en-ID" dirty="0" err="1"/>
+              <a:t>jika</a:t>
+            </a:r>
+            <a:r>
+              <a:rPr lang="en-ID" dirty="0"/>
+              <a:t> salah </a:t>
+            </a:r>
+            <a:r>
+              <a:rPr lang="en-ID" dirty="0" err="1"/>
+              <a:t>pengguna</a:t>
+            </a:r>
+            <a:r>
+              <a:rPr lang="en-ID" dirty="0"/>
+              <a:t> </a:t>
+            </a:r>
+            <a:r>
+              <a:rPr lang="en-ID" dirty="0" err="1"/>
+              <a:t>dapat</a:t>
+            </a:r>
+            <a:r>
+              <a:rPr lang="en-ID" dirty="0"/>
+              <a:t> </a:t>
+            </a:r>
+            <a:r>
+              <a:rPr lang="en-ID" dirty="0" err="1"/>
+              <a:t>memasukkan</a:t>
+            </a:r>
+            <a:r>
+              <a:rPr lang="en-ID" dirty="0"/>
+              <a:t> </a:t>
+            </a:r>
+            <a:r>
+              <a:rPr lang="en-ID" dirty="0" err="1"/>
+              <a:t>kembali</a:t>
+            </a:r>
+            <a:r>
+              <a:rPr lang="en-ID" dirty="0"/>
+              <a:t> PIN </a:t>
+            </a:r>
+            <a:r>
+              <a:rPr lang="en-ID" dirty="0" err="1"/>
+              <a:t>dengan</a:t>
+            </a:r>
+            <a:r>
+              <a:rPr lang="en-ID" dirty="0"/>
+              <a:t> </a:t>
+            </a:r>
+            <a:r>
+              <a:rPr lang="en-ID" dirty="0" err="1"/>
+              <a:t>opsi</a:t>
+            </a:r>
+            <a:r>
+              <a:rPr lang="en-ID" dirty="0"/>
+              <a:t> “</a:t>
+            </a:r>
+            <a:r>
+              <a:rPr lang="en-ID" dirty="0" err="1"/>
+              <a:t>Ya</a:t>
+            </a:r>
+            <a:r>
+              <a:rPr lang="en-ID" dirty="0"/>
+              <a:t>”.</a:t>
+            </a:r>
+            <a:endParaRPr lang="en-US" dirty="0"/>
+          </a:p>
+          <a:p>
+            <a:pPr lvl="0"/>
+            <a:endParaRPr lang="en-ID" dirty="0"/>
+          </a:p>
+          <a:p>
+            <a:pPr lvl="0"/>
+            <a:r>
+              <a:rPr lang="en-ID" dirty="0"/>
+              <a:t>Pada </a:t>
+            </a:r>
+            <a:r>
+              <a:rPr lang="en-ID" dirty="0" err="1"/>
+              <a:t>opsi</a:t>
+            </a:r>
+            <a:r>
+              <a:rPr lang="en-ID" dirty="0"/>
+              <a:t> “</a:t>
+            </a:r>
+            <a:r>
+              <a:rPr lang="en-ID" dirty="0" err="1"/>
+              <a:t>Jumlah</a:t>
+            </a:r>
+            <a:r>
+              <a:rPr lang="en-ID" dirty="0"/>
+              <a:t> </a:t>
+            </a:r>
+            <a:r>
+              <a:rPr lang="en-ID" dirty="0" err="1"/>
+              <a:t>Lainnya</a:t>
+            </a:r>
+            <a:r>
+              <a:rPr lang="en-ID" dirty="0"/>
+              <a:t>” pada menu </a:t>
+            </a:r>
+            <a:r>
+              <a:rPr lang="en-ID" dirty="0" err="1"/>
+              <a:t>penarikan</a:t>
+            </a:r>
+            <a:r>
+              <a:rPr lang="en-ID" dirty="0"/>
+              <a:t>, </a:t>
+            </a:r>
+            <a:r>
+              <a:rPr lang="en-ID" dirty="0" err="1"/>
+              <a:t>pengguna</a:t>
+            </a:r>
+            <a:r>
+              <a:rPr lang="en-ID" dirty="0"/>
+              <a:t> </a:t>
+            </a:r>
+            <a:r>
+              <a:rPr lang="en-ID" dirty="0" err="1"/>
+              <a:t>harus</a:t>
+            </a:r>
+            <a:r>
+              <a:rPr lang="en-ID" dirty="0"/>
+              <a:t> </a:t>
+            </a:r>
+            <a:r>
+              <a:rPr lang="en-ID" dirty="0" err="1"/>
+              <a:t>memasukkan</a:t>
+            </a:r>
+            <a:r>
+              <a:rPr lang="en-ID" dirty="0"/>
+              <a:t> </a:t>
+            </a:r>
+            <a:r>
+              <a:rPr lang="en-ID" dirty="0" err="1"/>
+              <a:t>nilai</a:t>
+            </a:r>
+            <a:r>
+              <a:rPr lang="en-ID" dirty="0"/>
+              <a:t> </a:t>
+            </a:r>
+            <a:r>
+              <a:rPr lang="en-ID" dirty="0" err="1"/>
+              <a:t>kelipatan</a:t>
+            </a:r>
+            <a:r>
+              <a:rPr lang="en-ID" dirty="0"/>
+              <a:t> 50.000, </a:t>
+            </a:r>
+            <a:r>
+              <a:rPr lang="en-ID" dirty="0" err="1"/>
+              <a:t>jika</a:t>
+            </a:r>
+            <a:r>
+              <a:rPr lang="en-ID" dirty="0"/>
+              <a:t> </a:t>
+            </a:r>
+            <a:r>
+              <a:rPr lang="en-ID" dirty="0" err="1"/>
+              <a:t>tidak</a:t>
+            </a:r>
+            <a:r>
+              <a:rPr lang="en-ID" dirty="0"/>
+              <a:t> </a:t>
+            </a:r>
+            <a:r>
+              <a:rPr lang="en-ID" dirty="0" err="1"/>
+              <a:t>maka</a:t>
+            </a:r>
+            <a:r>
+              <a:rPr lang="en-ID" dirty="0"/>
+              <a:t> program </a:t>
+            </a:r>
+            <a:r>
+              <a:rPr lang="en-ID" dirty="0" err="1"/>
+              <a:t>akan</a:t>
+            </a:r>
+            <a:r>
+              <a:rPr lang="en-ID" dirty="0"/>
+              <a:t> </a:t>
+            </a:r>
+            <a:r>
+              <a:rPr lang="en-ID" dirty="0" err="1"/>
+              <a:t>menampilkan</a:t>
+            </a:r>
+            <a:r>
+              <a:rPr lang="en-ID" dirty="0"/>
+              <a:t> “</a:t>
+            </a:r>
+            <a:r>
+              <a:rPr lang="en-ID" dirty="0" err="1"/>
+              <a:t>Maaf</a:t>
+            </a:r>
+            <a:r>
+              <a:rPr lang="en-ID" dirty="0"/>
+              <a:t> </a:t>
+            </a:r>
+            <a:r>
+              <a:rPr lang="en-ID" dirty="0" err="1"/>
+              <a:t>harus</a:t>
+            </a:r>
+            <a:r>
+              <a:rPr lang="en-ID" dirty="0"/>
+              <a:t> </a:t>
+            </a:r>
+            <a:r>
+              <a:rPr lang="en-ID" dirty="0" err="1"/>
+              <a:t>Kelipatan</a:t>
+            </a:r>
+            <a:r>
+              <a:rPr lang="en-ID" dirty="0"/>
+              <a:t> 50.000”.</a:t>
+            </a:r>
+            <a:endParaRPr lang="en-US" dirty="0"/>
+          </a:p>
+          <a:p>
+            <a:pPr lvl="0"/>
+            <a:endParaRPr lang="en-ID" dirty="0"/>
+          </a:p>
+          <a:p>
+            <a:pPr lvl="0"/>
+            <a:r>
+              <a:rPr lang="en-ID" dirty="0" err="1"/>
+              <a:t>Setiap</a:t>
+            </a:r>
+            <a:r>
+              <a:rPr lang="en-ID" dirty="0"/>
+              <a:t> </a:t>
+            </a:r>
+            <a:r>
+              <a:rPr lang="en-ID" dirty="0" err="1"/>
+              <a:t>masukkan</a:t>
+            </a:r>
+            <a:r>
+              <a:rPr lang="en-ID" dirty="0"/>
+              <a:t> yang </a:t>
+            </a:r>
+            <a:r>
+              <a:rPr lang="en-ID" dirty="0" err="1"/>
+              <a:t>dilakukan</a:t>
+            </a:r>
+            <a:r>
+              <a:rPr lang="en-ID" dirty="0"/>
+              <a:t> oleh </a:t>
+            </a:r>
+            <a:r>
+              <a:rPr lang="en-ID" dirty="0" err="1"/>
+              <a:t>pengguna</a:t>
+            </a:r>
+            <a:r>
+              <a:rPr lang="en-ID" dirty="0"/>
+              <a:t> </a:t>
+            </a:r>
+            <a:r>
+              <a:rPr lang="en-ID" dirty="0" err="1"/>
+              <a:t>diwajibkan</a:t>
+            </a:r>
+            <a:r>
+              <a:rPr lang="en-ID" dirty="0"/>
+              <a:t> </a:t>
+            </a:r>
+            <a:r>
+              <a:rPr lang="en-ID" dirty="0" err="1"/>
+              <a:t>sesuai</a:t>
+            </a:r>
+            <a:r>
+              <a:rPr lang="en-ID" dirty="0"/>
+              <a:t> </a:t>
+            </a:r>
+            <a:r>
+              <a:rPr lang="en-ID" dirty="0" err="1"/>
+              <a:t>dengan</a:t>
+            </a:r>
+            <a:r>
+              <a:rPr lang="en-ID" dirty="0"/>
+              <a:t> </a:t>
+            </a:r>
+            <a:r>
+              <a:rPr lang="en-ID" dirty="0" err="1"/>
+              <a:t>arahan</a:t>
+            </a:r>
+            <a:r>
+              <a:rPr lang="en-ID" dirty="0"/>
+              <a:t> </a:t>
+            </a:r>
+            <a:r>
+              <a:rPr lang="en-ID" dirty="0" err="1"/>
+              <a:t>dari</a:t>
+            </a:r>
+            <a:r>
+              <a:rPr lang="en-ID" dirty="0"/>
+              <a:t> </a:t>
+            </a:r>
+            <a:r>
+              <a:rPr lang="en-ID" dirty="0" err="1"/>
+              <a:t>layar</a:t>
+            </a:r>
+            <a:r>
+              <a:rPr lang="en-ID" dirty="0"/>
+              <a:t> </a:t>
+            </a:r>
+            <a:r>
+              <a:rPr lang="en-ID" dirty="0" err="1"/>
+              <a:t>jika</a:t>
+            </a:r>
+            <a:r>
+              <a:rPr lang="en-ID" dirty="0"/>
+              <a:t> </a:t>
+            </a:r>
+            <a:r>
+              <a:rPr lang="en-ID" dirty="0" err="1"/>
+              <a:t>tidak</a:t>
+            </a:r>
+            <a:r>
+              <a:rPr lang="en-ID" dirty="0"/>
+              <a:t> </a:t>
+            </a:r>
+            <a:r>
+              <a:rPr lang="en-ID" dirty="0" err="1"/>
+              <a:t>sesuai</a:t>
+            </a:r>
+            <a:r>
+              <a:rPr lang="en-ID" dirty="0"/>
+              <a:t>, </a:t>
+            </a:r>
+            <a:r>
+              <a:rPr lang="en-ID" dirty="0" err="1"/>
+              <a:t>maka</a:t>
+            </a:r>
+            <a:r>
+              <a:rPr lang="en-ID" dirty="0"/>
+              <a:t> program </a:t>
+            </a:r>
+            <a:r>
+              <a:rPr lang="en-ID" dirty="0" err="1"/>
+              <a:t>akan</a:t>
+            </a:r>
+            <a:r>
+              <a:rPr lang="en-ID" dirty="0"/>
+              <a:t> </a:t>
+            </a:r>
+            <a:r>
+              <a:rPr lang="en-ID" dirty="0" err="1"/>
+              <a:t>menampilkan</a:t>
+            </a:r>
+            <a:r>
+              <a:rPr lang="en-ID" dirty="0"/>
+              <a:t> “</a:t>
+            </a:r>
+            <a:r>
+              <a:rPr lang="en-ID" dirty="0" err="1"/>
+              <a:t>Maaf</a:t>
+            </a:r>
+            <a:r>
+              <a:rPr lang="en-ID" dirty="0"/>
+              <a:t> </a:t>
+            </a:r>
+            <a:r>
+              <a:rPr lang="en-ID" i="1" dirty="0"/>
+              <a:t>Input </a:t>
+            </a:r>
+            <a:r>
+              <a:rPr lang="en-ID" dirty="0" err="1"/>
+              <a:t>Tidak</a:t>
+            </a:r>
+            <a:r>
+              <a:rPr lang="en-ID" dirty="0"/>
+              <a:t> Valid” </a:t>
+            </a:r>
+            <a:r>
+              <a:rPr lang="en-ID" dirty="0" err="1"/>
+              <a:t>atau</a:t>
+            </a:r>
+            <a:r>
+              <a:rPr lang="en-ID" dirty="0"/>
+              <a:t> </a:t>
+            </a:r>
+            <a:r>
+              <a:rPr lang="en-ID" dirty="0" err="1"/>
+              <a:t>kembali</a:t>
+            </a:r>
+            <a:r>
+              <a:rPr lang="en-ID" dirty="0"/>
+              <a:t> </a:t>
+            </a:r>
+            <a:r>
+              <a:rPr lang="en-ID" dirty="0" err="1"/>
+              <a:t>ke</a:t>
+            </a:r>
+            <a:r>
+              <a:rPr lang="en-ID" dirty="0"/>
+              <a:t> menu </a:t>
+            </a:r>
+            <a:r>
+              <a:rPr lang="en-ID" dirty="0" err="1"/>
+              <a:t>utama</a:t>
+            </a:r>
+            <a:r>
+              <a:rPr lang="en-ID" dirty="0"/>
+              <a:t>.</a:t>
+            </a:r>
+            <a:endParaRPr lang="en-US" dirty="0"/>
+          </a:p>
+          <a:p>
+            <a:pPr marL="177796" indent="0">
+              <a:buNone/>
+            </a:pPr>
+            <a:endParaRPr lang="en-US" dirty="0"/>
+          </a:p>
+        </p:txBody>
+      </p:sp>
+      <p:sp>
+        <p:nvSpPr>
+          <p:cNvPr id="3" name="Title 2">
+            <a:extLst>
+              <a:ext uri="{FF2B5EF4-FFF2-40B4-BE49-F238E27FC236}">
+                <a16:creationId xmlns:a16="http://schemas.microsoft.com/office/drawing/2014/main" id="{85A94B93-7A54-4468-8FB2-0D5F71F603AC}"/>
+              </a:ext>
+            </a:extLst>
+          </p:cNvPr>
+          <p:cNvSpPr>
+            <a:spLocks noGrp="1"/>
+          </p:cNvSpPr>
+          <p:nvPr>
+            <p:ph type="ctrTitle"/>
+          </p:nvPr>
+        </p:nvSpPr>
+        <p:spPr/>
+        <p:txBody>
+          <a:bodyPr/>
+          <a:lstStyle/>
+          <a:p>
+            <a:r>
+              <a:rPr lang="en-US" dirty="0"/>
+              <a:t>3. </a:t>
+            </a:r>
+            <a:r>
+              <a:rPr lang="en-US" dirty="0" err="1"/>
+              <a:t>Aturan</a:t>
+            </a:r>
+            <a:r>
+              <a:rPr lang="en-US" dirty="0"/>
+              <a:t> </a:t>
+            </a:r>
+          </a:p>
+        </p:txBody>
+      </p:sp>
+    </p:spTree>
+    <p:extLst>
+      <p:ext uri="{BB962C8B-B14F-4D97-AF65-F5344CB8AC3E}">
+        <p14:creationId xmlns:p14="http://schemas.microsoft.com/office/powerpoint/2010/main" val="4212084138"/>
+      </p:ext>
+    </p:extLst>
+  </p:cSld>
+  <p:clrMapOvr>
+    <a:masterClrMapping/>
+  </p:clrMapOvr>
+</p:sld>
+</file>
+
+<file path=ppt/slides/slide6.xml><?xml version="1.0" encoding="utf-8"?>
+<p:sld xmlns:a="http://schemas.openxmlformats.org/drawingml/2006/main" xmlns:r="http://schemas.openxmlformats.org/officeDocument/2006/relationships" xmlns:p="http://schemas.openxmlformats.org/presentationml/2006/main">
+  <p:cSld>
+    <p:spTree>
+      <p:nvGrpSpPr>
+        <p:cNvPr id="1" name=""/>
+        <p:cNvGrpSpPr/>
+        <p:nvPr/>
+      </p:nvGrpSpPr>
+      <p:grpSpPr>
+        <a:xfrm>
+          <a:off x="0" y="0"/>
+          <a:ext cx="0" cy="0"/>
+          <a:chOff x="0" y="0"/>
+          <a:chExt cx="0" cy="0"/>
+        </a:xfrm>
+      </p:grpSpPr>
+      <p:sp>
+        <p:nvSpPr>
+          <p:cNvPr id="2" name="Text Placeholder 1">
+            <a:extLst>
+              <a:ext uri="{FF2B5EF4-FFF2-40B4-BE49-F238E27FC236}">
+                <a16:creationId xmlns:a16="http://schemas.microsoft.com/office/drawing/2014/main" id="{DDDF20CA-8702-4AA0-A722-3A4C3B14E40F}"/>
               </a:ext>
             </a:extLst>
           </p:cNvPr>
@@ -51549,742 +54917,160 @@
               <a:buNone/>
             </a:pPr>
             <a:r>
-              <a:rPr lang="en-US" b="1" dirty="0"/>
-              <a:t>Muhammad Faza Hardiansyah</a:t>
-            </a:r>
+              <a:rPr lang="en-ID" dirty="0" err="1"/>
+              <a:t>Pengguna</a:t>
+            </a:r>
+            <a:r>
+              <a:rPr lang="en-ID" dirty="0"/>
+              <a:t> yang </a:t>
+            </a:r>
+            <a:r>
+              <a:rPr lang="en-ID" dirty="0" err="1"/>
+              <a:t>dapat</a:t>
+            </a:r>
+            <a:r>
+              <a:rPr lang="en-ID" dirty="0"/>
+              <a:t> </a:t>
+            </a:r>
+            <a:r>
+              <a:rPr lang="en-ID" dirty="0" err="1"/>
+              <a:t>menggunakan</a:t>
+            </a:r>
+            <a:r>
+              <a:rPr lang="en-ID" dirty="0"/>
+              <a:t> program </a:t>
+            </a:r>
+            <a:r>
+              <a:rPr lang="en-ID" dirty="0" err="1"/>
+              <a:t>ini</a:t>
+            </a:r>
+            <a:r>
+              <a:rPr lang="en-ID" dirty="0"/>
+              <a:t> </a:t>
+            </a:r>
+            <a:r>
+              <a:rPr lang="en-ID" dirty="0" err="1"/>
+              <a:t>diharapkan</a:t>
+            </a:r>
+            <a:r>
+              <a:rPr lang="en-ID" dirty="0"/>
+              <a:t> </a:t>
+            </a:r>
+            <a:r>
+              <a:rPr lang="en-ID" dirty="0" err="1"/>
+              <a:t>untuk</a:t>
+            </a:r>
+            <a:r>
+              <a:rPr lang="en-ID" dirty="0"/>
+              <a:t> </a:t>
+            </a:r>
+            <a:r>
+              <a:rPr lang="en-ID" dirty="0" err="1"/>
+              <a:t>usia</a:t>
+            </a:r>
+            <a:r>
+              <a:rPr lang="en-ID" dirty="0"/>
+              <a:t> </a:t>
+            </a:r>
+            <a:r>
+              <a:rPr lang="en-ID" dirty="0" err="1"/>
+              <a:t>remaja</a:t>
+            </a:r>
+            <a:r>
+              <a:rPr lang="en-ID" dirty="0"/>
+              <a:t> </a:t>
+            </a:r>
+            <a:r>
+              <a:rPr lang="en-ID" dirty="0" err="1"/>
+              <a:t>hingga</a:t>
+            </a:r>
+            <a:r>
+              <a:rPr lang="en-ID" dirty="0"/>
+              <a:t> </a:t>
+            </a:r>
+            <a:r>
+              <a:rPr lang="en-ID" dirty="0" err="1"/>
+              <a:t>dewasa</a:t>
+            </a:r>
+            <a:r>
+              <a:rPr lang="en-ID" dirty="0"/>
+              <a:t>. </a:t>
+            </a:r>
+            <a:r>
+              <a:rPr lang="en-ID" dirty="0" err="1"/>
+              <a:t>Pengguna</a:t>
+            </a:r>
+            <a:r>
+              <a:rPr lang="en-ID" dirty="0"/>
+              <a:t> </a:t>
+            </a:r>
+            <a:r>
+              <a:rPr lang="en-ID" dirty="0" err="1"/>
+              <a:t>memiliki</a:t>
+            </a:r>
+            <a:r>
+              <a:rPr lang="en-ID" dirty="0"/>
+              <a:t> </a:t>
+            </a:r>
+            <a:r>
+              <a:rPr lang="en-ID" dirty="0" err="1"/>
+              <a:t>akun</a:t>
+            </a:r>
+            <a:r>
+              <a:rPr lang="en-ID" dirty="0"/>
+              <a:t> </a:t>
+            </a:r>
+            <a:r>
+              <a:rPr lang="en-ID" dirty="0" err="1"/>
+              <a:t>nasabah</a:t>
+            </a:r>
+            <a:r>
+              <a:rPr lang="en-ID" dirty="0"/>
+              <a:t> dan </a:t>
+            </a:r>
+            <a:r>
+              <a:rPr lang="en-ID" dirty="0" err="1"/>
+              <a:t>mengerti</a:t>
+            </a:r>
+            <a:r>
+              <a:rPr lang="en-ID" dirty="0"/>
+              <a:t> </a:t>
+            </a:r>
+            <a:r>
+              <a:rPr lang="en-ID" dirty="0" err="1"/>
+              <a:t>langkah-langkah</a:t>
+            </a:r>
+            <a:r>
+              <a:rPr lang="en-ID" dirty="0"/>
+              <a:t> </a:t>
+            </a:r>
+            <a:r>
+              <a:rPr lang="en-ID" dirty="0" err="1"/>
+              <a:t>dalam</a:t>
+            </a:r>
+            <a:r>
+              <a:rPr lang="en-ID" dirty="0"/>
+              <a:t> </a:t>
+            </a:r>
+            <a:r>
+              <a:rPr lang="en-ID" dirty="0" err="1"/>
+              <a:t>melakukan</a:t>
+            </a:r>
+            <a:r>
+              <a:rPr lang="en-ID" dirty="0"/>
+              <a:t> </a:t>
+            </a:r>
+            <a:r>
+              <a:rPr lang="en-ID" dirty="0" err="1"/>
+              <a:t>transaksi</a:t>
+            </a:r>
+            <a:r>
+              <a:rPr lang="en-ID" dirty="0"/>
+              <a:t>.</a:t>
+            </a:r>
+            <a:endParaRPr lang="en-US" dirty="0"/>
           </a:p>
           <a:p>
-            <a:pPr marL="177796" indent="0">
-              <a:buNone/>
-            </a:pPr>
-            <a:r>
-              <a:rPr lang="en-US" b="1" dirty="0"/>
-              <a:t>-Cara </a:t>
-            </a:r>
-            <a:r>
-              <a:rPr lang="en-US" b="1" dirty="0" err="1"/>
-              <a:t>menggunakan</a:t>
-            </a:r>
-            <a:r>
-              <a:rPr lang="en-US" b="1" dirty="0"/>
-              <a:t> ATM</a:t>
-            </a:r>
-          </a:p>
-          <a:p>
-            <a:pPr marL="177796" indent="0">
-              <a:buNone/>
-            </a:pPr>
-            <a:endParaRPr lang="en-US" b="1" dirty="0"/>
-          </a:p>
-          <a:p>
-            <a:pPr marL="177796" indent="0">
-              <a:buNone/>
-            </a:pPr>
-            <a:r>
-              <a:rPr lang="en-US" b="1" dirty="0"/>
-              <a:t>Muhammad Fikri Hidayatulloh</a:t>
-            </a:r>
-          </a:p>
-          <a:p>
-            <a:pPr marL="176213" indent="355600" algn="just">
-              <a:buNone/>
-            </a:pPr>
-            <a:r>
-              <a:rPr lang="en-ID" dirty="0">
-                <a:effectLst/>
-                <a:latin typeface="Arial" panose="020B0604020202020204" pitchFamily="34" charset="0"/>
-                <a:ea typeface="Calibri" panose="020F0502020204030204" pitchFamily="34" charset="0"/>
-              </a:rPr>
-              <a:t>Dari </a:t>
-            </a:r>
-            <a:r>
-              <a:rPr lang="en-ID" dirty="0" err="1">
-                <a:effectLst/>
-                <a:latin typeface="Arial" panose="020B0604020202020204" pitchFamily="34" charset="0"/>
-                <a:ea typeface="Calibri" panose="020F0502020204030204" pitchFamily="34" charset="0"/>
-              </a:rPr>
-              <a:t>pengalaman</a:t>
-            </a:r>
-            <a:r>
-              <a:rPr lang="en-ID" dirty="0">
-                <a:effectLst/>
-                <a:latin typeface="Arial" panose="020B0604020202020204" pitchFamily="34" charset="0"/>
-                <a:ea typeface="Calibri" panose="020F0502020204030204" pitchFamily="34" charset="0"/>
-              </a:rPr>
-              <a:t> </a:t>
-            </a:r>
-            <a:r>
-              <a:rPr lang="en-ID" dirty="0" err="1">
-                <a:effectLst/>
-                <a:latin typeface="Arial" panose="020B0604020202020204" pitchFamily="34" charset="0"/>
-                <a:ea typeface="Calibri" panose="020F0502020204030204" pitchFamily="34" charset="0"/>
-              </a:rPr>
-              <a:t>selama</a:t>
-            </a:r>
-            <a:r>
-              <a:rPr lang="en-ID" dirty="0">
-                <a:effectLst/>
-                <a:latin typeface="Arial" panose="020B0604020202020204" pitchFamily="34" charset="0"/>
-                <a:ea typeface="Calibri" panose="020F0502020204030204" pitchFamily="34" charset="0"/>
-              </a:rPr>
-              <a:t> </a:t>
-            </a:r>
-            <a:r>
-              <a:rPr lang="en-ID" dirty="0" err="1">
-                <a:effectLst/>
-                <a:latin typeface="Arial" panose="020B0604020202020204" pitchFamily="34" charset="0"/>
-                <a:ea typeface="Calibri" panose="020F0502020204030204" pitchFamily="34" charset="0"/>
-              </a:rPr>
-              <a:t>mengerjakan</a:t>
-            </a:r>
-            <a:r>
-              <a:rPr lang="en-ID" dirty="0">
-                <a:effectLst/>
-                <a:latin typeface="Arial" panose="020B0604020202020204" pitchFamily="34" charset="0"/>
-                <a:ea typeface="Calibri" panose="020F0502020204030204" pitchFamily="34" charset="0"/>
-              </a:rPr>
-              <a:t> </a:t>
-            </a:r>
-            <a:r>
-              <a:rPr lang="en-ID" dirty="0" err="1">
-                <a:effectLst/>
-                <a:latin typeface="Arial" panose="020B0604020202020204" pitchFamily="34" charset="0"/>
-                <a:ea typeface="Calibri" panose="020F0502020204030204" pitchFamily="34" charset="0"/>
-              </a:rPr>
-              <a:t>kita</a:t>
-            </a:r>
-            <a:r>
-              <a:rPr lang="en-ID" dirty="0">
-                <a:effectLst/>
-                <a:latin typeface="Arial" panose="020B0604020202020204" pitchFamily="34" charset="0"/>
-                <a:ea typeface="Calibri" panose="020F0502020204030204" pitchFamily="34" charset="0"/>
-              </a:rPr>
-              <a:t> </a:t>
-            </a:r>
-            <a:r>
-              <a:rPr lang="en-ID" dirty="0" err="1">
-                <a:effectLst/>
-                <a:latin typeface="Arial" panose="020B0604020202020204" pitchFamily="34" charset="0"/>
-                <a:ea typeface="Calibri" panose="020F0502020204030204" pitchFamily="34" charset="0"/>
-              </a:rPr>
-              <a:t>butuh</a:t>
-            </a:r>
-            <a:r>
-              <a:rPr lang="en-ID" dirty="0">
-                <a:effectLst/>
-                <a:latin typeface="Arial" panose="020B0604020202020204" pitchFamily="34" charset="0"/>
-                <a:ea typeface="Calibri" panose="020F0502020204030204" pitchFamily="34" charset="0"/>
-              </a:rPr>
-              <a:t> </a:t>
-            </a:r>
-            <a:r>
-              <a:rPr lang="en-ID" dirty="0" err="1">
-                <a:effectLst/>
-                <a:latin typeface="Arial" panose="020B0604020202020204" pitchFamily="34" charset="0"/>
-                <a:ea typeface="Calibri" panose="020F0502020204030204" pitchFamily="34" charset="0"/>
-              </a:rPr>
-              <a:t>kemauan</a:t>
-            </a:r>
-            <a:r>
-              <a:rPr lang="en-ID" dirty="0">
-                <a:effectLst/>
-                <a:latin typeface="Arial" panose="020B0604020202020204" pitchFamily="34" charset="0"/>
-                <a:ea typeface="Calibri" panose="020F0502020204030204" pitchFamily="34" charset="0"/>
-              </a:rPr>
-              <a:t> agar </a:t>
-            </a:r>
-            <a:r>
-              <a:rPr lang="en-ID" dirty="0" err="1">
-                <a:effectLst/>
-                <a:latin typeface="Arial" panose="020B0604020202020204" pitchFamily="34" charset="0"/>
-                <a:ea typeface="Calibri" panose="020F0502020204030204" pitchFamily="34" charset="0"/>
-              </a:rPr>
-              <a:t>ada</a:t>
-            </a:r>
-            <a:r>
-              <a:rPr lang="en-ID" dirty="0">
-                <a:effectLst/>
-                <a:latin typeface="Arial" panose="020B0604020202020204" pitchFamily="34" charset="0"/>
-                <a:ea typeface="Calibri" panose="020F0502020204030204" pitchFamily="34" charset="0"/>
-              </a:rPr>
-              <a:t> </a:t>
-            </a:r>
-            <a:r>
-              <a:rPr lang="en-ID" dirty="0" err="1">
-                <a:effectLst/>
-                <a:latin typeface="Arial" panose="020B0604020202020204" pitchFamily="34" charset="0"/>
-                <a:ea typeface="Calibri" panose="020F0502020204030204" pitchFamily="34" charset="0"/>
-              </a:rPr>
-              <a:t>perubahan</a:t>
-            </a:r>
-            <a:r>
-              <a:rPr lang="en-ID" dirty="0">
-                <a:effectLst/>
-                <a:latin typeface="Arial" panose="020B0604020202020204" pitchFamily="34" charset="0"/>
-                <a:ea typeface="Calibri" panose="020F0502020204030204" pitchFamily="34" charset="0"/>
-              </a:rPr>
-              <a:t> dan </a:t>
-            </a:r>
-            <a:r>
-              <a:rPr lang="en-ID" dirty="0" err="1">
-                <a:effectLst/>
-                <a:latin typeface="Arial" panose="020B0604020202020204" pitchFamily="34" charset="0"/>
-                <a:ea typeface="Calibri" panose="020F0502020204030204" pitchFamily="34" charset="0"/>
-              </a:rPr>
-              <a:t>kemajuan</a:t>
-            </a:r>
-            <a:r>
-              <a:rPr lang="en-ID" dirty="0">
-                <a:effectLst/>
-                <a:latin typeface="Arial" panose="020B0604020202020204" pitchFamily="34" charset="0"/>
-                <a:ea typeface="Calibri" panose="020F0502020204030204" pitchFamily="34" charset="0"/>
-              </a:rPr>
-              <a:t>, </a:t>
-            </a:r>
-            <a:r>
-              <a:rPr lang="en-ID" dirty="0" err="1">
-                <a:effectLst/>
-                <a:latin typeface="Arial" panose="020B0604020202020204" pitchFamily="34" charset="0"/>
-                <a:ea typeface="Calibri" panose="020F0502020204030204" pitchFamily="34" charset="0"/>
-              </a:rPr>
-              <a:t>awalnya</a:t>
-            </a:r>
-            <a:r>
-              <a:rPr lang="en-ID" dirty="0">
-                <a:effectLst/>
-                <a:latin typeface="Arial" panose="020B0604020202020204" pitchFamily="34" charset="0"/>
-                <a:ea typeface="Calibri" panose="020F0502020204030204" pitchFamily="34" charset="0"/>
-              </a:rPr>
-              <a:t> </a:t>
-            </a:r>
-            <a:r>
-              <a:rPr lang="en-ID" dirty="0" err="1">
-                <a:effectLst/>
-                <a:latin typeface="Arial" panose="020B0604020202020204" pitchFamily="34" charset="0"/>
-                <a:ea typeface="Calibri" panose="020F0502020204030204" pitchFamily="34" charset="0"/>
-              </a:rPr>
-              <a:t>ragu</a:t>
-            </a:r>
-            <a:r>
-              <a:rPr lang="en-ID" dirty="0">
-                <a:effectLst/>
-                <a:latin typeface="Arial" panose="020B0604020202020204" pitchFamily="34" charset="0"/>
-                <a:ea typeface="Calibri" panose="020F0502020204030204" pitchFamily="34" charset="0"/>
-              </a:rPr>
-              <a:t> </a:t>
-            </a:r>
-            <a:r>
-              <a:rPr lang="en-ID" dirty="0" err="1">
-                <a:effectLst/>
-                <a:latin typeface="Arial" panose="020B0604020202020204" pitchFamily="34" charset="0"/>
-                <a:ea typeface="Calibri" panose="020F0502020204030204" pitchFamily="34" charset="0"/>
-              </a:rPr>
-              <a:t>untuk</a:t>
-            </a:r>
-            <a:r>
-              <a:rPr lang="en-ID" dirty="0">
-                <a:effectLst/>
-                <a:latin typeface="Arial" panose="020B0604020202020204" pitchFamily="34" charset="0"/>
-                <a:ea typeface="Calibri" panose="020F0502020204030204" pitchFamily="34" charset="0"/>
-              </a:rPr>
-              <a:t> </a:t>
-            </a:r>
-            <a:r>
-              <a:rPr lang="en-ID" dirty="0" err="1">
-                <a:effectLst/>
-                <a:latin typeface="Arial" panose="020B0604020202020204" pitchFamily="34" charset="0"/>
-                <a:ea typeface="Calibri" panose="020F0502020204030204" pitchFamily="34" charset="0"/>
-              </a:rPr>
-              <a:t>mengerjakan</a:t>
-            </a:r>
-            <a:r>
-              <a:rPr lang="en-ID" dirty="0">
-                <a:effectLst/>
-                <a:latin typeface="Arial" panose="020B0604020202020204" pitchFamily="34" charset="0"/>
-                <a:ea typeface="Calibri" panose="020F0502020204030204" pitchFamily="34" charset="0"/>
-              </a:rPr>
-              <a:t> </a:t>
-            </a:r>
-            <a:r>
-              <a:rPr lang="en-ID" dirty="0" err="1">
-                <a:effectLst/>
-                <a:latin typeface="Arial" panose="020B0604020202020204" pitchFamily="34" charset="0"/>
-                <a:ea typeface="Calibri" panose="020F0502020204030204" pitchFamily="34" charset="0"/>
-              </a:rPr>
-              <a:t>tugas</a:t>
-            </a:r>
-            <a:r>
-              <a:rPr lang="en-ID" dirty="0">
-                <a:effectLst/>
-                <a:latin typeface="Arial" panose="020B0604020202020204" pitchFamily="34" charset="0"/>
-                <a:ea typeface="Calibri" panose="020F0502020204030204" pitchFamily="34" charset="0"/>
-              </a:rPr>
-              <a:t> </a:t>
-            </a:r>
-            <a:r>
-              <a:rPr lang="en-ID" dirty="0" err="1">
-                <a:effectLst/>
-                <a:latin typeface="Arial" panose="020B0604020202020204" pitchFamily="34" charset="0"/>
-                <a:ea typeface="Calibri" panose="020F0502020204030204" pitchFamily="34" charset="0"/>
-              </a:rPr>
-              <a:t>besar</a:t>
-            </a:r>
-            <a:r>
-              <a:rPr lang="en-ID" dirty="0">
-                <a:effectLst/>
-                <a:latin typeface="Arial" panose="020B0604020202020204" pitchFamily="34" charset="0"/>
-                <a:ea typeface="Calibri" panose="020F0502020204030204" pitchFamily="34" charset="0"/>
-              </a:rPr>
-              <a:t> </a:t>
-            </a:r>
-            <a:r>
-              <a:rPr lang="en-ID" dirty="0" err="1">
-                <a:effectLst/>
-                <a:latin typeface="Arial" panose="020B0604020202020204" pitchFamily="34" charset="0"/>
-                <a:ea typeface="Calibri" panose="020F0502020204030204" pitchFamily="34" charset="0"/>
-              </a:rPr>
-              <a:t>ini</a:t>
-            </a:r>
-            <a:r>
-              <a:rPr lang="en-ID" dirty="0">
-                <a:effectLst/>
-                <a:latin typeface="Arial" panose="020B0604020202020204" pitchFamily="34" charset="0"/>
-                <a:ea typeface="Calibri" panose="020F0502020204030204" pitchFamily="34" charset="0"/>
-              </a:rPr>
-              <a:t>, </a:t>
-            </a:r>
-            <a:r>
-              <a:rPr lang="en-ID" dirty="0" err="1">
-                <a:effectLst/>
-                <a:latin typeface="Arial" panose="020B0604020202020204" pitchFamily="34" charset="0"/>
-                <a:ea typeface="Calibri" panose="020F0502020204030204" pitchFamily="34" charset="0"/>
-              </a:rPr>
-              <a:t>merasa</a:t>
-            </a:r>
-            <a:r>
-              <a:rPr lang="en-ID" dirty="0">
-                <a:effectLst/>
-                <a:latin typeface="Arial" panose="020B0604020202020204" pitchFamily="34" charset="0"/>
-                <a:ea typeface="Calibri" panose="020F0502020204030204" pitchFamily="34" charset="0"/>
-              </a:rPr>
-              <a:t> </a:t>
-            </a:r>
-            <a:r>
-              <a:rPr lang="en-ID" dirty="0" err="1">
-                <a:effectLst/>
-                <a:latin typeface="Arial" panose="020B0604020202020204" pitchFamily="34" charset="0"/>
-                <a:ea typeface="Calibri" panose="020F0502020204030204" pitchFamily="34" charset="0"/>
-              </a:rPr>
-              <a:t>tidak</a:t>
-            </a:r>
-            <a:r>
-              <a:rPr lang="en-ID" dirty="0">
-                <a:effectLst/>
-                <a:latin typeface="Arial" panose="020B0604020202020204" pitchFamily="34" charset="0"/>
-                <a:ea typeface="Calibri" panose="020F0502020204030204" pitchFamily="34" charset="0"/>
-              </a:rPr>
-              <a:t> </a:t>
-            </a:r>
-            <a:r>
-              <a:rPr lang="en-ID" dirty="0" err="1">
-                <a:effectLst/>
-                <a:latin typeface="Arial" panose="020B0604020202020204" pitchFamily="34" charset="0"/>
-                <a:ea typeface="Calibri" panose="020F0502020204030204" pitchFamily="34" charset="0"/>
-              </a:rPr>
-              <a:t>mampu</a:t>
-            </a:r>
-            <a:r>
-              <a:rPr lang="en-ID" dirty="0">
-                <a:effectLst/>
-                <a:latin typeface="Arial" panose="020B0604020202020204" pitchFamily="34" charset="0"/>
-                <a:ea typeface="Calibri" panose="020F0502020204030204" pitchFamily="34" charset="0"/>
-              </a:rPr>
-              <a:t>, dan </a:t>
-            </a:r>
-            <a:r>
-              <a:rPr lang="en-ID" dirty="0" err="1">
-                <a:effectLst/>
-                <a:latin typeface="Arial" panose="020B0604020202020204" pitchFamily="34" charset="0"/>
-                <a:ea typeface="Calibri" panose="020F0502020204030204" pitchFamily="34" charset="0"/>
-              </a:rPr>
-              <a:t>takut</a:t>
-            </a:r>
-            <a:r>
-              <a:rPr lang="en-ID" dirty="0">
-                <a:effectLst/>
-                <a:latin typeface="Arial" panose="020B0604020202020204" pitchFamily="34" charset="0"/>
-                <a:ea typeface="Calibri" panose="020F0502020204030204" pitchFamily="34" charset="0"/>
-              </a:rPr>
-              <a:t> </a:t>
-            </a:r>
-            <a:r>
-              <a:rPr lang="en-ID" dirty="0" err="1">
-                <a:effectLst/>
-                <a:latin typeface="Arial" panose="020B0604020202020204" pitchFamily="34" charset="0"/>
-                <a:ea typeface="Calibri" panose="020F0502020204030204" pitchFamily="34" charset="0"/>
-              </a:rPr>
-              <a:t>tidak</a:t>
-            </a:r>
-            <a:r>
-              <a:rPr lang="en-ID" dirty="0">
-                <a:effectLst/>
-                <a:latin typeface="Arial" panose="020B0604020202020204" pitchFamily="34" charset="0"/>
-                <a:ea typeface="Calibri" panose="020F0502020204030204" pitchFamily="34" charset="0"/>
-              </a:rPr>
-              <a:t> </a:t>
-            </a:r>
-            <a:r>
-              <a:rPr lang="en-ID" dirty="0" err="1">
-                <a:effectLst/>
-                <a:latin typeface="Arial" panose="020B0604020202020204" pitchFamily="34" charset="0"/>
-                <a:ea typeface="Calibri" panose="020F0502020204030204" pitchFamily="34" charset="0"/>
-              </a:rPr>
-              <a:t>bisa</a:t>
-            </a:r>
-            <a:r>
-              <a:rPr lang="en-ID" dirty="0">
-                <a:effectLst/>
-                <a:latin typeface="Arial" panose="020B0604020202020204" pitchFamily="34" charset="0"/>
-                <a:ea typeface="Calibri" panose="020F0502020204030204" pitchFamily="34" charset="0"/>
-              </a:rPr>
-              <a:t> </a:t>
-            </a:r>
-            <a:r>
-              <a:rPr lang="en-ID" dirty="0" err="1">
-                <a:effectLst/>
-                <a:latin typeface="Arial" panose="020B0604020202020204" pitchFamily="34" charset="0"/>
-                <a:ea typeface="Calibri" panose="020F0502020204030204" pitchFamily="34" charset="0"/>
-              </a:rPr>
-              <a:t>menuntaskannya</a:t>
-            </a:r>
-            <a:r>
-              <a:rPr lang="en-ID" dirty="0">
-                <a:effectLst/>
-                <a:latin typeface="Arial" panose="020B0604020202020204" pitchFamily="34" charset="0"/>
-                <a:ea typeface="Calibri" panose="020F0502020204030204" pitchFamily="34" charset="0"/>
-              </a:rPr>
-              <a:t>, </a:t>
-            </a:r>
-            <a:r>
-              <a:rPr lang="en-ID" dirty="0" err="1">
-                <a:effectLst/>
-                <a:latin typeface="Arial" panose="020B0604020202020204" pitchFamily="34" charset="0"/>
-                <a:ea typeface="Calibri" panose="020F0502020204030204" pitchFamily="34" charset="0"/>
-              </a:rPr>
-              <a:t>namun</a:t>
-            </a:r>
-            <a:r>
-              <a:rPr lang="en-ID" dirty="0">
-                <a:effectLst/>
-                <a:latin typeface="Arial" panose="020B0604020202020204" pitchFamily="34" charset="0"/>
-                <a:ea typeface="Calibri" panose="020F0502020204030204" pitchFamily="34" charset="0"/>
-              </a:rPr>
-              <a:t> </a:t>
-            </a:r>
-            <a:r>
-              <a:rPr lang="en-ID" dirty="0" err="1">
-                <a:effectLst/>
-                <a:latin typeface="Arial" panose="020B0604020202020204" pitchFamily="34" charset="0"/>
-                <a:ea typeface="Calibri" panose="020F0502020204030204" pitchFamily="34" charset="0"/>
-              </a:rPr>
-              <a:t>setelah</a:t>
-            </a:r>
-            <a:r>
-              <a:rPr lang="en-ID" dirty="0">
-                <a:effectLst/>
-                <a:latin typeface="Arial" panose="020B0604020202020204" pitchFamily="34" charset="0"/>
-                <a:ea typeface="Calibri" panose="020F0502020204030204" pitchFamily="34" charset="0"/>
-              </a:rPr>
-              <a:t> </a:t>
-            </a:r>
-            <a:r>
-              <a:rPr lang="en-ID" dirty="0" err="1">
-                <a:effectLst/>
-                <a:latin typeface="Arial" panose="020B0604020202020204" pitchFamily="34" charset="0"/>
-                <a:ea typeface="Calibri" panose="020F0502020204030204" pitchFamily="34" charset="0"/>
-              </a:rPr>
-              <a:t>ada</a:t>
-            </a:r>
-            <a:r>
-              <a:rPr lang="en-ID" dirty="0">
-                <a:effectLst/>
-                <a:latin typeface="Arial" panose="020B0604020202020204" pitchFamily="34" charset="0"/>
-                <a:ea typeface="Calibri" panose="020F0502020204030204" pitchFamily="34" charset="0"/>
-              </a:rPr>
-              <a:t> </a:t>
-            </a:r>
-            <a:r>
-              <a:rPr lang="en-ID" dirty="0" err="1">
-                <a:effectLst/>
-                <a:latin typeface="Arial" panose="020B0604020202020204" pitchFamily="34" charset="0"/>
-                <a:ea typeface="Calibri" panose="020F0502020204030204" pitchFamily="34" charset="0"/>
-              </a:rPr>
-              <a:t>kemauan</a:t>
-            </a:r>
-            <a:r>
-              <a:rPr lang="en-ID" dirty="0">
-                <a:effectLst/>
-                <a:latin typeface="Arial" panose="020B0604020202020204" pitchFamily="34" charset="0"/>
-                <a:ea typeface="Calibri" panose="020F0502020204030204" pitchFamily="34" charset="0"/>
-              </a:rPr>
-              <a:t> </a:t>
-            </a:r>
-            <a:r>
-              <a:rPr lang="en-ID" dirty="0" err="1">
-                <a:effectLst/>
-                <a:latin typeface="Arial" panose="020B0604020202020204" pitchFamily="34" charset="0"/>
-                <a:ea typeface="Calibri" panose="020F0502020204030204" pitchFamily="34" charset="0"/>
-              </a:rPr>
-              <a:t>untuk</a:t>
-            </a:r>
-            <a:r>
-              <a:rPr lang="en-ID" dirty="0">
-                <a:effectLst/>
-                <a:latin typeface="Arial" panose="020B0604020202020204" pitchFamily="34" charset="0"/>
-                <a:ea typeface="Calibri" panose="020F0502020204030204" pitchFamily="34" charset="0"/>
-              </a:rPr>
-              <a:t> </a:t>
-            </a:r>
-            <a:r>
-              <a:rPr lang="en-ID" dirty="0" err="1">
-                <a:effectLst/>
-                <a:latin typeface="Arial" panose="020B0604020202020204" pitchFamily="34" charset="0"/>
-                <a:ea typeface="Calibri" panose="020F0502020204030204" pitchFamily="34" charset="0"/>
-              </a:rPr>
-              <a:t>mencoba</a:t>
-            </a:r>
-            <a:r>
-              <a:rPr lang="en-ID" dirty="0">
-                <a:effectLst/>
-                <a:latin typeface="Arial" panose="020B0604020202020204" pitchFamily="34" charset="0"/>
-                <a:ea typeface="Calibri" panose="020F0502020204030204" pitchFamily="34" charset="0"/>
-              </a:rPr>
-              <a:t> </a:t>
-            </a:r>
-            <a:r>
-              <a:rPr lang="en-ID" dirty="0" err="1">
-                <a:effectLst/>
-                <a:latin typeface="Arial" panose="020B0604020202020204" pitchFamily="34" charset="0"/>
-                <a:ea typeface="Calibri" panose="020F0502020204030204" pitchFamily="34" charset="0"/>
-              </a:rPr>
-              <a:t>melangkah</a:t>
-            </a:r>
-            <a:r>
-              <a:rPr lang="en-ID" dirty="0">
-                <a:effectLst/>
-                <a:latin typeface="Arial" panose="020B0604020202020204" pitchFamily="34" charset="0"/>
-                <a:ea typeface="Calibri" panose="020F0502020204030204" pitchFamily="34" charset="0"/>
-              </a:rPr>
-              <a:t>, </a:t>
-            </a:r>
-            <a:r>
-              <a:rPr lang="en-ID" dirty="0" err="1">
-                <a:effectLst/>
-                <a:latin typeface="Arial" panose="020B0604020202020204" pitchFamily="34" charset="0"/>
-                <a:ea typeface="Calibri" panose="020F0502020204030204" pitchFamily="34" charset="0"/>
-              </a:rPr>
-              <a:t>tugas</a:t>
-            </a:r>
-            <a:r>
-              <a:rPr lang="en-ID" dirty="0">
-                <a:effectLst/>
-                <a:latin typeface="Arial" panose="020B0604020202020204" pitchFamily="34" charset="0"/>
-                <a:ea typeface="Calibri" panose="020F0502020204030204" pitchFamily="34" charset="0"/>
-              </a:rPr>
-              <a:t> </a:t>
-            </a:r>
-            <a:r>
-              <a:rPr lang="en-ID" dirty="0" err="1">
-                <a:effectLst/>
-                <a:latin typeface="Arial" panose="020B0604020202020204" pitchFamily="34" charset="0"/>
-                <a:ea typeface="Calibri" panose="020F0502020204030204" pitchFamily="34" charset="0"/>
-              </a:rPr>
-              <a:t>ini</a:t>
-            </a:r>
-            <a:r>
-              <a:rPr lang="en-ID" dirty="0">
-                <a:effectLst/>
-                <a:latin typeface="Arial" panose="020B0604020202020204" pitchFamily="34" charset="0"/>
-                <a:ea typeface="Calibri" panose="020F0502020204030204" pitchFamily="34" charset="0"/>
-              </a:rPr>
-              <a:t> </a:t>
-            </a:r>
-            <a:r>
-              <a:rPr lang="en-ID" dirty="0" err="1">
-                <a:effectLst/>
-                <a:latin typeface="Arial" panose="020B0604020202020204" pitchFamily="34" charset="0"/>
-                <a:ea typeface="Calibri" panose="020F0502020204030204" pitchFamily="34" charset="0"/>
-              </a:rPr>
-              <a:t>perlahan-lahan</a:t>
-            </a:r>
-            <a:r>
-              <a:rPr lang="en-ID" dirty="0">
-                <a:effectLst/>
-                <a:latin typeface="Arial" panose="020B0604020202020204" pitchFamily="34" charset="0"/>
-                <a:ea typeface="Calibri" panose="020F0502020204030204" pitchFamily="34" charset="0"/>
-              </a:rPr>
-              <a:t> </a:t>
-            </a:r>
-            <a:r>
-              <a:rPr lang="en-ID" dirty="0" err="1">
-                <a:effectLst/>
-                <a:latin typeface="Arial" panose="020B0604020202020204" pitchFamily="34" charset="0"/>
-                <a:ea typeface="Calibri" panose="020F0502020204030204" pitchFamily="34" charset="0"/>
-              </a:rPr>
-              <a:t>ada</a:t>
-            </a:r>
-            <a:r>
-              <a:rPr lang="en-ID" dirty="0">
-                <a:effectLst/>
-                <a:latin typeface="Arial" panose="020B0604020202020204" pitchFamily="34" charset="0"/>
-                <a:ea typeface="Calibri" panose="020F0502020204030204" pitchFamily="34" charset="0"/>
-              </a:rPr>
-              <a:t> </a:t>
-            </a:r>
-            <a:r>
-              <a:rPr lang="en-ID" dirty="0" err="1">
-                <a:effectLst/>
-                <a:latin typeface="Arial" panose="020B0604020202020204" pitchFamily="34" charset="0"/>
-                <a:ea typeface="Calibri" panose="020F0502020204030204" pitchFamily="34" charset="0"/>
-              </a:rPr>
-              <a:t>kemajuan</a:t>
-            </a:r>
-            <a:r>
-              <a:rPr lang="en-ID" dirty="0">
-                <a:effectLst/>
-                <a:latin typeface="Arial" panose="020B0604020202020204" pitchFamily="34" charset="0"/>
-                <a:ea typeface="Calibri" panose="020F0502020204030204" pitchFamily="34" charset="0"/>
-              </a:rPr>
-              <a:t> </a:t>
-            </a:r>
-            <a:r>
-              <a:rPr lang="en-ID" dirty="0" err="1">
-                <a:effectLst/>
-                <a:latin typeface="Arial" panose="020B0604020202020204" pitchFamily="34" charset="0"/>
-                <a:ea typeface="Calibri" panose="020F0502020204030204" pitchFamily="34" charset="0"/>
-              </a:rPr>
-              <a:t>dalam</a:t>
-            </a:r>
-            <a:r>
-              <a:rPr lang="en-ID" dirty="0">
-                <a:effectLst/>
-                <a:latin typeface="Arial" panose="020B0604020202020204" pitchFamily="34" charset="0"/>
-                <a:ea typeface="Calibri" panose="020F0502020204030204" pitchFamily="34" charset="0"/>
-              </a:rPr>
-              <a:t> </a:t>
-            </a:r>
-            <a:r>
-              <a:rPr lang="en-ID" dirty="0" err="1">
-                <a:effectLst/>
-                <a:latin typeface="Arial" panose="020B0604020202020204" pitchFamily="34" charset="0"/>
-                <a:ea typeface="Calibri" panose="020F0502020204030204" pitchFamily="34" charset="0"/>
-              </a:rPr>
-              <a:t>progresnya</a:t>
-            </a:r>
-            <a:r>
-              <a:rPr lang="en-ID" dirty="0">
-                <a:effectLst/>
-                <a:latin typeface="Arial" panose="020B0604020202020204" pitchFamily="34" charset="0"/>
-                <a:ea typeface="Calibri" panose="020F0502020204030204" pitchFamily="34" charset="0"/>
-              </a:rPr>
-              <a:t>, dan </a:t>
-            </a:r>
-            <a:r>
-              <a:rPr lang="en-ID" dirty="0" err="1">
-                <a:effectLst/>
-                <a:latin typeface="Arial" panose="020B0604020202020204" pitchFamily="34" charset="0"/>
-                <a:ea typeface="Calibri" panose="020F0502020204030204" pitchFamily="34" charset="0"/>
-              </a:rPr>
-              <a:t>mengerjakannya</a:t>
-            </a:r>
-            <a:r>
-              <a:rPr lang="en-ID" dirty="0">
-                <a:effectLst/>
-                <a:latin typeface="Arial" panose="020B0604020202020204" pitchFamily="34" charset="0"/>
-                <a:ea typeface="Calibri" panose="020F0502020204030204" pitchFamily="34" charset="0"/>
-              </a:rPr>
-              <a:t> </a:t>
-            </a:r>
-            <a:r>
-              <a:rPr lang="en-ID" dirty="0" err="1">
-                <a:effectLst/>
-                <a:latin typeface="Arial" panose="020B0604020202020204" pitchFamily="34" charset="0"/>
-                <a:ea typeface="Calibri" panose="020F0502020204030204" pitchFamily="34" charset="0"/>
-              </a:rPr>
-              <a:t>dengan</a:t>
-            </a:r>
-            <a:r>
-              <a:rPr lang="en-ID" dirty="0">
-                <a:effectLst/>
-                <a:latin typeface="Arial" panose="020B0604020202020204" pitchFamily="34" charset="0"/>
-                <a:ea typeface="Calibri" panose="020F0502020204030204" pitchFamily="34" charset="0"/>
-              </a:rPr>
-              <a:t> </a:t>
-            </a:r>
-            <a:r>
-              <a:rPr lang="en-ID" dirty="0" err="1">
-                <a:effectLst/>
-                <a:latin typeface="Arial" panose="020B0604020202020204" pitchFamily="34" charset="0"/>
-                <a:ea typeface="Calibri" panose="020F0502020204030204" pitchFamily="34" charset="0"/>
-              </a:rPr>
-              <a:t>semua</a:t>
-            </a:r>
-            <a:r>
-              <a:rPr lang="en-ID" dirty="0">
-                <a:effectLst/>
-                <a:latin typeface="Arial" panose="020B0604020202020204" pitchFamily="34" charset="0"/>
-                <a:ea typeface="Calibri" panose="020F0502020204030204" pitchFamily="34" charset="0"/>
-              </a:rPr>
-              <a:t> </a:t>
-            </a:r>
-            <a:r>
-              <a:rPr lang="en-ID" dirty="0" err="1">
-                <a:effectLst/>
-                <a:latin typeface="Arial" panose="020B0604020202020204" pitchFamily="34" charset="0"/>
-                <a:ea typeface="Calibri" panose="020F0502020204030204" pitchFamily="34" charset="0"/>
-              </a:rPr>
-              <a:t>kemampuan</a:t>
-            </a:r>
-            <a:r>
-              <a:rPr lang="en-ID" dirty="0">
-                <a:effectLst/>
-                <a:latin typeface="Arial" panose="020B0604020202020204" pitchFamily="34" charset="0"/>
-                <a:ea typeface="Calibri" panose="020F0502020204030204" pitchFamily="34" charset="0"/>
-              </a:rPr>
-              <a:t> yang </a:t>
-            </a:r>
-            <a:r>
-              <a:rPr lang="en-ID" dirty="0" err="1">
-                <a:effectLst/>
-                <a:latin typeface="Arial" panose="020B0604020202020204" pitchFamily="34" charset="0"/>
-                <a:ea typeface="Calibri" panose="020F0502020204030204" pitchFamily="34" charset="0"/>
-              </a:rPr>
-              <a:t>ada</a:t>
-            </a:r>
-            <a:r>
-              <a:rPr lang="en-ID" dirty="0">
-                <a:effectLst/>
-                <a:latin typeface="Arial" panose="020B0604020202020204" pitchFamily="34" charset="0"/>
-                <a:ea typeface="Calibri" panose="020F0502020204030204" pitchFamily="34" charset="0"/>
-              </a:rPr>
-              <a:t>.</a:t>
-            </a:r>
-            <a:endParaRPr lang="en-ID" dirty="0">
-              <a:effectLst/>
-              <a:latin typeface="Calibri" panose="020F0502020204030204" pitchFamily="34" charset="0"/>
-              <a:ea typeface="Calibri" panose="020F0502020204030204" pitchFamily="34" charset="0"/>
-            </a:endParaRPr>
-          </a:p>
-          <a:p>
-            <a:pPr marL="176213" indent="355600">
-              <a:buNone/>
-            </a:pPr>
-            <a:endParaRPr lang="en-US" b="1" dirty="0"/>
-          </a:p>
-          <a:p>
-            <a:pPr marL="177796" indent="0">
-              <a:buNone/>
-            </a:pPr>
             <a:endParaRPr lang="en-US" dirty="0"/>
           </a:p>
         </p:txBody>
@@ -52294,7 +55080,7 @@
           <p:cNvPr id="3" name="Title 2">
             <a:extLst>
               <a:ext uri="{FF2B5EF4-FFF2-40B4-BE49-F238E27FC236}">
-                <a16:creationId xmlns:a16="http://schemas.microsoft.com/office/drawing/2014/main" id="{4C1C678E-74A3-419E-8C9C-F8B951212381}"/>
+                <a16:creationId xmlns:a16="http://schemas.microsoft.com/office/drawing/2014/main" id="{CFB59D60-B373-407B-8D88-953AA54B8177}"/>
               </a:ext>
             </a:extLst>
           </p:cNvPr>
@@ -52312,15 +55098,1233 @@
           <a:p>
             <a:r>
               <a:rPr lang="en-US" dirty="0"/>
-              <a:t>LESSON LEARNED</a:t>
-            </a:r>
+              <a:t>4. </a:t>
+            </a:r>
+            <a:r>
+              <a:rPr lang="en-US" dirty="0" err="1"/>
+              <a:t>Karakteristik</a:t>
+            </a:r>
+            <a:r>
+              <a:rPr lang="en-US" dirty="0"/>
+              <a:t> </a:t>
+            </a:r>
+            <a:r>
+              <a:rPr lang="en-US" dirty="0" err="1"/>
+              <a:t>pengguna</a:t>
+            </a:r>
+            <a:endParaRPr lang="en-US" dirty="0"/>
           </a:p>
         </p:txBody>
       </p:sp>
     </p:spTree>
     <p:extLst>
       <p:ext uri="{BB962C8B-B14F-4D97-AF65-F5344CB8AC3E}">
-        <p14:creationId xmlns:p14="http://schemas.microsoft.com/office/powerpoint/2010/main" val="4071484083"/>
+        <p14:creationId xmlns:p14="http://schemas.microsoft.com/office/powerpoint/2010/main" val="83638605"/>
+      </p:ext>
+    </p:extLst>
+  </p:cSld>
+  <p:clrMapOvr>
+    <a:masterClrMapping/>
+  </p:clrMapOvr>
+</p:sld>
+</file>
+
+<file path=ppt/slides/slide7.xml><?xml version="1.0" encoding="utf-8"?>
+<p:sld xmlns:a="http://schemas.openxmlformats.org/drawingml/2006/main" xmlns:r="http://schemas.openxmlformats.org/officeDocument/2006/relationships" xmlns:p="http://schemas.openxmlformats.org/presentationml/2006/main">
+  <p:cSld>
+    <p:spTree>
+      <p:nvGrpSpPr>
+        <p:cNvPr id="1" name=""/>
+        <p:cNvGrpSpPr/>
+        <p:nvPr/>
+      </p:nvGrpSpPr>
+      <p:grpSpPr>
+        <a:xfrm>
+          <a:off x="0" y="0"/>
+          <a:ext cx="0" cy="0"/>
+          <a:chOff x="0" y="0"/>
+          <a:chExt cx="0" cy="0"/>
+        </a:xfrm>
+      </p:grpSpPr>
+      <p:sp>
+        <p:nvSpPr>
+          <p:cNvPr id="2" name="Text Placeholder 1">
+            <a:extLst>
+              <a:ext uri="{FF2B5EF4-FFF2-40B4-BE49-F238E27FC236}">
+                <a16:creationId xmlns:a16="http://schemas.microsoft.com/office/drawing/2014/main" id="{B7CB11C6-C95F-4B90-9524-EA37003BF676}"/>
+              </a:ext>
+            </a:extLst>
+          </p:cNvPr>
+          <p:cNvSpPr>
+            <a:spLocks noGrp="1"/>
+          </p:cNvSpPr>
+          <p:nvPr>
+            <p:ph type="body" idx="1"/>
+          </p:nvPr>
+        </p:nvSpPr>
+        <p:spPr/>
+        <p:txBody>
+          <a:bodyPr/>
+          <a:lstStyle/>
+          <a:p>
+            <a:pPr lvl="0"/>
+            <a:r>
+              <a:rPr lang="en-ID" dirty="0" err="1"/>
+              <a:t>Lembaran</a:t>
+            </a:r>
+            <a:r>
+              <a:rPr lang="en-ID" dirty="0"/>
+              <a:t> </a:t>
+            </a:r>
+            <a:r>
+              <a:rPr lang="en-ID" dirty="0" err="1"/>
+              <a:t>uang</a:t>
+            </a:r>
+            <a:r>
+              <a:rPr lang="en-ID" dirty="0"/>
+              <a:t> </a:t>
+            </a:r>
+            <a:r>
+              <a:rPr lang="en-ID" dirty="0" err="1"/>
+              <a:t>sebanyak</a:t>
+            </a:r>
+            <a:r>
+              <a:rPr lang="en-ID" dirty="0"/>
+              <a:t> 10.000 </a:t>
+            </a:r>
+            <a:r>
+              <a:rPr lang="en-ID" dirty="0" err="1"/>
+              <a:t>dengan</a:t>
+            </a:r>
+            <a:r>
+              <a:rPr lang="en-ID" dirty="0"/>
+              <a:t> 1 </a:t>
+            </a:r>
+            <a:r>
+              <a:rPr lang="en-ID" dirty="0" err="1"/>
+              <a:t>lembar</a:t>
+            </a:r>
+            <a:r>
+              <a:rPr lang="en-ID" dirty="0"/>
+              <a:t> Rp50.000,00.</a:t>
+            </a:r>
+            <a:endParaRPr lang="en-US" dirty="0"/>
+          </a:p>
+          <a:p>
+            <a:pPr lvl="0"/>
+            <a:endParaRPr lang="en-ID" dirty="0"/>
+          </a:p>
+          <a:p>
+            <a:pPr lvl="0"/>
+            <a:r>
+              <a:rPr lang="en-ID" dirty="0"/>
+              <a:t>Data </a:t>
+            </a:r>
+            <a:r>
+              <a:rPr lang="en-ID" dirty="0" err="1"/>
+              <a:t>akun</a:t>
+            </a:r>
+            <a:r>
+              <a:rPr lang="en-ID" dirty="0"/>
+              <a:t> </a:t>
+            </a:r>
+            <a:r>
+              <a:rPr lang="en-ID" dirty="0" err="1"/>
+              <a:t>nasabah</a:t>
+            </a:r>
+            <a:r>
+              <a:rPr lang="en-ID" dirty="0"/>
+              <a:t> dan </a:t>
+            </a:r>
+            <a:r>
+              <a:rPr lang="en-ID" dirty="0" err="1"/>
+              <a:t>akun</a:t>
+            </a:r>
+            <a:r>
+              <a:rPr lang="en-ID" dirty="0"/>
+              <a:t> </a:t>
+            </a:r>
+            <a:r>
+              <a:rPr lang="en-ID" dirty="0" err="1"/>
+              <a:t>tujuan</a:t>
+            </a:r>
+            <a:r>
+              <a:rPr lang="en-ID" dirty="0"/>
+              <a:t> </a:t>
+            </a:r>
+            <a:r>
+              <a:rPr lang="en-ID" dirty="0" err="1"/>
+              <a:t>rekening</a:t>
+            </a:r>
+            <a:r>
+              <a:rPr lang="en-ID" dirty="0"/>
+              <a:t> </a:t>
+            </a:r>
+            <a:r>
+              <a:rPr lang="en-ID" dirty="0" err="1"/>
+              <a:t>serta</a:t>
+            </a:r>
+            <a:r>
+              <a:rPr lang="en-ID" dirty="0"/>
+              <a:t> </a:t>
+            </a:r>
+            <a:r>
+              <a:rPr lang="en-ID" dirty="0" err="1"/>
+              <a:t>kartu</a:t>
+            </a:r>
+            <a:r>
+              <a:rPr lang="en-ID" dirty="0"/>
+              <a:t> atm.</a:t>
+            </a:r>
+            <a:endParaRPr lang="en-US" dirty="0"/>
+          </a:p>
+          <a:p>
+            <a:pPr lvl="0"/>
+            <a:endParaRPr lang="en-ID" dirty="0"/>
+          </a:p>
+          <a:p>
+            <a:pPr lvl="0"/>
+            <a:r>
+              <a:rPr lang="en-ID" dirty="0"/>
+              <a:t>Listrik dan </a:t>
+            </a:r>
+            <a:r>
+              <a:rPr lang="en-ID" dirty="0" err="1"/>
+              <a:t>koneksi</a:t>
+            </a:r>
+            <a:r>
+              <a:rPr lang="en-ID" dirty="0"/>
+              <a:t> </a:t>
+            </a:r>
+            <a:r>
+              <a:rPr lang="en-ID" dirty="0" err="1"/>
+              <a:t>satelit</a:t>
+            </a:r>
+            <a:r>
+              <a:rPr lang="en-ID" dirty="0"/>
+              <a:t>.</a:t>
+            </a:r>
+            <a:endParaRPr lang="en-US" dirty="0"/>
+          </a:p>
+        </p:txBody>
+      </p:sp>
+      <p:sp>
+        <p:nvSpPr>
+          <p:cNvPr id="3" name="Title 2">
+            <a:extLst>
+              <a:ext uri="{FF2B5EF4-FFF2-40B4-BE49-F238E27FC236}">
+                <a16:creationId xmlns:a16="http://schemas.microsoft.com/office/drawing/2014/main" id="{CB6EF963-A356-49D4-B1E5-B53B0460A2D8}"/>
+              </a:ext>
+            </a:extLst>
+          </p:cNvPr>
+          <p:cNvSpPr>
+            <a:spLocks noGrp="1"/>
+          </p:cNvSpPr>
+          <p:nvPr>
+            <p:ph type="ctrTitle"/>
+          </p:nvPr>
+        </p:nvSpPr>
+        <p:spPr/>
+        <p:txBody>
+          <a:bodyPr/>
+          <a:lstStyle/>
+          <a:p>
+            <a:r>
+              <a:rPr lang="en-US" dirty="0"/>
+              <a:t>5. </a:t>
+            </a:r>
+            <a:r>
+              <a:rPr lang="en-US" dirty="0" err="1"/>
+              <a:t>Inisialisasi</a:t>
+            </a:r>
+            <a:r>
+              <a:rPr lang="en-US" dirty="0"/>
+              <a:t> program</a:t>
+            </a:r>
+          </a:p>
+        </p:txBody>
+      </p:sp>
+    </p:spTree>
+    <p:extLst>
+      <p:ext uri="{BB962C8B-B14F-4D97-AF65-F5344CB8AC3E}">
+        <p14:creationId xmlns:p14="http://schemas.microsoft.com/office/powerpoint/2010/main" val="2327196861"/>
+      </p:ext>
+    </p:extLst>
+  </p:cSld>
+  <p:clrMapOvr>
+    <a:masterClrMapping/>
+  </p:clrMapOvr>
+</p:sld>
+</file>
+
+<file path=ppt/slides/slide8.xml><?xml version="1.0" encoding="utf-8"?>
+<p:sld xmlns:a="http://schemas.openxmlformats.org/drawingml/2006/main" xmlns:r="http://schemas.openxmlformats.org/officeDocument/2006/relationships" xmlns:p="http://schemas.openxmlformats.org/presentationml/2006/main">
+  <p:cSld>
+    <p:spTree>
+      <p:nvGrpSpPr>
+        <p:cNvPr id="1" name=""/>
+        <p:cNvGrpSpPr/>
+        <p:nvPr/>
+      </p:nvGrpSpPr>
+      <p:grpSpPr>
+        <a:xfrm>
+          <a:off x="0" y="0"/>
+          <a:ext cx="0" cy="0"/>
+          <a:chOff x="0" y="0"/>
+          <a:chExt cx="0" cy="0"/>
+        </a:xfrm>
+      </p:grpSpPr>
+      <p:sp>
+        <p:nvSpPr>
+          <p:cNvPr id="4" name="Subtitle 3">
+            <a:extLst>
+              <a:ext uri="{FF2B5EF4-FFF2-40B4-BE49-F238E27FC236}">
+                <a16:creationId xmlns:a16="http://schemas.microsoft.com/office/drawing/2014/main" id="{6E975B3D-592B-44EE-9764-323A9D1C9B9B}"/>
+              </a:ext>
+            </a:extLst>
+          </p:cNvPr>
+          <p:cNvSpPr>
+            <a:spLocks noGrp="1"/>
+          </p:cNvSpPr>
+          <p:nvPr>
+            <p:ph type="subTitle" idx="3"/>
+          </p:nvPr>
+        </p:nvSpPr>
+        <p:spPr>
+          <a:xfrm>
+            <a:off x="1250166" y="3158111"/>
+            <a:ext cx="2833561" cy="423200"/>
+          </a:xfrm>
+        </p:spPr>
+        <p:txBody>
+          <a:bodyPr/>
+          <a:lstStyle/>
+          <a:p>
+            <a:r>
+              <a:rPr lang="en-US" dirty="0"/>
+              <a:t>1. </a:t>
+            </a:r>
+            <a:r>
+              <a:rPr lang="en-US" dirty="0" err="1"/>
+              <a:t>Kebutuhan</a:t>
+            </a:r>
+            <a:r>
+              <a:rPr lang="en-US" dirty="0"/>
+              <a:t> data</a:t>
+            </a:r>
+          </a:p>
+        </p:txBody>
+      </p:sp>
+      <p:sp>
+        <p:nvSpPr>
+          <p:cNvPr id="5" name="Subtitle 4">
+            <a:extLst>
+              <a:ext uri="{FF2B5EF4-FFF2-40B4-BE49-F238E27FC236}">
+                <a16:creationId xmlns:a16="http://schemas.microsoft.com/office/drawing/2014/main" id="{E280ACFB-2908-4943-948C-00421F394A80}"/>
+              </a:ext>
+            </a:extLst>
+          </p:cNvPr>
+          <p:cNvSpPr>
+            <a:spLocks noGrp="1"/>
+          </p:cNvSpPr>
+          <p:nvPr>
+            <p:ph type="subTitle" idx="4"/>
+          </p:nvPr>
+        </p:nvSpPr>
+        <p:spPr/>
+        <p:txBody>
+          <a:bodyPr/>
+          <a:lstStyle/>
+          <a:p>
+            <a:r>
+              <a:rPr lang="en-US" dirty="0"/>
+              <a:t>2. Flowchart</a:t>
+            </a:r>
+          </a:p>
+        </p:txBody>
+      </p:sp>
+      <p:sp>
+        <p:nvSpPr>
+          <p:cNvPr id="6" name="Title 5">
+            <a:extLst>
+              <a:ext uri="{FF2B5EF4-FFF2-40B4-BE49-F238E27FC236}">
+                <a16:creationId xmlns:a16="http://schemas.microsoft.com/office/drawing/2014/main" id="{6DBA60F2-DA9F-4D8D-A2FF-92F865D89AF1}"/>
+              </a:ext>
+            </a:extLst>
+          </p:cNvPr>
+          <p:cNvSpPr>
+            <a:spLocks noGrp="1"/>
+          </p:cNvSpPr>
+          <p:nvPr>
+            <p:ph type="ctrTitle"/>
+          </p:nvPr>
+        </p:nvSpPr>
+        <p:spPr/>
+        <p:txBody>
+          <a:bodyPr/>
+          <a:lstStyle/>
+          <a:p>
+            <a:r>
+              <a:rPr lang="en-US" dirty="0"/>
+              <a:t>DESIGN/PERANCANGAN</a:t>
+            </a:r>
+          </a:p>
+        </p:txBody>
+      </p:sp>
+    </p:spTree>
+    <p:extLst>
+      <p:ext uri="{BB962C8B-B14F-4D97-AF65-F5344CB8AC3E}">
+        <p14:creationId xmlns:p14="http://schemas.microsoft.com/office/powerpoint/2010/main" val="3891389944"/>
+      </p:ext>
+    </p:extLst>
+  </p:cSld>
+  <p:clrMapOvr>
+    <a:masterClrMapping/>
+  </p:clrMapOvr>
+</p:sld>
+</file>
+
+<file path=ppt/slides/slide9.xml><?xml version="1.0" encoding="utf-8"?>
+<p:sld xmlns:a="http://schemas.openxmlformats.org/drawingml/2006/main" xmlns:r="http://schemas.openxmlformats.org/officeDocument/2006/relationships" xmlns:p="http://schemas.openxmlformats.org/presentationml/2006/main">
+  <p:cSld>
+    <p:spTree>
+      <p:nvGrpSpPr>
+        <p:cNvPr id="1" name=""/>
+        <p:cNvGrpSpPr/>
+        <p:nvPr/>
+      </p:nvGrpSpPr>
+      <p:grpSpPr>
+        <a:xfrm>
+          <a:off x="0" y="0"/>
+          <a:ext cx="0" cy="0"/>
+          <a:chOff x="0" y="0"/>
+          <a:chExt cx="0" cy="0"/>
+        </a:xfrm>
+      </p:grpSpPr>
+      <p:sp>
+        <p:nvSpPr>
+          <p:cNvPr id="2" name="Text Placeholder 1">
+            <a:extLst>
+              <a:ext uri="{FF2B5EF4-FFF2-40B4-BE49-F238E27FC236}">
+                <a16:creationId xmlns:a16="http://schemas.microsoft.com/office/drawing/2014/main" id="{DAB3748C-F682-4B86-A83D-EE549687634F}"/>
+              </a:ext>
+            </a:extLst>
+          </p:cNvPr>
+          <p:cNvSpPr>
+            <a:spLocks noGrp="1"/>
+          </p:cNvSpPr>
+          <p:nvPr>
+            <p:ph type="body" idx="1"/>
+          </p:nvPr>
+        </p:nvSpPr>
+        <p:spPr/>
+        <p:txBody>
+          <a:bodyPr/>
+          <a:lstStyle/>
+          <a:p>
+            <a:pPr marL="177796" indent="0">
+              <a:buNone/>
+            </a:pPr>
+            <a:r>
+              <a:rPr lang="en-US" dirty="0"/>
+              <a:t>1. Data </a:t>
+            </a:r>
+            <a:r>
+              <a:rPr lang="en-US" dirty="0" err="1"/>
+              <a:t>nasabah</a:t>
+            </a:r>
+            <a:endParaRPr lang="en-US" dirty="0"/>
+          </a:p>
+          <a:p>
+            <a:pPr marL="177796" indent="0">
+              <a:buNone/>
+            </a:pPr>
+            <a:r>
+              <a:rPr lang="en-ID" dirty="0"/>
+              <a:t>Data </a:t>
+            </a:r>
+            <a:r>
+              <a:rPr lang="en-ID" dirty="0" err="1"/>
+              <a:t>nasabah</a:t>
+            </a:r>
+            <a:r>
+              <a:rPr lang="en-ID" dirty="0"/>
+              <a:t> </a:t>
+            </a:r>
+            <a:r>
+              <a:rPr lang="en-ID" dirty="0" err="1"/>
+              <a:t>digunakan</a:t>
+            </a:r>
+            <a:r>
+              <a:rPr lang="en-ID" dirty="0"/>
+              <a:t> </a:t>
+            </a:r>
+            <a:r>
+              <a:rPr lang="en-ID" dirty="0" err="1"/>
+              <a:t>untuk</a:t>
+            </a:r>
+            <a:r>
+              <a:rPr lang="en-ID" dirty="0"/>
+              <a:t> </a:t>
+            </a:r>
+            <a:r>
+              <a:rPr lang="en-ID" dirty="0" err="1"/>
+              <a:t>menampung</a:t>
+            </a:r>
+            <a:r>
+              <a:rPr lang="en-ID" dirty="0"/>
+              <a:t> </a:t>
+            </a:r>
+            <a:r>
+              <a:rPr lang="en-ID" dirty="0" err="1"/>
+              <a:t>informasi</a:t>
+            </a:r>
+            <a:r>
+              <a:rPr lang="en-ID" dirty="0"/>
+              <a:t> </a:t>
+            </a:r>
+            <a:r>
+              <a:rPr lang="en-ID" dirty="0" err="1"/>
+              <a:t>mengenai</a:t>
+            </a:r>
+            <a:r>
+              <a:rPr lang="en-ID" dirty="0"/>
+              <a:t> </a:t>
+            </a:r>
+            <a:r>
+              <a:rPr lang="en-ID" dirty="0" err="1"/>
+              <a:t>akun</a:t>
+            </a:r>
+            <a:r>
+              <a:rPr lang="en-ID" dirty="0"/>
+              <a:t> </a:t>
+            </a:r>
+            <a:r>
+              <a:rPr lang="en-ID" dirty="0" err="1"/>
+              <a:t>nasabah</a:t>
+            </a:r>
+            <a:r>
+              <a:rPr lang="en-ID" dirty="0"/>
+              <a:t> </a:t>
+            </a:r>
+            <a:r>
+              <a:rPr lang="en-ID" dirty="0" err="1"/>
+              <a:t>seperti</a:t>
+            </a:r>
+            <a:r>
+              <a:rPr lang="en-ID" dirty="0"/>
+              <a:t> </a:t>
+            </a:r>
+            <a:r>
+              <a:rPr lang="en-ID" dirty="0" err="1"/>
+              <a:t>nama</a:t>
+            </a:r>
+            <a:r>
+              <a:rPr lang="en-ID" dirty="0"/>
+              <a:t>, </a:t>
+            </a:r>
+            <a:r>
+              <a:rPr lang="en-ID" dirty="0" err="1"/>
+              <a:t>saldo</a:t>
+            </a:r>
+            <a:r>
+              <a:rPr lang="en-ID" dirty="0"/>
+              <a:t>, </a:t>
+            </a:r>
+            <a:r>
+              <a:rPr lang="en-ID" dirty="0" err="1"/>
+              <a:t>alamat</a:t>
+            </a:r>
+            <a:r>
+              <a:rPr lang="en-ID" dirty="0"/>
+              <a:t>, dan </a:t>
+            </a:r>
+            <a:r>
+              <a:rPr lang="en-ID" dirty="0" err="1"/>
+              <a:t>nomor</a:t>
+            </a:r>
+            <a:r>
+              <a:rPr lang="en-ID" dirty="0"/>
+              <a:t> </a:t>
+            </a:r>
+            <a:r>
+              <a:rPr lang="en-ID" dirty="0" err="1"/>
+              <a:t>rekening</a:t>
+            </a:r>
+            <a:r>
+              <a:rPr lang="en-ID" dirty="0"/>
+              <a:t>. </a:t>
+            </a:r>
+            <a:r>
+              <a:rPr lang="en-ID" dirty="0" err="1"/>
+              <a:t>Selain</a:t>
+            </a:r>
+            <a:r>
+              <a:rPr lang="en-ID" dirty="0"/>
+              <a:t> </a:t>
+            </a:r>
+            <a:r>
+              <a:rPr lang="en-ID" dirty="0" err="1"/>
+              <a:t>itu</a:t>
+            </a:r>
+            <a:r>
+              <a:rPr lang="en-ID" dirty="0"/>
+              <a:t>, status </a:t>
+            </a:r>
+            <a:r>
+              <a:rPr lang="en-ID" dirty="0" err="1"/>
+              <a:t>akun</a:t>
+            </a:r>
+            <a:r>
+              <a:rPr lang="en-ID" dirty="0"/>
+              <a:t> juga </a:t>
+            </a:r>
+            <a:r>
+              <a:rPr lang="en-ID" dirty="0" err="1"/>
+              <a:t>diperlukan</a:t>
+            </a:r>
+            <a:r>
+              <a:rPr lang="en-ID" dirty="0"/>
+              <a:t> </a:t>
+            </a:r>
+            <a:r>
+              <a:rPr lang="en-ID" dirty="0" err="1"/>
+              <a:t>untuk</a:t>
+            </a:r>
+            <a:r>
+              <a:rPr lang="en-ID" dirty="0"/>
+              <a:t> </a:t>
+            </a:r>
+            <a:r>
+              <a:rPr lang="en-ID" dirty="0" err="1"/>
+              <a:t>menentukan</a:t>
+            </a:r>
+            <a:r>
+              <a:rPr lang="en-ID" dirty="0"/>
+              <a:t> </a:t>
+            </a:r>
+            <a:r>
+              <a:rPr lang="en-ID" dirty="0" err="1"/>
+              <a:t>bahwa</a:t>
+            </a:r>
+            <a:r>
+              <a:rPr lang="en-ID" dirty="0"/>
+              <a:t> </a:t>
+            </a:r>
+            <a:r>
+              <a:rPr lang="en-ID" dirty="0" err="1"/>
+              <a:t>akun</a:t>
+            </a:r>
+            <a:r>
+              <a:rPr lang="en-ID" dirty="0"/>
+              <a:t> </a:t>
+            </a:r>
+            <a:r>
+              <a:rPr lang="en-ID" dirty="0" err="1"/>
+              <a:t>tersebut</a:t>
+            </a:r>
+            <a:r>
+              <a:rPr lang="en-ID" dirty="0"/>
+              <a:t> </a:t>
+            </a:r>
+            <a:r>
+              <a:rPr lang="en-ID" dirty="0" err="1"/>
+              <a:t>aktif</a:t>
+            </a:r>
+            <a:r>
+              <a:rPr lang="en-ID" dirty="0"/>
+              <a:t> </a:t>
+            </a:r>
+            <a:r>
+              <a:rPr lang="en-ID" dirty="0" err="1"/>
+              <a:t>atau</a:t>
+            </a:r>
+            <a:r>
+              <a:rPr lang="en-ID" dirty="0"/>
+              <a:t> </a:t>
+            </a:r>
+            <a:r>
+              <a:rPr lang="en-ID" dirty="0" err="1"/>
+              <a:t>sudah</a:t>
+            </a:r>
+            <a:r>
+              <a:rPr lang="en-ID" dirty="0"/>
+              <a:t> </a:t>
+            </a:r>
+            <a:r>
+              <a:rPr lang="en-ID" dirty="0" err="1"/>
+              <a:t>dinonaktifkan</a:t>
+            </a:r>
+            <a:r>
+              <a:rPr lang="en-ID" dirty="0"/>
+              <a:t>. </a:t>
+            </a:r>
+            <a:r>
+              <a:rPr lang="en-ID" dirty="0" err="1"/>
+              <a:t>Akun</a:t>
+            </a:r>
+            <a:r>
+              <a:rPr lang="en-ID" dirty="0"/>
+              <a:t> yang </a:t>
+            </a:r>
+            <a:r>
+              <a:rPr lang="en-ID" dirty="0" err="1"/>
+              <a:t>masih</a:t>
+            </a:r>
+            <a:r>
+              <a:rPr lang="en-ID" dirty="0"/>
+              <a:t> </a:t>
+            </a:r>
+            <a:r>
+              <a:rPr lang="en-ID" dirty="0" err="1"/>
+              <a:t>aktif</a:t>
+            </a:r>
+            <a:r>
+              <a:rPr lang="en-ID" dirty="0"/>
+              <a:t> </a:t>
+            </a:r>
+            <a:r>
+              <a:rPr lang="en-ID" dirty="0" err="1"/>
+              <a:t>dapat</a:t>
+            </a:r>
+            <a:r>
+              <a:rPr lang="en-ID" dirty="0"/>
+              <a:t> </a:t>
+            </a:r>
+            <a:r>
+              <a:rPr lang="en-ID" dirty="0" err="1"/>
+              <a:t>diindikasikan</a:t>
+            </a:r>
+            <a:r>
+              <a:rPr lang="en-ID" dirty="0"/>
+              <a:t> </a:t>
+            </a:r>
+            <a:r>
+              <a:rPr lang="en-ID" dirty="0" err="1"/>
+              <a:t>dengan</a:t>
+            </a:r>
+            <a:r>
+              <a:rPr lang="en-ID" dirty="0"/>
+              <a:t> </a:t>
+            </a:r>
+            <a:r>
+              <a:rPr lang="en-ID" dirty="0" err="1"/>
+              <a:t>masuknya</a:t>
+            </a:r>
+            <a:r>
+              <a:rPr lang="en-ID" dirty="0"/>
+              <a:t> </a:t>
+            </a:r>
+            <a:r>
+              <a:rPr lang="en-ID" dirty="0" err="1"/>
+              <a:t>ke</a:t>
+            </a:r>
+            <a:r>
+              <a:rPr lang="en-ID" dirty="0"/>
+              <a:t> menu </a:t>
+            </a:r>
+            <a:r>
+              <a:rPr lang="en-ID" dirty="0" err="1"/>
+              <a:t>utama</a:t>
+            </a:r>
+            <a:r>
+              <a:rPr lang="en-ID" dirty="0"/>
+              <a:t> </a:t>
+            </a:r>
+            <a:r>
+              <a:rPr lang="en-ID" dirty="0" err="1"/>
+              <a:t>sedangkan</a:t>
+            </a:r>
+            <a:r>
+              <a:rPr lang="en-ID" dirty="0"/>
+              <a:t> </a:t>
+            </a:r>
+            <a:r>
+              <a:rPr lang="en-ID" dirty="0" err="1"/>
+              <a:t>akun</a:t>
+            </a:r>
+            <a:r>
+              <a:rPr lang="en-ID" dirty="0"/>
+              <a:t> yang </a:t>
+            </a:r>
+            <a:r>
+              <a:rPr lang="en-ID" dirty="0" err="1"/>
+              <a:t>sudah</a:t>
+            </a:r>
+            <a:r>
+              <a:rPr lang="en-ID" dirty="0"/>
+              <a:t> </a:t>
+            </a:r>
+            <a:r>
+              <a:rPr lang="en-ID" dirty="0" err="1"/>
+              <a:t>ditutup</a:t>
+            </a:r>
+            <a:r>
+              <a:rPr lang="en-ID" dirty="0"/>
+              <a:t> </a:t>
+            </a:r>
+            <a:r>
+              <a:rPr lang="en-ID" dirty="0" err="1"/>
+              <a:t>diindikasikan</a:t>
+            </a:r>
+            <a:r>
+              <a:rPr lang="en-ID" dirty="0"/>
+              <a:t> </a:t>
+            </a:r>
+            <a:r>
+              <a:rPr lang="en-ID" dirty="0" err="1"/>
+              <a:t>dengan</a:t>
+            </a:r>
+            <a:r>
+              <a:rPr lang="en-ID" dirty="0"/>
+              <a:t> </a:t>
+            </a:r>
+            <a:r>
+              <a:rPr lang="en-ID" dirty="0" err="1"/>
+              <a:t>tampilan”Akun</a:t>
+            </a:r>
+            <a:r>
+              <a:rPr lang="en-ID" dirty="0"/>
+              <a:t> </a:t>
+            </a:r>
+            <a:r>
+              <a:rPr lang="en-ID" dirty="0" err="1"/>
+              <a:t>ini</a:t>
+            </a:r>
+            <a:r>
+              <a:rPr lang="en-ID" dirty="0"/>
+              <a:t> </a:t>
+            </a:r>
+            <a:r>
+              <a:rPr lang="en-ID" dirty="0" err="1"/>
+              <a:t>sudah</a:t>
+            </a:r>
+            <a:r>
+              <a:rPr lang="en-ID" dirty="0"/>
+              <a:t> </a:t>
+            </a:r>
+            <a:r>
+              <a:rPr lang="en-ID" dirty="0" err="1"/>
+              <a:t>ditutup</a:t>
+            </a:r>
+            <a:r>
+              <a:rPr lang="en-ID" dirty="0"/>
+              <a:t>”.</a:t>
+            </a:r>
+          </a:p>
+          <a:p>
+            <a:pPr marL="177796" indent="0">
+              <a:buNone/>
+            </a:pPr>
+            <a:r>
+              <a:rPr lang="en-ID" dirty="0"/>
+              <a:t> </a:t>
+            </a:r>
+          </a:p>
+          <a:p>
+            <a:pPr marL="177796" indent="0">
+              <a:buNone/>
+            </a:pPr>
+            <a:r>
+              <a:rPr lang="en-ID" dirty="0"/>
+              <a:t>2. </a:t>
+            </a:r>
+            <a:r>
+              <a:rPr lang="en-ID" dirty="0" err="1"/>
+              <a:t>Rekening</a:t>
+            </a:r>
+            <a:r>
+              <a:rPr lang="en-ID" dirty="0"/>
+              <a:t> </a:t>
+            </a:r>
+            <a:r>
+              <a:rPr lang="en-ID" dirty="0" err="1"/>
+              <a:t>tujuan</a:t>
+            </a:r>
+            <a:endParaRPr lang="en-ID" dirty="0"/>
+          </a:p>
+          <a:p>
+            <a:pPr marL="177796" indent="0">
+              <a:buNone/>
+            </a:pPr>
+            <a:r>
+              <a:rPr lang="en-ID" dirty="0" err="1"/>
+              <a:t>Rekening</a:t>
+            </a:r>
+            <a:r>
+              <a:rPr lang="en-ID" dirty="0"/>
+              <a:t> </a:t>
+            </a:r>
+            <a:r>
+              <a:rPr lang="en-ID" dirty="0" err="1"/>
+              <a:t>tujuan</a:t>
+            </a:r>
+            <a:r>
+              <a:rPr lang="en-ID" dirty="0"/>
+              <a:t> </a:t>
+            </a:r>
+            <a:r>
+              <a:rPr lang="en-ID" dirty="0" err="1"/>
+              <a:t>digunakan</a:t>
+            </a:r>
+            <a:r>
+              <a:rPr lang="en-ID" dirty="0"/>
+              <a:t> </a:t>
+            </a:r>
+            <a:r>
+              <a:rPr lang="en-ID" dirty="0" err="1"/>
+              <a:t>untuk</a:t>
+            </a:r>
+            <a:r>
+              <a:rPr lang="en-ID" dirty="0"/>
+              <a:t> </a:t>
+            </a:r>
+            <a:r>
+              <a:rPr lang="en-ID" dirty="0" err="1"/>
+              <a:t>melakukan</a:t>
+            </a:r>
+            <a:r>
+              <a:rPr lang="en-ID" dirty="0"/>
+              <a:t> </a:t>
+            </a:r>
+            <a:r>
+              <a:rPr lang="en-ID" dirty="0" err="1"/>
+              <a:t>transaksi</a:t>
+            </a:r>
+            <a:r>
+              <a:rPr lang="en-ID" dirty="0"/>
+              <a:t> transfer. </a:t>
+            </a:r>
+            <a:r>
+              <a:rPr lang="en-ID" dirty="0" err="1"/>
+              <a:t>Nomor</a:t>
+            </a:r>
+            <a:r>
+              <a:rPr lang="en-ID" dirty="0"/>
+              <a:t> </a:t>
+            </a:r>
+            <a:r>
+              <a:rPr lang="en-ID" dirty="0" err="1"/>
+              <a:t>rekeing</a:t>
+            </a:r>
+            <a:r>
+              <a:rPr lang="en-ID" dirty="0"/>
+              <a:t> </a:t>
+            </a:r>
+            <a:r>
+              <a:rPr lang="en-ID" dirty="0" err="1"/>
+              <a:t>nasabah</a:t>
+            </a:r>
+            <a:r>
+              <a:rPr lang="en-ID" dirty="0"/>
+              <a:t> </a:t>
+            </a:r>
+            <a:r>
+              <a:rPr lang="en-ID" dirty="0" err="1"/>
+              <a:t>sudah</a:t>
+            </a:r>
+            <a:r>
+              <a:rPr lang="en-ID" dirty="0"/>
+              <a:t> </a:t>
+            </a:r>
+            <a:r>
+              <a:rPr lang="en-ID" dirty="0" err="1"/>
+              <a:t>dideklarasikan</a:t>
+            </a:r>
+            <a:r>
+              <a:rPr lang="en-ID" dirty="0"/>
+              <a:t> di data </a:t>
+            </a:r>
+            <a:r>
+              <a:rPr lang="en-ID" dirty="0" err="1"/>
+              <a:t>akun</a:t>
+            </a:r>
+            <a:r>
+              <a:rPr lang="en-ID" dirty="0"/>
+              <a:t> </a:t>
+            </a:r>
+            <a:r>
+              <a:rPr lang="en-ID" dirty="0" err="1"/>
+              <a:t>nasabah</a:t>
+            </a:r>
+            <a:r>
+              <a:rPr lang="en-ID" dirty="0"/>
+              <a:t>.</a:t>
+            </a:r>
+            <a:endParaRPr lang="en-US" dirty="0"/>
+          </a:p>
+          <a:p>
+            <a:pPr marL="177796" indent="0">
+              <a:buNone/>
+            </a:pPr>
+            <a:endParaRPr lang="en-ID" dirty="0"/>
+          </a:p>
+          <a:p>
+            <a:pPr marL="177796" indent="0">
+              <a:buNone/>
+            </a:pPr>
+            <a:r>
+              <a:rPr lang="en-ID" dirty="0"/>
+              <a:t>3. </a:t>
+            </a:r>
+            <a:r>
+              <a:rPr lang="en-ID" dirty="0" err="1"/>
+              <a:t>Pilihan</a:t>
+            </a:r>
+            <a:endParaRPr lang="en-ID" dirty="0"/>
+          </a:p>
+          <a:p>
+            <a:pPr marL="177796" indent="0">
+              <a:buNone/>
+            </a:pPr>
+            <a:r>
+              <a:rPr lang="en-ID" dirty="0" err="1"/>
+              <a:t>Pilihan</a:t>
+            </a:r>
+            <a:r>
+              <a:rPr lang="en-ID" dirty="0"/>
+              <a:t> </a:t>
+            </a:r>
+            <a:r>
+              <a:rPr lang="en-ID" dirty="0" err="1"/>
+              <a:t>berfungsi</a:t>
+            </a:r>
+            <a:r>
+              <a:rPr lang="en-ID" dirty="0"/>
+              <a:t> </a:t>
+            </a:r>
+            <a:r>
+              <a:rPr lang="en-ID" dirty="0" err="1"/>
+              <a:t>untuk</a:t>
+            </a:r>
+            <a:r>
+              <a:rPr lang="en-ID" dirty="0"/>
+              <a:t> </a:t>
+            </a:r>
+            <a:r>
+              <a:rPr lang="en-ID" dirty="0" err="1"/>
+              <a:t>menetukan</a:t>
+            </a:r>
+            <a:r>
+              <a:rPr lang="en-ID" dirty="0"/>
+              <a:t> </a:t>
+            </a:r>
+            <a:r>
+              <a:rPr lang="en-ID" dirty="0" err="1"/>
+              <a:t>tujuan</a:t>
+            </a:r>
+            <a:r>
+              <a:rPr lang="en-ID" dirty="0"/>
+              <a:t> </a:t>
+            </a:r>
+            <a:r>
+              <a:rPr lang="en-ID" dirty="0" err="1"/>
+              <a:t>yg</a:t>
+            </a:r>
+            <a:r>
+              <a:rPr lang="en-ID" dirty="0"/>
+              <a:t> </a:t>
+            </a:r>
+            <a:r>
+              <a:rPr lang="en-ID" dirty="0" err="1"/>
+              <a:t>dilakukan</a:t>
+            </a:r>
+            <a:r>
+              <a:rPr lang="en-ID" dirty="0"/>
+              <a:t> </a:t>
+            </a:r>
+            <a:r>
+              <a:rPr lang="en-ID" dirty="0" err="1"/>
+              <a:t>berikutnya</a:t>
+            </a:r>
+            <a:r>
+              <a:rPr lang="en-ID" dirty="0"/>
+              <a:t>. </a:t>
+            </a:r>
+            <a:r>
+              <a:rPr lang="en-ID" dirty="0" err="1"/>
+              <a:t>Contohnya</a:t>
+            </a:r>
+            <a:r>
+              <a:rPr lang="en-ID" dirty="0"/>
+              <a:t>, </a:t>
+            </a:r>
+            <a:r>
+              <a:rPr lang="en-ID" dirty="0" err="1"/>
+              <a:t>terdapat</a:t>
+            </a:r>
+            <a:r>
+              <a:rPr lang="en-ID" dirty="0"/>
+              <a:t> </a:t>
+            </a:r>
+            <a:r>
+              <a:rPr lang="en-ID" dirty="0" err="1"/>
+              <a:t>pilihan</a:t>
+            </a:r>
+            <a:r>
+              <a:rPr lang="en-ID" dirty="0"/>
+              <a:t> </a:t>
+            </a:r>
+            <a:r>
+              <a:rPr lang="en-ID" dirty="0" err="1"/>
+              <a:t>untuk</a:t>
+            </a:r>
+            <a:r>
+              <a:rPr lang="en-ID" dirty="0"/>
+              <a:t> </a:t>
+            </a:r>
+            <a:r>
+              <a:rPr lang="en-ID" dirty="0" err="1"/>
+              <a:t>kembali</a:t>
+            </a:r>
+            <a:r>
+              <a:rPr lang="en-ID" dirty="0"/>
+              <a:t> </a:t>
+            </a:r>
+            <a:r>
+              <a:rPr lang="en-ID" dirty="0" err="1"/>
+              <a:t>memasukkan</a:t>
+            </a:r>
+            <a:r>
+              <a:rPr lang="en-ID" dirty="0"/>
+              <a:t> PIN </a:t>
+            </a:r>
+            <a:r>
+              <a:rPr lang="en-ID" dirty="0" err="1"/>
+              <a:t>dengan</a:t>
+            </a:r>
+            <a:r>
+              <a:rPr lang="en-ID" dirty="0"/>
+              <a:t> </a:t>
+            </a:r>
+            <a:r>
+              <a:rPr lang="en-ID" dirty="0" err="1"/>
+              <a:t>nomor</a:t>
+            </a:r>
+            <a:r>
+              <a:rPr lang="en-ID" dirty="0"/>
+              <a:t> </a:t>
+            </a:r>
+            <a:r>
+              <a:rPr lang="en-ID" dirty="0" err="1"/>
+              <a:t>pilihan</a:t>
+            </a:r>
+            <a:r>
+              <a:rPr lang="en-ID" dirty="0"/>
+              <a:t> 1 dan </a:t>
+            </a:r>
+            <a:r>
+              <a:rPr lang="en-ID" dirty="0" err="1"/>
+              <a:t>pilihan</a:t>
+            </a:r>
+            <a:r>
+              <a:rPr lang="en-ID" dirty="0"/>
+              <a:t> </a:t>
+            </a:r>
+            <a:r>
+              <a:rPr lang="en-ID" dirty="0" err="1"/>
+              <a:t>untuk</a:t>
+            </a:r>
+            <a:r>
+              <a:rPr lang="en-ID" dirty="0"/>
+              <a:t> </a:t>
+            </a:r>
+            <a:r>
+              <a:rPr lang="en-ID" dirty="0" err="1"/>
+              <a:t>keluar</a:t>
+            </a:r>
+            <a:r>
+              <a:rPr lang="en-ID" dirty="0"/>
+              <a:t> </a:t>
+            </a:r>
+            <a:r>
+              <a:rPr lang="en-ID" dirty="0" err="1"/>
+              <a:t>dari</a:t>
+            </a:r>
+            <a:r>
+              <a:rPr lang="en-ID" dirty="0"/>
+              <a:t> program </a:t>
+            </a:r>
+            <a:r>
+              <a:rPr lang="en-ID" dirty="0" err="1"/>
+              <a:t>dengan</a:t>
+            </a:r>
+            <a:r>
+              <a:rPr lang="en-ID" dirty="0"/>
+              <a:t> </a:t>
+            </a:r>
+            <a:r>
+              <a:rPr lang="en-ID" dirty="0" err="1"/>
+              <a:t>nomor</a:t>
+            </a:r>
+            <a:r>
+              <a:rPr lang="en-ID" dirty="0"/>
+              <a:t> </a:t>
+            </a:r>
+            <a:r>
+              <a:rPr lang="en-ID" dirty="0" err="1"/>
+              <a:t>pilihan</a:t>
+            </a:r>
+            <a:r>
+              <a:rPr lang="en-ID" dirty="0"/>
+              <a:t> 2.</a:t>
+            </a:r>
+            <a:endParaRPr lang="en-US" dirty="0"/>
+          </a:p>
+          <a:p>
+            <a:pPr marL="177796" indent="0">
+              <a:buNone/>
+            </a:pPr>
+            <a:endParaRPr lang="en-ID" dirty="0"/>
+          </a:p>
+          <a:p>
+            <a:pPr marL="177796" indent="0">
+              <a:buNone/>
+            </a:pPr>
+            <a:endParaRPr lang="en-US" dirty="0"/>
+          </a:p>
+        </p:txBody>
+      </p:sp>
+      <p:sp>
+        <p:nvSpPr>
+          <p:cNvPr id="3" name="Title 2">
+            <a:extLst>
+              <a:ext uri="{FF2B5EF4-FFF2-40B4-BE49-F238E27FC236}">
+                <a16:creationId xmlns:a16="http://schemas.microsoft.com/office/drawing/2014/main" id="{6646B383-51F9-48FA-8C97-09DB35228171}"/>
+              </a:ext>
+            </a:extLst>
+          </p:cNvPr>
+          <p:cNvSpPr>
+            <a:spLocks noGrp="1"/>
+          </p:cNvSpPr>
+          <p:nvPr>
+            <p:ph type="ctrTitle"/>
+          </p:nvPr>
+        </p:nvSpPr>
+        <p:spPr/>
+        <p:txBody>
+          <a:bodyPr/>
+          <a:lstStyle/>
+          <a:p>
+            <a:r>
+              <a:rPr lang="en-US" dirty="0"/>
+              <a:t>1. </a:t>
+            </a:r>
+            <a:r>
+              <a:rPr lang="en-US" dirty="0" err="1"/>
+              <a:t>Kebutuhan</a:t>
+            </a:r>
+            <a:r>
+              <a:rPr lang="en-US" dirty="0"/>
+              <a:t> data</a:t>
+            </a:r>
+          </a:p>
+        </p:txBody>
+      </p:sp>
+    </p:spTree>
+    <p:extLst>
+      <p:ext uri="{BB962C8B-B14F-4D97-AF65-F5344CB8AC3E}">
+        <p14:creationId xmlns:p14="http://schemas.microsoft.com/office/powerpoint/2010/main" val="902320851"/>
       </p:ext>
     </p:extLst>
   </p:cSld>
